--- a/Flatiron Data Science Phase 1 Project.pptx
+++ b/Flatiron Data Science Phase 1 Project.pptx
@@ -8,18 +8,13 @@
     <p:sldId id="256" r:id="rId2"/>
     <p:sldId id="258" r:id="rId3"/>
     <p:sldId id="259" r:id="rId4"/>
-    <p:sldId id="260" r:id="rId5"/>
-    <p:sldId id="261" r:id="rId6"/>
-    <p:sldId id="262" r:id="rId7"/>
-    <p:sldId id="265" r:id="rId8"/>
-    <p:sldId id="266" r:id="rId9"/>
-    <p:sldId id="267" r:id="rId10"/>
-    <p:sldId id="268" r:id="rId11"/>
-    <p:sldId id="269" r:id="rId12"/>
-    <p:sldId id="270" r:id="rId13"/>
-    <p:sldId id="271" r:id="rId14"/>
-    <p:sldId id="263" r:id="rId15"/>
-    <p:sldId id="264" r:id="rId16"/>
+    <p:sldId id="262" r:id="rId5"/>
+    <p:sldId id="268" r:id="rId6"/>
+    <p:sldId id="269" r:id="rId7"/>
+    <p:sldId id="270" r:id="rId8"/>
+    <p:sldId id="271" r:id="rId9"/>
+    <p:sldId id="263" r:id="rId10"/>
+    <p:sldId id="264" r:id="rId11"/>
   </p:sldIdLst>
   <p:sldSz cx="12192000" cy="6858000"/>
   <p:notesSz cx="6858000" cy="9144000"/>
@@ -118,2960 +113,12 @@
       </a:defRPr>
     </a:lvl9pPr>
   </p:defaultTextStyle>
+  <p:extLst>
+    <p:ext uri="{EFAFB233-063F-42B5-8137-9DF3F51BA10A}">
+      <p15:sldGuideLst xmlns:p15="http://schemas.microsoft.com/office/powerpoint/2012/main"/>
+    </p:ext>
+  </p:extLst>
 </p:presentation>
-</file>
-
-<file path=ppt/diagrams/colors1.xml><?xml version="1.0" encoding="utf-8"?>
-<dgm:colorsDef xmlns:dgm="http://schemas.openxmlformats.org/drawingml/2006/diagram" xmlns:a="http://schemas.openxmlformats.org/drawingml/2006/main" uniqueId="urn:microsoft.com/office/officeart/2005/8/colors/accent1_2">
-  <dgm:title val=""/>
-  <dgm:desc val=""/>
-  <dgm:catLst>
-    <dgm:cat type="accent1" pri="11200"/>
-  </dgm:catLst>
-  <dgm:styleLbl name="node0">
-    <dgm:fillClrLst meth="repeat">
-      <a:schemeClr val="accent1"/>
-    </dgm:fillClrLst>
-    <dgm:linClrLst meth="repeat">
-      <a:schemeClr val="lt1"/>
-    </dgm:linClrLst>
-    <dgm:effectClrLst/>
-    <dgm:txLinClrLst/>
-    <dgm:txFillClrLst/>
-    <dgm:txEffectClrLst/>
-  </dgm:styleLbl>
-  <dgm:styleLbl name="alignNode1">
-    <dgm:fillClrLst meth="repeat">
-      <a:schemeClr val="accent1"/>
-    </dgm:fillClrLst>
-    <dgm:linClrLst meth="repeat">
-      <a:schemeClr val="accent1"/>
-    </dgm:linClrLst>
-    <dgm:effectClrLst/>
-    <dgm:txLinClrLst/>
-    <dgm:txFillClrLst/>
-    <dgm:txEffectClrLst/>
-  </dgm:styleLbl>
-  <dgm:styleLbl name="node1">
-    <dgm:fillClrLst meth="repeat">
-      <a:schemeClr val="accent1"/>
-    </dgm:fillClrLst>
-    <dgm:linClrLst meth="repeat">
-      <a:schemeClr val="lt1"/>
-    </dgm:linClrLst>
-    <dgm:effectClrLst/>
-    <dgm:txLinClrLst/>
-    <dgm:txFillClrLst/>
-    <dgm:txEffectClrLst/>
-  </dgm:styleLbl>
-  <dgm:styleLbl name="lnNode1">
-    <dgm:fillClrLst meth="repeat">
-      <a:schemeClr val="accent1"/>
-    </dgm:fillClrLst>
-    <dgm:linClrLst meth="repeat">
-      <a:schemeClr val="lt1"/>
-    </dgm:linClrLst>
-    <dgm:effectClrLst/>
-    <dgm:txLinClrLst/>
-    <dgm:txFillClrLst/>
-    <dgm:txEffectClrLst/>
-  </dgm:styleLbl>
-  <dgm:styleLbl name="vennNode1">
-    <dgm:fillClrLst meth="repeat">
-      <a:schemeClr val="accent1">
-        <a:alpha val="50000"/>
-      </a:schemeClr>
-    </dgm:fillClrLst>
-    <dgm:linClrLst meth="repeat">
-      <a:schemeClr val="lt1"/>
-    </dgm:linClrLst>
-    <dgm:effectClrLst/>
-    <dgm:txLinClrLst/>
-    <dgm:txFillClrLst/>
-    <dgm:txEffectClrLst/>
-  </dgm:styleLbl>
-  <dgm:styleLbl name="node2">
-    <dgm:fillClrLst meth="repeat">
-      <a:schemeClr val="accent1"/>
-    </dgm:fillClrLst>
-    <dgm:linClrLst meth="repeat">
-      <a:schemeClr val="lt1"/>
-    </dgm:linClrLst>
-    <dgm:effectClrLst/>
-    <dgm:txLinClrLst/>
-    <dgm:txFillClrLst/>
-    <dgm:txEffectClrLst/>
-  </dgm:styleLbl>
-  <dgm:styleLbl name="node3">
-    <dgm:fillClrLst meth="repeat">
-      <a:schemeClr val="accent1"/>
-    </dgm:fillClrLst>
-    <dgm:linClrLst meth="repeat">
-      <a:schemeClr val="lt1"/>
-    </dgm:linClrLst>
-    <dgm:effectClrLst/>
-    <dgm:txLinClrLst/>
-    <dgm:txFillClrLst/>
-    <dgm:txEffectClrLst/>
-  </dgm:styleLbl>
-  <dgm:styleLbl name="node4">
-    <dgm:fillClrLst meth="repeat">
-      <a:schemeClr val="accent1"/>
-    </dgm:fillClrLst>
-    <dgm:linClrLst meth="repeat">
-      <a:schemeClr val="lt1"/>
-    </dgm:linClrLst>
-    <dgm:effectClrLst/>
-    <dgm:txLinClrLst/>
-    <dgm:txFillClrLst/>
-    <dgm:txEffectClrLst/>
-  </dgm:styleLbl>
-  <dgm:styleLbl name="fgImgPlace1">
-    <dgm:fillClrLst meth="repeat">
-      <a:schemeClr val="accent1">
-        <a:tint val="50000"/>
-      </a:schemeClr>
-    </dgm:fillClrLst>
-    <dgm:linClrLst meth="repeat">
-      <a:schemeClr val="lt1"/>
-    </dgm:linClrLst>
-    <dgm:effectClrLst/>
-    <dgm:txLinClrLst/>
-    <dgm:txFillClrLst meth="repeat">
-      <a:schemeClr val="lt1"/>
-    </dgm:txFillClrLst>
-    <dgm:txEffectClrLst/>
-  </dgm:styleLbl>
-  <dgm:styleLbl name="alignImgPlace1">
-    <dgm:fillClrLst meth="repeat">
-      <a:schemeClr val="accent1">
-        <a:tint val="50000"/>
-      </a:schemeClr>
-    </dgm:fillClrLst>
-    <dgm:linClrLst meth="repeat">
-      <a:schemeClr val="lt1"/>
-    </dgm:linClrLst>
-    <dgm:effectClrLst/>
-    <dgm:txLinClrLst/>
-    <dgm:txFillClrLst meth="repeat">
-      <a:schemeClr val="lt1"/>
-    </dgm:txFillClrLst>
-    <dgm:txEffectClrLst/>
-  </dgm:styleLbl>
-  <dgm:styleLbl name="bgImgPlace1">
-    <dgm:fillClrLst meth="repeat">
-      <a:schemeClr val="accent1">
-        <a:tint val="50000"/>
-      </a:schemeClr>
-    </dgm:fillClrLst>
-    <dgm:linClrLst meth="repeat">
-      <a:schemeClr val="lt1"/>
-    </dgm:linClrLst>
-    <dgm:effectClrLst/>
-    <dgm:txLinClrLst/>
-    <dgm:txFillClrLst meth="repeat">
-      <a:schemeClr val="lt1"/>
-    </dgm:txFillClrLst>
-    <dgm:txEffectClrLst/>
-  </dgm:styleLbl>
-  <dgm:styleLbl name="sibTrans2D1">
-    <dgm:fillClrLst meth="repeat">
-      <a:schemeClr val="accent1">
-        <a:tint val="60000"/>
-      </a:schemeClr>
-    </dgm:fillClrLst>
-    <dgm:linClrLst meth="repeat">
-      <a:schemeClr val="accent1">
-        <a:tint val="60000"/>
-      </a:schemeClr>
-    </dgm:linClrLst>
-    <dgm:effectClrLst/>
-    <dgm:txLinClrLst/>
-    <dgm:txFillClrLst/>
-    <dgm:txEffectClrLst/>
-  </dgm:styleLbl>
-  <dgm:styleLbl name="fgSibTrans2D1">
-    <dgm:fillClrLst meth="repeat">
-      <a:schemeClr val="accent1">
-        <a:tint val="60000"/>
-      </a:schemeClr>
-    </dgm:fillClrLst>
-    <dgm:linClrLst meth="repeat">
-      <a:schemeClr val="accent1">
-        <a:tint val="60000"/>
-      </a:schemeClr>
-    </dgm:linClrLst>
-    <dgm:effectClrLst/>
-    <dgm:txLinClrLst/>
-    <dgm:txFillClrLst/>
-    <dgm:txEffectClrLst/>
-  </dgm:styleLbl>
-  <dgm:styleLbl name="bgSibTrans2D1">
-    <dgm:fillClrLst meth="repeat">
-      <a:schemeClr val="accent1">
-        <a:tint val="60000"/>
-      </a:schemeClr>
-    </dgm:fillClrLst>
-    <dgm:linClrLst meth="repeat">
-      <a:schemeClr val="accent1">
-        <a:tint val="60000"/>
-      </a:schemeClr>
-    </dgm:linClrLst>
-    <dgm:effectClrLst/>
-    <dgm:txLinClrLst/>
-    <dgm:txFillClrLst/>
-    <dgm:txEffectClrLst/>
-  </dgm:styleLbl>
-  <dgm:styleLbl name="sibTrans1D1">
-    <dgm:fillClrLst meth="repeat">
-      <a:schemeClr val="accent1"/>
-    </dgm:fillClrLst>
-    <dgm:linClrLst meth="repeat">
-      <a:schemeClr val="accent1"/>
-    </dgm:linClrLst>
-    <dgm:effectClrLst/>
-    <dgm:txLinClrLst/>
-    <dgm:txFillClrLst meth="repeat">
-      <a:schemeClr val="tx1"/>
-    </dgm:txFillClrLst>
-    <dgm:txEffectClrLst/>
-  </dgm:styleLbl>
-  <dgm:styleLbl name="callout">
-    <dgm:fillClrLst meth="repeat">
-      <a:schemeClr val="accent1"/>
-    </dgm:fillClrLst>
-    <dgm:linClrLst meth="repeat">
-      <a:schemeClr val="accent1">
-        <a:tint val="50000"/>
-      </a:schemeClr>
-    </dgm:linClrLst>
-    <dgm:effectClrLst/>
-    <dgm:txLinClrLst/>
-    <dgm:txFillClrLst meth="repeat">
-      <a:schemeClr val="tx1"/>
-    </dgm:txFillClrLst>
-    <dgm:txEffectClrLst/>
-  </dgm:styleLbl>
-  <dgm:styleLbl name="asst0">
-    <dgm:fillClrLst meth="repeat">
-      <a:schemeClr val="accent1"/>
-    </dgm:fillClrLst>
-    <dgm:linClrLst meth="repeat">
-      <a:schemeClr val="lt1"/>
-    </dgm:linClrLst>
-    <dgm:effectClrLst/>
-    <dgm:txLinClrLst/>
-    <dgm:txFillClrLst/>
-    <dgm:txEffectClrLst/>
-  </dgm:styleLbl>
-  <dgm:styleLbl name="asst1">
-    <dgm:fillClrLst meth="repeat">
-      <a:schemeClr val="accent1"/>
-    </dgm:fillClrLst>
-    <dgm:linClrLst meth="repeat">
-      <a:schemeClr val="lt1"/>
-    </dgm:linClrLst>
-    <dgm:effectClrLst/>
-    <dgm:txLinClrLst/>
-    <dgm:txFillClrLst/>
-    <dgm:txEffectClrLst/>
-  </dgm:styleLbl>
-  <dgm:styleLbl name="asst2">
-    <dgm:fillClrLst meth="repeat">
-      <a:schemeClr val="accent1"/>
-    </dgm:fillClrLst>
-    <dgm:linClrLst meth="repeat">
-      <a:schemeClr val="lt1"/>
-    </dgm:linClrLst>
-    <dgm:effectClrLst/>
-    <dgm:txLinClrLst/>
-    <dgm:txFillClrLst/>
-    <dgm:txEffectClrLst/>
-  </dgm:styleLbl>
-  <dgm:styleLbl name="asst3">
-    <dgm:fillClrLst meth="repeat">
-      <a:schemeClr val="accent1"/>
-    </dgm:fillClrLst>
-    <dgm:linClrLst meth="repeat">
-      <a:schemeClr val="lt1"/>
-    </dgm:linClrLst>
-    <dgm:effectClrLst/>
-    <dgm:txLinClrLst/>
-    <dgm:txFillClrLst/>
-    <dgm:txEffectClrLst/>
-  </dgm:styleLbl>
-  <dgm:styleLbl name="asst4">
-    <dgm:fillClrLst meth="repeat">
-      <a:schemeClr val="accent1"/>
-    </dgm:fillClrLst>
-    <dgm:linClrLst meth="repeat">
-      <a:schemeClr val="lt1"/>
-    </dgm:linClrLst>
-    <dgm:effectClrLst/>
-    <dgm:txLinClrLst/>
-    <dgm:txFillClrLst/>
-    <dgm:txEffectClrLst/>
-  </dgm:styleLbl>
-  <dgm:styleLbl name="parChTrans2D1">
-    <dgm:fillClrLst meth="repeat">
-      <a:schemeClr val="accent1">
-        <a:tint val="60000"/>
-      </a:schemeClr>
-    </dgm:fillClrLst>
-    <dgm:linClrLst meth="repeat">
-      <a:schemeClr val="accent1">
-        <a:tint val="60000"/>
-      </a:schemeClr>
-    </dgm:linClrLst>
-    <dgm:effectClrLst/>
-    <dgm:txLinClrLst/>
-    <dgm:txFillClrLst meth="repeat">
-      <a:schemeClr val="lt1"/>
-    </dgm:txFillClrLst>
-    <dgm:txEffectClrLst/>
-  </dgm:styleLbl>
-  <dgm:styleLbl name="parChTrans2D2">
-    <dgm:fillClrLst meth="repeat">
-      <a:schemeClr val="accent1"/>
-    </dgm:fillClrLst>
-    <dgm:linClrLst meth="repeat">
-      <a:schemeClr val="accent1"/>
-    </dgm:linClrLst>
-    <dgm:effectClrLst/>
-    <dgm:txLinClrLst/>
-    <dgm:txFillClrLst meth="repeat">
-      <a:schemeClr val="lt1"/>
-    </dgm:txFillClrLst>
-    <dgm:txEffectClrLst/>
-  </dgm:styleLbl>
-  <dgm:styleLbl name="parChTrans2D3">
-    <dgm:fillClrLst meth="repeat">
-      <a:schemeClr val="accent1"/>
-    </dgm:fillClrLst>
-    <dgm:linClrLst meth="repeat">
-      <a:schemeClr val="accent1"/>
-    </dgm:linClrLst>
-    <dgm:effectClrLst/>
-    <dgm:txLinClrLst/>
-    <dgm:txFillClrLst meth="repeat">
-      <a:schemeClr val="lt1"/>
-    </dgm:txFillClrLst>
-    <dgm:txEffectClrLst/>
-  </dgm:styleLbl>
-  <dgm:styleLbl name="parChTrans2D4">
-    <dgm:fillClrLst meth="repeat">
-      <a:schemeClr val="accent1"/>
-    </dgm:fillClrLst>
-    <dgm:linClrLst meth="repeat">
-      <a:schemeClr val="accent1"/>
-    </dgm:linClrLst>
-    <dgm:effectClrLst/>
-    <dgm:txLinClrLst/>
-    <dgm:txFillClrLst meth="repeat">
-      <a:schemeClr val="lt1"/>
-    </dgm:txFillClrLst>
-    <dgm:txEffectClrLst/>
-  </dgm:styleLbl>
-  <dgm:styleLbl name="parChTrans1D1">
-    <dgm:fillClrLst meth="repeat">
-      <a:schemeClr val="accent1"/>
-    </dgm:fillClrLst>
-    <dgm:linClrLst meth="repeat">
-      <a:schemeClr val="accent1">
-        <a:shade val="60000"/>
-      </a:schemeClr>
-    </dgm:linClrLst>
-    <dgm:effectClrLst/>
-    <dgm:txLinClrLst/>
-    <dgm:txFillClrLst meth="repeat">
-      <a:schemeClr val="tx1"/>
-    </dgm:txFillClrLst>
-    <dgm:txEffectClrLst/>
-  </dgm:styleLbl>
-  <dgm:styleLbl name="parChTrans1D2">
-    <dgm:fillClrLst meth="repeat">
-      <a:schemeClr val="accent1"/>
-    </dgm:fillClrLst>
-    <dgm:linClrLst meth="repeat">
-      <a:schemeClr val="accent1">
-        <a:shade val="60000"/>
-      </a:schemeClr>
-    </dgm:linClrLst>
-    <dgm:effectClrLst/>
-    <dgm:txLinClrLst/>
-    <dgm:txFillClrLst meth="repeat">
-      <a:schemeClr val="tx1"/>
-    </dgm:txFillClrLst>
-    <dgm:txEffectClrLst/>
-  </dgm:styleLbl>
-  <dgm:styleLbl name="parChTrans1D3">
-    <dgm:fillClrLst meth="repeat">
-      <a:schemeClr val="accent1"/>
-    </dgm:fillClrLst>
-    <dgm:linClrLst meth="repeat">
-      <a:schemeClr val="accent1">
-        <a:shade val="80000"/>
-      </a:schemeClr>
-    </dgm:linClrLst>
-    <dgm:effectClrLst/>
-    <dgm:txLinClrLst/>
-    <dgm:txFillClrLst meth="repeat">
-      <a:schemeClr val="tx1"/>
-    </dgm:txFillClrLst>
-    <dgm:txEffectClrLst/>
-  </dgm:styleLbl>
-  <dgm:styleLbl name="parChTrans1D4">
-    <dgm:fillClrLst meth="repeat">
-      <a:schemeClr val="accent1"/>
-    </dgm:fillClrLst>
-    <dgm:linClrLst meth="repeat">
-      <a:schemeClr val="accent1">
-        <a:shade val="80000"/>
-      </a:schemeClr>
-    </dgm:linClrLst>
-    <dgm:effectClrLst/>
-    <dgm:txLinClrLst/>
-    <dgm:txFillClrLst meth="repeat">
-      <a:schemeClr val="tx1"/>
-    </dgm:txFillClrLst>
-    <dgm:txEffectClrLst/>
-  </dgm:styleLbl>
-  <dgm:styleLbl name="fgAcc1">
-    <dgm:fillClrLst meth="repeat">
-      <a:schemeClr val="lt1">
-        <a:alpha val="90000"/>
-      </a:schemeClr>
-    </dgm:fillClrLst>
-    <dgm:linClrLst meth="repeat">
-      <a:schemeClr val="accent1"/>
-    </dgm:linClrLst>
-    <dgm:effectClrLst/>
-    <dgm:txLinClrLst/>
-    <dgm:txFillClrLst meth="repeat">
-      <a:schemeClr val="dk1"/>
-    </dgm:txFillClrLst>
-    <dgm:txEffectClrLst/>
-  </dgm:styleLbl>
-  <dgm:styleLbl name="conFgAcc1">
-    <dgm:fillClrLst meth="repeat">
-      <a:schemeClr val="lt1">
-        <a:alpha val="90000"/>
-      </a:schemeClr>
-    </dgm:fillClrLst>
-    <dgm:linClrLst meth="repeat">
-      <a:schemeClr val="accent1"/>
-    </dgm:linClrLst>
-    <dgm:effectClrLst/>
-    <dgm:txLinClrLst/>
-    <dgm:txFillClrLst meth="repeat">
-      <a:schemeClr val="dk1"/>
-    </dgm:txFillClrLst>
-    <dgm:txEffectClrLst/>
-  </dgm:styleLbl>
-  <dgm:styleLbl name="alignAcc1">
-    <dgm:fillClrLst meth="repeat">
-      <a:schemeClr val="lt1">
-        <a:alpha val="90000"/>
-      </a:schemeClr>
-    </dgm:fillClrLst>
-    <dgm:linClrLst meth="repeat">
-      <a:schemeClr val="accent1"/>
-    </dgm:linClrLst>
-    <dgm:effectClrLst/>
-    <dgm:txLinClrLst/>
-    <dgm:txFillClrLst meth="repeat">
-      <a:schemeClr val="dk1"/>
-    </dgm:txFillClrLst>
-    <dgm:txEffectClrLst/>
-  </dgm:styleLbl>
-  <dgm:styleLbl name="trAlignAcc1">
-    <dgm:fillClrLst meth="repeat">
-      <a:schemeClr val="lt1">
-        <a:alpha val="40000"/>
-      </a:schemeClr>
-    </dgm:fillClrLst>
-    <dgm:linClrLst meth="repeat">
-      <a:schemeClr val="accent1"/>
-    </dgm:linClrLst>
-    <dgm:effectClrLst/>
-    <dgm:txLinClrLst/>
-    <dgm:txFillClrLst meth="repeat">
-      <a:schemeClr val="dk1"/>
-    </dgm:txFillClrLst>
-    <dgm:txEffectClrLst/>
-  </dgm:styleLbl>
-  <dgm:styleLbl name="bgAcc1">
-    <dgm:fillClrLst meth="repeat">
-      <a:schemeClr val="lt1">
-        <a:alpha val="90000"/>
-      </a:schemeClr>
-    </dgm:fillClrLst>
-    <dgm:linClrLst meth="repeat">
-      <a:schemeClr val="accent1"/>
-    </dgm:linClrLst>
-    <dgm:effectClrLst/>
-    <dgm:txLinClrLst/>
-    <dgm:txFillClrLst meth="repeat">
-      <a:schemeClr val="dk1"/>
-    </dgm:txFillClrLst>
-    <dgm:txEffectClrLst/>
-  </dgm:styleLbl>
-  <dgm:styleLbl name="solidFgAcc1">
-    <dgm:fillClrLst meth="repeat">
-      <a:schemeClr val="lt1"/>
-    </dgm:fillClrLst>
-    <dgm:linClrLst meth="repeat">
-      <a:schemeClr val="accent1"/>
-    </dgm:linClrLst>
-    <dgm:effectClrLst/>
-    <dgm:txLinClrLst/>
-    <dgm:txFillClrLst meth="repeat">
-      <a:schemeClr val="dk1"/>
-    </dgm:txFillClrLst>
-    <dgm:txEffectClrLst/>
-  </dgm:styleLbl>
-  <dgm:styleLbl name="solidAlignAcc1">
-    <dgm:fillClrLst meth="repeat">
-      <a:schemeClr val="lt1"/>
-    </dgm:fillClrLst>
-    <dgm:linClrLst meth="repeat">
-      <a:schemeClr val="accent1"/>
-    </dgm:linClrLst>
-    <dgm:effectClrLst/>
-    <dgm:txLinClrLst/>
-    <dgm:txFillClrLst meth="repeat">
-      <a:schemeClr val="dk1"/>
-    </dgm:txFillClrLst>
-    <dgm:txEffectClrLst/>
-  </dgm:styleLbl>
-  <dgm:styleLbl name="solidBgAcc1">
-    <dgm:fillClrLst meth="repeat">
-      <a:schemeClr val="lt1"/>
-    </dgm:fillClrLst>
-    <dgm:linClrLst meth="repeat">
-      <a:schemeClr val="accent1"/>
-    </dgm:linClrLst>
-    <dgm:effectClrLst/>
-    <dgm:txLinClrLst/>
-    <dgm:txFillClrLst meth="repeat">
-      <a:schemeClr val="dk1"/>
-    </dgm:txFillClrLst>
-    <dgm:txEffectClrLst/>
-  </dgm:styleLbl>
-  <dgm:styleLbl name="fgAccFollowNode1">
-    <dgm:fillClrLst meth="repeat">
-      <a:schemeClr val="accent1">
-        <a:alpha val="90000"/>
-        <a:tint val="40000"/>
-      </a:schemeClr>
-    </dgm:fillClrLst>
-    <dgm:linClrLst meth="repeat">
-      <a:schemeClr val="accent1">
-        <a:alpha val="90000"/>
-        <a:tint val="40000"/>
-      </a:schemeClr>
-    </dgm:linClrLst>
-    <dgm:effectClrLst/>
-    <dgm:txLinClrLst/>
-    <dgm:txFillClrLst meth="repeat">
-      <a:schemeClr val="dk1"/>
-    </dgm:txFillClrLst>
-    <dgm:txEffectClrLst/>
-  </dgm:styleLbl>
-  <dgm:styleLbl name="alignAccFollowNode1">
-    <dgm:fillClrLst meth="repeat">
-      <a:schemeClr val="accent1">
-        <a:alpha val="90000"/>
-        <a:tint val="40000"/>
-      </a:schemeClr>
-    </dgm:fillClrLst>
-    <dgm:linClrLst meth="repeat">
-      <a:schemeClr val="accent1">
-        <a:alpha val="90000"/>
-        <a:tint val="40000"/>
-      </a:schemeClr>
-    </dgm:linClrLst>
-    <dgm:effectClrLst/>
-    <dgm:txLinClrLst/>
-    <dgm:txFillClrLst meth="repeat">
-      <a:schemeClr val="dk1"/>
-    </dgm:txFillClrLst>
-    <dgm:txEffectClrLst/>
-  </dgm:styleLbl>
-  <dgm:styleLbl name="bgAccFollowNode1">
-    <dgm:fillClrLst meth="repeat">
-      <a:schemeClr val="accent1">
-        <a:alpha val="90000"/>
-        <a:tint val="40000"/>
-      </a:schemeClr>
-    </dgm:fillClrLst>
-    <dgm:linClrLst meth="repeat">
-      <a:schemeClr val="accent1">
-        <a:alpha val="90000"/>
-        <a:tint val="40000"/>
-      </a:schemeClr>
-    </dgm:linClrLst>
-    <dgm:effectClrLst/>
-    <dgm:txLinClrLst/>
-    <dgm:txFillClrLst meth="repeat">
-      <a:schemeClr val="dk1"/>
-    </dgm:txFillClrLst>
-    <dgm:txEffectClrLst/>
-  </dgm:styleLbl>
-  <dgm:styleLbl name="fgAcc0">
-    <dgm:fillClrLst meth="repeat">
-      <a:schemeClr val="lt1">
-        <a:alpha val="90000"/>
-      </a:schemeClr>
-    </dgm:fillClrLst>
-    <dgm:linClrLst meth="repeat">
-      <a:schemeClr val="accent1"/>
-    </dgm:linClrLst>
-    <dgm:effectClrLst/>
-    <dgm:txLinClrLst/>
-    <dgm:txFillClrLst meth="repeat">
-      <a:schemeClr val="dk1"/>
-    </dgm:txFillClrLst>
-    <dgm:txEffectClrLst/>
-  </dgm:styleLbl>
-  <dgm:styleLbl name="fgAcc2">
-    <dgm:fillClrLst meth="repeat">
-      <a:schemeClr val="lt1">
-        <a:alpha val="90000"/>
-      </a:schemeClr>
-    </dgm:fillClrLst>
-    <dgm:linClrLst meth="repeat">
-      <a:schemeClr val="accent1"/>
-    </dgm:linClrLst>
-    <dgm:effectClrLst/>
-    <dgm:txLinClrLst/>
-    <dgm:txFillClrLst meth="repeat">
-      <a:schemeClr val="dk1"/>
-    </dgm:txFillClrLst>
-    <dgm:txEffectClrLst/>
-  </dgm:styleLbl>
-  <dgm:styleLbl name="fgAcc3">
-    <dgm:fillClrLst meth="repeat">
-      <a:schemeClr val="lt1">
-        <a:alpha val="90000"/>
-      </a:schemeClr>
-    </dgm:fillClrLst>
-    <dgm:linClrLst meth="repeat">
-      <a:schemeClr val="accent1"/>
-    </dgm:linClrLst>
-    <dgm:effectClrLst/>
-    <dgm:txLinClrLst/>
-    <dgm:txFillClrLst meth="repeat">
-      <a:schemeClr val="dk1"/>
-    </dgm:txFillClrLst>
-    <dgm:txEffectClrLst/>
-  </dgm:styleLbl>
-  <dgm:styleLbl name="fgAcc4">
-    <dgm:fillClrLst meth="repeat">
-      <a:schemeClr val="lt1">
-        <a:alpha val="90000"/>
-      </a:schemeClr>
-    </dgm:fillClrLst>
-    <dgm:linClrLst meth="repeat">
-      <a:schemeClr val="accent1"/>
-    </dgm:linClrLst>
-    <dgm:effectClrLst/>
-    <dgm:txLinClrLst/>
-    <dgm:txFillClrLst meth="repeat">
-      <a:schemeClr val="dk1"/>
-    </dgm:txFillClrLst>
-    <dgm:txEffectClrLst/>
-  </dgm:styleLbl>
-  <dgm:styleLbl name="bgShp">
-    <dgm:fillClrLst meth="repeat">
-      <a:schemeClr val="accent1">
-        <a:tint val="40000"/>
-      </a:schemeClr>
-    </dgm:fillClrLst>
-    <dgm:linClrLst meth="repeat">
-      <a:schemeClr val="accent1"/>
-    </dgm:linClrLst>
-    <dgm:effectClrLst/>
-    <dgm:txLinClrLst/>
-    <dgm:txFillClrLst meth="repeat">
-      <a:schemeClr val="dk1"/>
-    </dgm:txFillClrLst>
-    <dgm:txEffectClrLst/>
-  </dgm:styleLbl>
-  <dgm:styleLbl name="dkBgShp">
-    <dgm:fillClrLst meth="repeat">
-      <a:schemeClr val="accent1">
-        <a:shade val="80000"/>
-      </a:schemeClr>
-    </dgm:fillClrLst>
-    <dgm:linClrLst meth="repeat">
-      <a:schemeClr val="accent1"/>
-    </dgm:linClrLst>
-    <dgm:effectClrLst/>
-    <dgm:txLinClrLst/>
-    <dgm:txFillClrLst meth="repeat">
-      <a:schemeClr val="lt1"/>
-    </dgm:txFillClrLst>
-    <dgm:txEffectClrLst/>
-  </dgm:styleLbl>
-  <dgm:styleLbl name="trBgShp">
-    <dgm:fillClrLst meth="repeat">
-      <a:schemeClr val="accent1">
-        <a:tint val="50000"/>
-        <a:alpha val="40000"/>
-      </a:schemeClr>
-    </dgm:fillClrLst>
-    <dgm:linClrLst meth="repeat">
-      <a:schemeClr val="accent1"/>
-    </dgm:linClrLst>
-    <dgm:effectClrLst/>
-    <dgm:txLinClrLst/>
-    <dgm:txFillClrLst meth="repeat">
-      <a:schemeClr val="lt1"/>
-    </dgm:txFillClrLst>
-    <dgm:txEffectClrLst/>
-  </dgm:styleLbl>
-  <dgm:styleLbl name="fgShp">
-    <dgm:fillClrLst meth="repeat">
-      <a:schemeClr val="accent1">
-        <a:tint val="60000"/>
-      </a:schemeClr>
-    </dgm:fillClrLst>
-    <dgm:linClrLst meth="repeat">
-      <a:schemeClr val="lt1"/>
-    </dgm:linClrLst>
-    <dgm:effectClrLst/>
-    <dgm:txLinClrLst/>
-    <dgm:txFillClrLst meth="repeat">
-      <a:schemeClr val="dk1"/>
-    </dgm:txFillClrLst>
-    <dgm:txEffectClrLst/>
-  </dgm:styleLbl>
-  <dgm:styleLbl name="revTx">
-    <dgm:fillClrLst meth="repeat">
-      <a:schemeClr val="lt1">
-        <a:alpha val="0"/>
-      </a:schemeClr>
-    </dgm:fillClrLst>
-    <dgm:linClrLst meth="repeat">
-      <a:schemeClr val="dk1">
-        <a:alpha val="0"/>
-      </a:schemeClr>
-    </dgm:linClrLst>
-    <dgm:effectClrLst/>
-    <dgm:txLinClrLst/>
-    <dgm:txFillClrLst meth="repeat">
-      <a:schemeClr val="tx1"/>
-    </dgm:txFillClrLst>
-    <dgm:txEffectClrLst/>
-  </dgm:styleLbl>
-</dgm:colorsDef>
-</file>
-
-<file path=ppt/diagrams/data1.xml><?xml version="1.0" encoding="utf-8"?>
-<dgm:dataModel xmlns:dgm="http://schemas.openxmlformats.org/drawingml/2006/diagram" xmlns:a="http://schemas.openxmlformats.org/drawingml/2006/main">
-  <dgm:ptLst>
-    <dgm:pt modelId="{92567F43-5952-4CE2-A214-73A22F144149}" type="doc">
-      <dgm:prSet loTypeId="urn:microsoft.com/office/officeart/2005/8/layout/venn1" loCatId="relationship" qsTypeId="urn:microsoft.com/office/officeart/2005/8/quickstyle/simple1" qsCatId="simple" csTypeId="urn:microsoft.com/office/officeart/2005/8/colors/accent1_2" csCatId="accent1" phldr="1"/>
-      <dgm:spPr/>
-    </dgm:pt>
-    <dgm:pt modelId="{0C34ACA3-9029-4A23-8CD2-113539C66174}">
-      <dgm:prSet phldrT="[Text]"/>
-      <dgm:spPr/>
-      <dgm:t>
-        <a:bodyPr/>
-        <a:lstStyle/>
-        <a:p>
-          <a:endParaRPr lang="en-US" dirty="0"/>
-        </a:p>
-      </dgm:t>
-    </dgm:pt>
-    <dgm:pt modelId="{C34E858F-B6E5-45FC-BDFD-F14106AD856F}" type="parTrans" cxnId="{EE2FFCD0-B703-4509-9878-4D5DE2B9D911}">
-      <dgm:prSet/>
-      <dgm:spPr/>
-      <dgm:t>
-        <a:bodyPr/>
-        <a:lstStyle/>
-        <a:p>
-          <a:endParaRPr lang="en-US"/>
-        </a:p>
-      </dgm:t>
-    </dgm:pt>
-    <dgm:pt modelId="{2AA48226-F434-4115-BB99-95D23A4FF4A8}" type="sibTrans" cxnId="{EE2FFCD0-B703-4509-9878-4D5DE2B9D911}">
-      <dgm:prSet/>
-      <dgm:spPr/>
-      <dgm:t>
-        <a:bodyPr/>
-        <a:lstStyle/>
-        <a:p>
-          <a:endParaRPr lang="en-US"/>
-        </a:p>
-      </dgm:t>
-    </dgm:pt>
-    <dgm:pt modelId="{983C39EB-46FD-4FD7-A95F-F44C472D7E10}">
-      <dgm:prSet phldrT="[Text]"/>
-      <dgm:spPr/>
-      <dgm:t>
-        <a:bodyPr/>
-        <a:lstStyle/>
-        <a:p>
-          <a:endParaRPr lang="en-US" dirty="0"/>
-        </a:p>
-      </dgm:t>
-    </dgm:pt>
-    <dgm:pt modelId="{93D74EBB-51F3-433F-A672-0850BBF15963}" type="parTrans" cxnId="{F6700122-DE2F-420E-B26E-6519FD90868B}">
-      <dgm:prSet/>
-      <dgm:spPr/>
-      <dgm:t>
-        <a:bodyPr/>
-        <a:lstStyle/>
-        <a:p>
-          <a:endParaRPr lang="en-US"/>
-        </a:p>
-      </dgm:t>
-    </dgm:pt>
-    <dgm:pt modelId="{2CAE70BE-05E9-4B0F-8B9A-014BE2944A02}" type="sibTrans" cxnId="{F6700122-DE2F-420E-B26E-6519FD90868B}">
-      <dgm:prSet/>
-      <dgm:spPr/>
-      <dgm:t>
-        <a:bodyPr/>
-        <a:lstStyle/>
-        <a:p>
-          <a:endParaRPr lang="en-US"/>
-        </a:p>
-      </dgm:t>
-    </dgm:pt>
-    <dgm:pt modelId="{4817BB35-56BC-46F7-92CA-2635251BDB95}" type="pres">
-      <dgm:prSet presAssocID="{92567F43-5952-4CE2-A214-73A22F144149}" presName="compositeShape" presStyleCnt="0">
-        <dgm:presLayoutVars>
-          <dgm:chMax val="7"/>
-          <dgm:dir/>
-          <dgm:resizeHandles val="exact"/>
-        </dgm:presLayoutVars>
-      </dgm:prSet>
-      <dgm:spPr/>
-    </dgm:pt>
-    <dgm:pt modelId="{57328BB2-ECEC-4A7D-A501-D005C630C95C}" type="pres">
-      <dgm:prSet presAssocID="{0C34ACA3-9029-4A23-8CD2-113539C66174}" presName="circ1" presStyleLbl="vennNode1" presStyleIdx="0" presStyleCnt="2" custLinFactNeighborX="-224" custLinFactNeighborY="-532"/>
-      <dgm:spPr/>
-    </dgm:pt>
-    <dgm:pt modelId="{228011AE-EBB1-4C4B-867F-6555A0A6D0AB}" type="pres">
-      <dgm:prSet presAssocID="{0C34ACA3-9029-4A23-8CD2-113539C66174}" presName="circ1Tx" presStyleLbl="revTx" presStyleIdx="0" presStyleCnt="0">
-        <dgm:presLayoutVars>
-          <dgm:chMax val="0"/>
-          <dgm:chPref val="0"/>
-          <dgm:bulletEnabled val="1"/>
-        </dgm:presLayoutVars>
-      </dgm:prSet>
-      <dgm:spPr/>
-    </dgm:pt>
-    <dgm:pt modelId="{1CA624A2-0520-4E6F-BADC-5F5296F27F68}" type="pres">
-      <dgm:prSet presAssocID="{983C39EB-46FD-4FD7-A95F-F44C472D7E10}" presName="circ2" presStyleLbl="vennNode1" presStyleIdx="1" presStyleCnt="2" custLinFactNeighborX="-697" custLinFactNeighborY="233"/>
-      <dgm:spPr/>
-    </dgm:pt>
-    <dgm:pt modelId="{64AC1974-B5DC-429A-9413-62327742337F}" type="pres">
-      <dgm:prSet presAssocID="{983C39EB-46FD-4FD7-A95F-F44C472D7E10}" presName="circ2Tx" presStyleLbl="revTx" presStyleIdx="0" presStyleCnt="0">
-        <dgm:presLayoutVars>
-          <dgm:chMax val="0"/>
-          <dgm:chPref val="0"/>
-          <dgm:bulletEnabled val="1"/>
-        </dgm:presLayoutVars>
-      </dgm:prSet>
-      <dgm:spPr/>
-    </dgm:pt>
-  </dgm:ptLst>
-  <dgm:cxnLst>
-    <dgm:cxn modelId="{F6700122-DE2F-420E-B26E-6519FD90868B}" srcId="{92567F43-5952-4CE2-A214-73A22F144149}" destId="{983C39EB-46FD-4FD7-A95F-F44C472D7E10}" srcOrd="1" destOrd="0" parTransId="{93D74EBB-51F3-433F-A672-0850BBF15963}" sibTransId="{2CAE70BE-05E9-4B0F-8B9A-014BE2944A02}"/>
-    <dgm:cxn modelId="{C5CF5161-EA09-447B-B218-61E8C1A53201}" type="presOf" srcId="{0C34ACA3-9029-4A23-8CD2-113539C66174}" destId="{228011AE-EBB1-4C4B-867F-6555A0A6D0AB}" srcOrd="1" destOrd="0" presId="urn:microsoft.com/office/officeart/2005/8/layout/venn1"/>
-    <dgm:cxn modelId="{B64E0BB8-EE3F-44E7-86E0-D6A30680F7BA}" type="presOf" srcId="{92567F43-5952-4CE2-A214-73A22F144149}" destId="{4817BB35-56BC-46F7-92CA-2635251BDB95}" srcOrd="0" destOrd="0" presId="urn:microsoft.com/office/officeart/2005/8/layout/venn1"/>
-    <dgm:cxn modelId="{EC5064C7-5FC2-4702-B8C2-2C34EC7B032C}" type="presOf" srcId="{0C34ACA3-9029-4A23-8CD2-113539C66174}" destId="{57328BB2-ECEC-4A7D-A501-D005C630C95C}" srcOrd="0" destOrd="0" presId="urn:microsoft.com/office/officeart/2005/8/layout/venn1"/>
-    <dgm:cxn modelId="{EE2FFCD0-B703-4509-9878-4D5DE2B9D911}" srcId="{92567F43-5952-4CE2-A214-73A22F144149}" destId="{0C34ACA3-9029-4A23-8CD2-113539C66174}" srcOrd="0" destOrd="0" parTransId="{C34E858F-B6E5-45FC-BDFD-F14106AD856F}" sibTransId="{2AA48226-F434-4115-BB99-95D23A4FF4A8}"/>
-    <dgm:cxn modelId="{3FF043D7-1F18-4E2E-8FA8-AD422F1E94B4}" type="presOf" srcId="{983C39EB-46FD-4FD7-A95F-F44C472D7E10}" destId="{1CA624A2-0520-4E6F-BADC-5F5296F27F68}" srcOrd="0" destOrd="0" presId="urn:microsoft.com/office/officeart/2005/8/layout/venn1"/>
-    <dgm:cxn modelId="{ABF9F4EB-370D-4808-B138-ACE28454FFDF}" type="presOf" srcId="{983C39EB-46FD-4FD7-A95F-F44C472D7E10}" destId="{64AC1974-B5DC-429A-9413-62327742337F}" srcOrd="1" destOrd="0" presId="urn:microsoft.com/office/officeart/2005/8/layout/venn1"/>
-    <dgm:cxn modelId="{47F99948-BC3E-4CCA-81DA-5198E6AE3FC8}" type="presParOf" srcId="{4817BB35-56BC-46F7-92CA-2635251BDB95}" destId="{57328BB2-ECEC-4A7D-A501-D005C630C95C}" srcOrd="0" destOrd="0" presId="urn:microsoft.com/office/officeart/2005/8/layout/venn1"/>
-    <dgm:cxn modelId="{2C4C54A6-5678-4B09-963B-79B1B855CDF7}" type="presParOf" srcId="{4817BB35-56BC-46F7-92CA-2635251BDB95}" destId="{228011AE-EBB1-4C4B-867F-6555A0A6D0AB}" srcOrd="1" destOrd="0" presId="urn:microsoft.com/office/officeart/2005/8/layout/venn1"/>
-    <dgm:cxn modelId="{9654FBDF-A51B-4F23-BE47-07DDF65423A4}" type="presParOf" srcId="{4817BB35-56BC-46F7-92CA-2635251BDB95}" destId="{1CA624A2-0520-4E6F-BADC-5F5296F27F68}" srcOrd="2" destOrd="0" presId="urn:microsoft.com/office/officeart/2005/8/layout/venn1"/>
-    <dgm:cxn modelId="{7D255033-16F2-4E00-A017-C7AF2EC46A4C}" type="presParOf" srcId="{4817BB35-56BC-46F7-92CA-2635251BDB95}" destId="{64AC1974-B5DC-429A-9413-62327742337F}" srcOrd="3" destOrd="0" presId="urn:microsoft.com/office/officeart/2005/8/layout/venn1"/>
-  </dgm:cxnLst>
-  <dgm:bg/>
-  <dgm:whole/>
-  <dgm:extLst>
-    <a:ext uri="http://schemas.microsoft.com/office/drawing/2008/diagram">
-      <dsp:dataModelExt xmlns:dsp="http://schemas.microsoft.com/office/drawing/2008/diagram" relId="rId6" minVer="http://schemas.openxmlformats.org/drawingml/2006/diagram"/>
-    </a:ext>
-  </dgm:extLst>
-</dgm:dataModel>
-</file>
-
-<file path=ppt/diagrams/drawing1.xml><?xml version="1.0" encoding="utf-8"?>
-<dsp:drawing xmlns:dgm="http://schemas.openxmlformats.org/drawingml/2006/diagram" xmlns:dsp="http://schemas.microsoft.com/office/drawing/2008/diagram" xmlns:a="http://schemas.openxmlformats.org/drawingml/2006/main">
-  <dsp:spTree>
-    <dsp:nvGrpSpPr>
-      <dsp:cNvPr id="0" name=""/>
-      <dsp:cNvGrpSpPr/>
-    </dsp:nvGrpSpPr>
-    <dsp:grpSpPr/>
-    <dsp:sp modelId="{57328BB2-ECEC-4A7D-A501-D005C630C95C}">
-      <dsp:nvSpPr>
-        <dsp:cNvPr id="0" name=""/>
-        <dsp:cNvSpPr/>
-      </dsp:nvSpPr>
-      <dsp:spPr>
-        <a:xfrm>
-          <a:off x="127082" y="200642"/>
-          <a:ext cx="3318035" cy="3318035"/>
-        </a:xfrm>
-        <a:prstGeom prst="ellipse">
-          <a:avLst/>
-        </a:prstGeom>
-        <a:solidFill>
-          <a:schemeClr val="accent1">
-            <a:alpha val="50000"/>
-            <a:hueOff val="0"/>
-            <a:satOff val="0"/>
-            <a:lumOff val="0"/>
-            <a:alphaOff val="0"/>
-          </a:schemeClr>
-        </a:solidFill>
-        <a:ln w="15875" cap="flat" cmpd="sng" algn="ctr">
-          <a:solidFill>
-            <a:schemeClr val="lt1">
-              <a:hueOff val="0"/>
-              <a:satOff val="0"/>
-              <a:lumOff val="0"/>
-              <a:alphaOff val="0"/>
-            </a:schemeClr>
-          </a:solidFill>
-          <a:prstDash val="solid"/>
-        </a:ln>
-        <a:effectLst/>
-      </dsp:spPr>
-      <dsp:style>
-        <a:lnRef idx="2">
-          <a:scrgbClr r="0" g="0" b="0"/>
-        </a:lnRef>
-        <a:fillRef idx="1">
-          <a:scrgbClr r="0" g="0" b="0"/>
-        </a:fillRef>
-        <a:effectRef idx="0">
-          <a:scrgbClr r="0" g="0" b="0"/>
-        </a:effectRef>
-        <a:fontRef idx="minor">
-          <a:schemeClr val="tx1"/>
-        </a:fontRef>
-      </dsp:style>
-      <dsp:txBody>
-        <a:bodyPr spcFirstLastPara="0" vert="horz" wrap="square" lIns="0" tIns="0" rIns="0" bIns="0" numCol="1" spcCol="1270" anchor="ctr" anchorCtr="0">
-          <a:noAutofit/>
-        </a:bodyPr>
-        <a:lstStyle/>
-        <a:p>
-          <a:pPr marL="0" lvl="0" indent="0" algn="ctr" defTabSz="2889250">
-            <a:lnSpc>
-              <a:spcPct val="90000"/>
-            </a:lnSpc>
-            <a:spcBef>
-              <a:spcPct val="0"/>
-            </a:spcBef>
-            <a:spcAft>
-              <a:spcPct val="35000"/>
-            </a:spcAft>
-            <a:buNone/>
-          </a:pPr>
-          <a:endParaRPr lang="en-US" sz="6500" kern="1200" dirty="0"/>
-        </a:p>
-      </dsp:txBody>
-      <dsp:txXfrm>
-        <a:off x="590411" y="591910"/>
-        <a:ext cx="1913101" cy="2535499"/>
-      </dsp:txXfrm>
-    </dsp:sp>
-    <dsp:sp modelId="{1CA624A2-0520-4E6F-BADC-5F5296F27F68}">
-      <dsp:nvSpPr>
-        <dsp:cNvPr id="0" name=""/>
-        <dsp:cNvSpPr/>
-      </dsp:nvSpPr>
-      <dsp:spPr>
-        <a:xfrm>
-          <a:off x="2502765" y="226025"/>
-          <a:ext cx="3318035" cy="3318035"/>
-        </a:xfrm>
-        <a:prstGeom prst="ellipse">
-          <a:avLst/>
-        </a:prstGeom>
-        <a:solidFill>
-          <a:schemeClr val="accent1">
-            <a:alpha val="50000"/>
-            <a:hueOff val="0"/>
-            <a:satOff val="0"/>
-            <a:lumOff val="0"/>
-            <a:alphaOff val="0"/>
-          </a:schemeClr>
-        </a:solidFill>
-        <a:ln w="15875" cap="flat" cmpd="sng" algn="ctr">
-          <a:solidFill>
-            <a:schemeClr val="lt1">
-              <a:hueOff val="0"/>
-              <a:satOff val="0"/>
-              <a:lumOff val="0"/>
-              <a:alphaOff val="0"/>
-            </a:schemeClr>
-          </a:solidFill>
-          <a:prstDash val="solid"/>
-        </a:ln>
-        <a:effectLst/>
-      </dsp:spPr>
-      <dsp:style>
-        <a:lnRef idx="2">
-          <a:scrgbClr r="0" g="0" b="0"/>
-        </a:lnRef>
-        <a:fillRef idx="1">
-          <a:scrgbClr r="0" g="0" b="0"/>
-        </a:fillRef>
-        <a:effectRef idx="0">
-          <a:scrgbClr r="0" g="0" b="0"/>
-        </a:effectRef>
-        <a:fontRef idx="minor">
-          <a:schemeClr val="tx1"/>
-        </a:fontRef>
-      </dsp:style>
-      <dsp:txBody>
-        <a:bodyPr spcFirstLastPara="0" vert="horz" wrap="square" lIns="0" tIns="0" rIns="0" bIns="0" numCol="1" spcCol="1270" anchor="ctr" anchorCtr="0">
-          <a:noAutofit/>
-        </a:bodyPr>
-        <a:lstStyle/>
-        <a:p>
-          <a:pPr marL="0" lvl="0" indent="0" algn="ctr" defTabSz="2889250">
-            <a:lnSpc>
-              <a:spcPct val="90000"/>
-            </a:lnSpc>
-            <a:spcBef>
-              <a:spcPct val="0"/>
-            </a:spcBef>
-            <a:spcAft>
-              <a:spcPct val="35000"/>
-            </a:spcAft>
-            <a:buNone/>
-          </a:pPr>
-          <a:endParaRPr lang="en-US" sz="6500" kern="1200" dirty="0"/>
-        </a:p>
-      </dsp:txBody>
-      <dsp:txXfrm>
-        <a:off x="3444369" y="617293"/>
-        <a:ext cx="1913101" cy="2535499"/>
-      </dsp:txXfrm>
-    </dsp:sp>
-  </dsp:spTree>
-</dsp:drawing>
-</file>
-
-<file path=ppt/diagrams/layout1.xml><?xml version="1.0" encoding="utf-8"?>
-<dgm:layoutDef xmlns:dgm="http://schemas.openxmlformats.org/drawingml/2006/diagram" xmlns:a="http://schemas.openxmlformats.org/drawingml/2006/main" uniqueId="urn:microsoft.com/office/officeart/2005/8/layout/venn1">
-  <dgm:title val=""/>
-  <dgm:desc val=""/>
-  <dgm:catLst>
-    <dgm:cat type="relationship" pri="28000"/>
-    <dgm:cat type="convert" pri="19000"/>
-  </dgm:catLst>
-  <dgm:sampData useDef="1">
-    <dgm:dataModel>
-      <dgm:ptLst/>
-      <dgm:bg/>
-      <dgm:whole/>
-    </dgm:dataModel>
-  </dgm:sampData>
-  <dgm:styleData useDef="1">
-    <dgm:dataModel>
-      <dgm:ptLst/>
-      <dgm:bg/>
-      <dgm:whole/>
-    </dgm:dataModel>
-  </dgm:styleData>
-  <dgm:clrData>
-    <dgm:dataModel>
-      <dgm:ptLst>
-        <dgm:pt modelId="0" type="doc"/>
-        <dgm:pt modelId="1"/>
-        <dgm:pt modelId="2"/>
-        <dgm:pt modelId="3"/>
-        <dgm:pt modelId="4"/>
-      </dgm:ptLst>
-      <dgm:cxnLst>
-        <dgm:cxn modelId="7" srcId="0" destId="1" srcOrd="0" destOrd="0"/>
-        <dgm:cxn modelId="8" srcId="0" destId="2" srcOrd="1" destOrd="0"/>
-        <dgm:cxn modelId="9" srcId="0" destId="3" srcOrd="2" destOrd="0"/>
-        <dgm:cxn modelId="10" srcId="0" destId="4" srcOrd="3" destOrd="0"/>
-      </dgm:cxnLst>
-      <dgm:bg/>
-      <dgm:whole/>
-    </dgm:dataModel>
-  </dgm:clrData>
-  <dgm:layoutNode name="compositeShape">
-    <dgm:varLst>
-      <dgm:chMax val="7"/>
-      <dgm:dir/>
-      <dgm:resizeHandles val="exact"/>
-    </dgm:varLst>
-    <dgm:choose name="Name0">
-      <dgm:if name="Name1" axis="ch" ptType="node" func="cnt" op="equ" val="1">
-        <dgm:alg type="composite">
-          <dgm:param type="ar" val="1"/>
-        </dgm:alg>
-      </dgm:if>
-      <dgm:if name="Name2" axis="ch" ptType="node" func="cnt" op="equ" val="2">
-        <dgm:alg type="composite">
-          <dgm:param type="ar" val="1.792"/>
-        </dgm:alg>
-      </dgm:if>
-      <dgm:if name="Name3" axis="ch" ptType="node" func="cnt" op="equ" val="3">
-        <dgm:alg type="composite">
-          <dgm:param type="ar" val="1"/>
-        </dgm:alg>
-      </dgm:if>
-      <dgm:if name="Name4" axis="ch" ptType="node" func="cnt" op="equ" val="4">
-        <dgm:alg type="composite">
-          <dgm:param type="ar" val="1"/>
-        </dgm:alg>
-      </dgm:if>
-      <dgm:if name="Name5" axis="ch" ptType="node" func="cnt" op="equ" val="5">
-        <dgm:alg type="composite">
-          <dgm:param type="ar" val="1.4"/>
-        </dgm:alg>
-      </dgm:if>
-      <dgm:if name="Name6" axis="ch" ptType="node" func="cnt" op="equ" val="6">
-        <dgm:alg type="composite">
-          <dgm:param type="ar" val="1.285"/>
-        </dgm:alg>
-      </dgm:if>
-      <dgm:if name="Name7" axis="ch" ptType="node" func="cnt" op="equ" val="7">
-        <dgm:alg type="composite">
-          <dgm:param type="ar" val="1.359"/>
-        </dgm:alg>
-      </dgm:if>
-      <dgm:else name="Name8">
-        <dgm:alg type="composite">
-          <dgm:param type="ar" val="1.359"/>
-        </dgm:alg>
-      </dgm:else>
-    </dgm:choose>
-    <dgm:shape xmlns:r="http://schemas.openxmlformats.org/officeDocument/2006/relationships" r:blip="">
-      <dgm:adjLst/>
-    </dgm:shape>
-    <dgm:presOf/>
-    <dgm:choose name="Name9">
-      <dgm:if name="Name10" axis="ch" ptType="node" func="cnt" op="equ" val="1">
-        <dgm:constrLst>
-          <dgm:constr type="ctrX" for="ch" forName="circ1TxSh" refType="w" fact="0.5"/>
-          <dgm:constr type="ctrY" for="ch" forName="circ1TxSh" refType="h" fact="0.5"/>
-          <dgm:constr type="w" for="ch" forName="circ1TxSh" refType="w"/>
-          <dgm:constr type="h" for="ch" forName="circ1TxSh" refType="h"/>
-          <dgm:constr type="primFontSz" for="ch" ptType="node" op="equ"/>
-        </dgm:constrLst>
-      </dgm:if>
-      <dgm:if name="Name11" axis="ch" ptType="node" func="cnt" op="equ" val="2">
-        <dgm:constrLst>
-          <dgm:constr type="ctrX" for="ch" forName="circ1" refType="w" fact="0.3"/>
-          <dgm:constr type="ctrY" for="ch" forName="circ1" refType="h" fact="0.5"/>
-          <dgm:constr type="w" for="ch" forName="circ1" refType="w" fact="0.555"/>
-          <dgm:constr type="h" for="ch" forName="circ1" refType="h" fact="0.99456"/>
-          <dgm:constr type="l" for="ch" forName="circ1Tx" refType="w" fact="0.1"/>
-          <dgm:constr type="t" for="ch" forName="circ1Tx" refType="h" fact="0.12"/>
-          <dgm:constr type="w" for="ch" forName="circ1Tx" refType="w" fact="0.32"/>
-          <dgm:constr type="h" for="ch" forName="circ1Tx" refType="h" fact="0.76"/>
-          <dgm:constr type="ctrX" for="ch" forName="circ2" refType="w" fact="0.7"/>
-          <dgm:constr type="ctrY" for="ch" forName="circ2" refType="h" fact="0.5"/>
-          <dgm:constr type="w" for="ch" forName="circ2" refType="w" fact="0.555"/>
-          <dgm:constr type="h" for="ch" forName="circ2" refType="h" fact="0.99456"/>
-          <dgm:constr type="l" for="ch" forName="circ2Tx" refType="w" fact="0.58"/>
-          <dgm:constr type="t" for="ch" forName="circ2Tx" refType="h" fact="0.12"/>
-          <dgm:constr type="w" for="ch" forName="circ2Tx" refType="w" fact="0.32"/>
-          <dgm:constr type="h" for="ch" forName="circ2Tx" refType="h" fact="0.76"/>
-          <dgm:constr type="primFontSz" for="ch" ptType="node" op="equ"/>
-        </dgm:constrLst>
-      </dgm:if>
-      <dgm:if name="Name12" axis="ch" ptType="node" func="cnt" op="equ" val="3">
-        <dgm:constrLst>
-          <dgm:constr type="ctrX" for="ch" forName="circ1" refType="w" fact="0.5"/>
-          <dgm:constr type="ctrY" for="ch" forName="circ1" refType="w" fact="0.25"/>
-          <dgm:constr type="w" for="ch" forName="circ1" refType="w" fact="0.6"/>
-          <dgm:constr type="h" for="ch" forName="circ1" refType="h" fact="0.6"/>
-          <dgm:constr type="l" for="ch" forName="circ1Tx" refType="w" fact="0.28"/>
-          <dgm:constr type="t" for="ch" forName="circ1Tx" refType="h" fact="0.055"/>
-          <dgm:constr type="w" for="ch" forName="circ1Tx" refType="w" fact="0.44"/>
-          <dgm:constr type="h" for="ch" forName="circ1Tx" refType="h" fact="0.27"/>
-          <dgm:constr type="ctrX" for="ch" forName="circ2" refType="w" fact="0.7165"/>
-          <dgm:constr type="ctrY" for="ch" forName="circ2" refType="w" fact="0.625"/>
-          <dgm:constr type="w" for="ch" forName="circ2" refType="w" fact="0.6"/>
-          <dgm:constr type="h" for="ch" forName="circ2" refType="h" fact="0.6"/>
-          <dgm:constr type="l" for="ch" forName="circ2Tx" refType="w" fact="0.6"/>
-          <dgm:constr type="t" for="ch" forName="circ2Tx" refType="h" fact="0.48"/>
-          <dgm:constr type="w" for="ch" forName="circ2Tx" refType="w" fact="0.36"/>
-          <dgm:constr type="h" for="ch" forName="circ2Tx" refType="h" fact="0.33"/>
-          <dgm:constr type="ctrX" for="ch" forName="circ3" refType="w" fact="0.2835"/>
-          <dgm:constr type="ctrY" for="ch" forName="circ3" refType="w" fact="0.625"/>
-          <dgm:constr type="w" for="ch" forName="circ3" refType="w" fact="0.6"/>
-          <dgm:constr type="h" for="ch" forName="circ3" refType="h" fact="0.6"/>
-          <dgm:constr type="l" for="ch" forName="circ3Tx" refType="w" fact="0.04"/>
-          <dgm:constr type="t" for="ch" forName="circ3Tx" refType="h" fact="0.48"/>
-          <dgm:constr type="w" for="ch" forName="circ3Tx" refType="w" fact="0.36"/>
-          <dgm:constr type="h" for="ch" forName="circ3Tx" refType="h" fact="0.33"/>
-          <dgm:constr type="primFontSz" for="ch" ptType="node" op="equ"/>
-        </dgm:constrLst>
-      </dgm:if>
-      <dgm:if name="Name13" axis="ch" ptType="node" func="cnt" op="equ" val="4">
-        <dgm:constrLst>
-          <dgm:constr type="ctrX" for="ch" forName="circ1" refType="w" fact="0.5"/>
-          <dgm:constr type="ctrY" for="ch" forName="circ1" refType="w" fact="0.27"/>
-          <dgm:constr type="w" for="ch" forName="circ1" refType="w" fact="0.52"/>
-          <dgm:constr type="h" for="ch" forName="circ1" refType="h" fact="0.52"/>
-          <dgm:constr type="l" for="ch" forName="circ1Tx" refType="w" fact="0.3"/>
-          <dgm:constr type="t" for="ch" forName="circ1Tx" refType="h" fact="0.08"/>
-          <dgm:constr type="w" for="ch" forName="circ1Tx" refType="w" fact="0.4"/>
-          <dgm:constr type="h" for="ch" forName="circ1Tx" refType="h" fact="0.165"/>
-          <dgm:constr type="ctrX" for="ch" forName="circ2" refType="w" fact="0.73"/>
-          <dgm:constr type="ctrY" for="ch" forName="circ2" refType="w" fact="0.5"/>
-          <dgm:constr type="w" for="ch" forName="circ2" refType="w" fact="0.52"/>
-          <dgm:constr type="h" for="ch" forName="circ2" refType="h" fact="0.52"/>
-          <dgm:constr type="r" for="ch" forName="circ2Tx" refType="w" fact="0.95"/>
-          <dgm:constr type="t" for="ch" forName="circ2Tx" refType="h" fact="0.3"/>
-          <dgm:constr type="w" for="ch" forName="circ2Tx" refType="w" fact="0.2"/>
-          <dgm:constr type="h" for="ch" forName="circ2Tx" refType="h" fact="0.4"/>
-          <dgm:constr type="ctrX" for="ch" forName="circ3" refType="w" fact="0.5"/>
-          <dgm:constr type="ctrY" for="ch" forName="circ3" refType="w" fact="0.73"/>
-          <dgm:constr type="w" for="ch" forName="circ3" refType="w" fact="0.52"/>
-          <dgm:constr type="h" for="ch" forName="circ3" refType="h" fact="0.52"/>
-          <dgm:constr type="l" for="ch" forName="circ3Tx" refType="w" fact="0.3"/>
-          <dgm:constr type="b" for="ch" forName="circ3Tx" refType="h" fact="0.92"/>
-          <dgm:constr type="w" for="ch" forName="circ3Tx" refType="w" fact="0.4"/>
-          <dgm:constr type="h" for="ch" forName="circ3Tx" refType="h" fact="0.165"/>
-          <dgm:constr type="ctrX" for="ch" forName="circ4" refType="w" fact="0.27"/>
-          <dgm:constr type="ctrY" for="ch" forName="circ4" refType="h" fact="0.5"/>
-          <dgm:constr type="w" for="ch" forName="circ4" refType="w" fact="0.52"/>
-          <dgm:constr type="h" for="ch" forName="circ4" refType="h" fact="0.52"/>
-          <dgm:constr type="l" for="ch" forName="circ4Tx" refType="w" fact="0.05"/>
-          <dgm:constr type="t" for="ch" forName="circ4Tx" refType="h" fact="0.3"/>
-          <dgm:constr type="w" for="ch" forName="circ4Tx" refType="w" fact="0.2"/>
-          <dgm:constr type="h" for="ch" forName="circ4Tx" refType="h" fact="0.4"/>
-          <dgm:constr type="primFontSz" for="ch" ptType="node" op="equ"/>
-        </dgm:constrLst>
-      </dgm:if>
-      <dgm:if name="Name14" axis="ch" ptType="node" func="cnt" op="equ" val="5">
-        <dgm:constrLst>
-          <dgm:constr type="ctrX" for="ch" forName="circ1" refType="w" fact="0.5"/>
-          <dgm:constr type="ctrY" for="ch" forName="circ1" refType="h" fact="0.46"/>
-          <dgm:constr type="w" for="ch" forName="circ1" refType="w" fact="0.25"/>
-          <dgm:constr type="h" for="ch" forName="circ1" refType="h" fact="0.35"/>
-          <dgm:constr type="l" for="ch" forName="circ1Tx" refType="w" fact="0.355"/>
-          <dgm:constr type="t" for="ch" forName="circ1Tx"/>
-          <dgm:constr type="w" for="ch" forName="circ1Tx" refType="w" fact="0.29"/>
-          <dgm:constr type="h" for="ch" forName="circ1Tx" refType="h" fact="0.235"/>
-          <dgm:constr type="ctrX" for="ch" forName="circ2" refType="w" fact="0.5951"/>
-          <dgm:constr type="ctrY" for="ch" forName="circ2" refType="h" fact="0.5567"/>
-          <dgm:constr type="w" for="ch" forName="circ2" refType="w" fact="0.25"/>
-          <dgm:constr type="h" for="ch" forName="circ2" refType="h" fact="0.35"/>
-          <dgm:constr type="l" for="ch" forName="circ2Tx" refType="w" fact="0.74"/>
-          <dgm:constr type="t" for="ch" forName="circ2Tx" refType="h" fact="0.31"/>
-          <dgm:constr type="w" for="ch" forName="circ2Tx" refType="w" fact="0.26"/>
-          <dgm:constr type="h" for="ch" forName="circ2Tx" refType="h" fact="0.255"/>
-          <dgm:constr type="ctrX" for="ch" forName="circ3" refType="w" fact="0.5588"/>
-          <dgm:constr type="ctrY" for="ch" forName="circ3" refType="h" fact="0.7133"/>
-          <dgm:constr type="w" for="ch" forName="circ3" refType="w" fact="0.25"/>
-          <dgm:constr type="h" for="ch" forName="circ3" refType="h" fact="0.35"/>
-          <dgm:constr type="l" for="ch" forName="circ3Tx" refType="w" fact="0.7"/>
-          <dgm:constr type="t" for="ch" forName="circ3Tx" refType="h" fact="0.745"/>
-          <dgm:constr type="w" for="ch" forName="circ3Tx" refType="w" fact="0.26"/>
-          <dgm:constr type="h" for="ch" forName="circ3Tx" refType="h" fact="0.255"/>
-          <dgm:constr type="ctrX" for="ch" forName="circ4" refType="w" fact="0.4412"/>
-          <dgm:constr type="ctrY" for="ch" forName="circ4" refType="h" fact="0.7133"/>
-          <dgm:constr type="w" for="ch" forName="circ4" refType="w" fact="0.25"/>
-          <dgm:constr type="h" for="ch" forName="circ4" refType="h" fact="0.35"/>
-          <dgm:constr type="l" for="ch" forName="circ4Tx" refType="w" fact="0.04"/>
-          <dgm:constr type="t" for="ch" forName="circ4Tx" refType="h" fact="0.745"/>
-          <dgm:constr type="w" for="ch" forName="circ4Tx" refType="w" fact="0.26"/>
-          <dgm:constr type="h" for="ch" forName="circ4Tx" refType="h" fact="0.255"/>
-          <dgm:constr type="ctrX" for="ch" forName="circ5" refType="w" fact="0.4049"/>
-          <dgm:constr type="ctrY" for="ch" forName="circ5" refType="h" fact="0.5567"/>
-          <dgm:constr type="w" for="ch" forName="circ5" refType="w" fact="0.25"/>
-          <dgm:constr type="h" for="ch" forName="circ5" refType="h" fact="0.35"/>
-          <dgm:constr type="l" for="ch" forName="circ5Tx"/>
-          <dgm:constr type="t" for="ch" forName="circ5Tx" refType="h" fact="0.31"/>
-          <dgm:constr type="w" for="ch" forName="circ5Tx" refType="w" fact="0.26"/>
-          <dgm:constr type="h" for="ch" forName="circ5Tx" refType="h" fact="0.255"/>
-          <dgm:constr type="primFontSz" for="ch" ptType="node" op="equ"/>
-        </dgm:constrLst>
-      </dgm:if>
-      <dgm:if name="Name15" axis="ch" ptType="node" func="cnt" op="equ" val="6">
-        <dgm:constrLst>
-          <dgm:constr type="ctrX" for="ch" forName="circ1" refType="w" fact="0.5"/>
-          <dgm:constr type="ctrY" for="ch" forName="circ1" refType="h" fact="0.3844"/>
-          <dgm:constr type="w" for="ch" forName="circ1" refType="w" fact="0.24"/>
-          <dgm:constr type="h" for="ch" forName="circ1" refType="h" fact="0.3084"/>
-          <dgm:constr type="l" for="ch" forName="circ1Tx" refType="w" fact="0.35"/>
-          <dgm:constr type="t" for="ch" forName="circ1Tx"/>
-          <dgm:constr type="w" for="ch" forName="circ1Tx" refType="w" fact="0.3"/>
-          <dgm:constr type="h" for="ch" forName="circ1Tx" refType="h" fact="0.21"/>
-          <dgm:constr type="ctrX" for="ch" forName="circ2" refType="w" fact="0.5779"/>
-          <dgm:constr type="ctrY" for="ch" forName="circ2" refType="h" fact="0.4422"/>
-          <dgm:constr type="w" for="ch" forName="circ2" refType="w" fact="0.24"/>
-          <dgm:constr type="h" for="ch" forName="circ2" refType="h" fact="0.3084"/>
-          <dgm:constr type="l" for="ch" forName="circ2Tx" refType="w" fact="0.7157"/>
-          <dgm:constr type="t" for="ch" forName="circ2Tx" refType="h" fact="0.2"/>
-          <dgm:constr type="w" for="ch" forName="circ2Tx" refType="w" fact="0.2843"/>
-          <dgm:constr type="h" for="ch" forName="circ2Tx" refType="h" fact="0.23"/>
-          <dgm:constr type="ctrX" for="ch" forName="circ3" refType="w" fact="0.5779"/>
-          <dgm:constr type="ctrY" for="ch" forName="circ3" refType="h" fact="0.5578"/>
-          <dgm:constr type="w" for="ch" forName="circ3" refType="w" fact="0.24"/>
-          <dgm:constr type="h" for="ch" forName="circ3" refType="h" fact="0.3084"/>
-          <dgm:constr type="l" for="ch" forName="circ3Tx" refType="w" fact="0.7157"/>
-          <dgm:constr type="t" for="ch" forName="circ3Tx" refType="h" fact="0.543"/>
-          <dgm:constr type="w" for="ch" forName="circ3Tx" refType="w" fact="0.2843"/>
-          <dgm:constr type="h" for="ch" forName="circ3Tx" refType="h" fact="0.257"/>
-          <dgm:constr type="ctrX" for="ch" forName="circ4" refType="w" fact="0.5"/>
-          <dgm:constr type="ctrY" for="ch" forName="circ4" refType="h" fact="0.6157"/>
-          <dgm:constr type="w" for="ch" forName="circ4" refType="w" fact="0.24"/>
-          <dgm:constr type="h" for="ch" forName="circ4" refType="h" fact="0.3084"/>
-          <dgm:constr type="l" for="ch" forName="circ4Tx" refType="w" fact="0.35"/>
-          <dgm:constr type="t" for="ch" forName="circ4Tx" refType="h" fact="0.79"/>
-          <dgm:constr type="w" for="ch" forName="circ4Tx" refType="w" fact="0.3"/>
-          <dgm:constr type="h" for="ch" forName="circ4Tx" refType="h" fact="0.21"/>
-          <dgm:constr type="ctrX" for="ch" forName="circ5" refType="w" fact="0.4221"/>
-          <dgm:constr type="ctrY" for="ch" forName="circ5" refType="h" fact="0.5578"/>
-          <dgm:constr type="w" for="ch" forName="circ5" refType="w" fact="0.24"/>
-          <dgm:constr type="h" for="ch" forName="circ5" refType="h" fact="0.3084"/>
-          <dgm:constr type="l" for="ch" forName="circ5Tx" refType="w" fact="0"/>
-          <dgm:constr type="t" for="ch" forName="circ5Tx" refType="h" fact="0.543"/>
-          <dgm:constr type="w" for="ch" forName="circ5Tx" refType="w" fact="0.2843"/>
-          <dgm:constr type="h" for="ch" forName="circ5Tx" refType="h" fact="0.257"/>
-          <dgm:constr type="ctrX" for="ch" forName="circ6" refType="w" fact="0.4221"/>
-          <dgm:constr type="ctrY" for="ch" forName="circ6" refType="h" fact="0.4422"/>
-          <dgm:constr type="w" for="ch" forName="circ6" refType="w" fact="0.24"/>
-          <dgm:constr type="h" for="ch" forName="circ6" refType="h" fact="0.3084"/>
-          <dgm:constr type="l" for="ch" forName="circ6Tx" refType="w" fact="0"/>
-          <dgm:constr type="t" for="ch" forName="circ6Tx" refType="h" fact="0.2"/>
-          <dgm:constr type="w" for="ch" forName="circ6Tx" refType="w" fact="0.2843"/>
-          <dgm:constr type="h" for="ch" forName="circ6Tx" refType="h" fact="0.257"/>
-          <dgm:constr type="primFontSz" for="ch" ptType="node" op="equ"/>
-        </dgm:constrLst>
-      </dgm:if>
-      <dgm:else name="Name16">
-        <dgm:constrLst>
-          <dgm:constr type="ctrX" for="ch" forName="circ1" refType="w" fact="0.5"/>
-          <dgm:constr type="ctrY" for="ch" forName="circ1" refType="h" fact="0.4177"/>
-          <dgm:constr type="w" for="ch" forName="circ1" refType="w" fact="0.24"/>
-          <dgm:constr type="h" for="ch" forName="circ1" refType="h" fact="0.3262"/>
-          <dgm:constr type="l" for="ch" forName="circ1Tx" refType="w" fact="0.3625"/>
-          <dgm:constr type="t" for="ch" forName="circ1Tx"/>
-          <dgm:constr type="w" for="ch" forName="circ1Tx" refType="w" fact="0.275"/>
-          <dgm:constr type="h" for="ch" forName="circ1Tx" refType="h" fact="0.2"/>
-          <dgm:constr type="ctrX" for="ch" forName="circ2" refType="w" fact="0.5704"/>
-          <dgm:constr type="ctrY" for="ch" forName="circ2" refType="h" fact="0.4637"/>
-          <dgm:constr type="w" for="ch" forName="circ2" refType="w" fact="0.24"/>
-          <dgm:constr type="h" for="ch" forName="circ2" refType="h" fact="0.3262"/>
-          <dgm:constr type="l" for="ch" forName="circ2Tx" refType="w" fact="0.72"/>
-          <dgm:constr type="t" for="ch" forName="circ2Tx" refType="h" fact="0.19"/>
-          <dgm:constr type="w" for="ch" forName="circ2Tx" refType="w" fact="0.26"/>
-          <dgm:constr type="h" for="ch" forName="circ2Tx" refType="h" fact="0.22"/>
-          <dgm:constr type="ctrX" for="ch" forName="circ3" refType="w" fact="0.5877"/>
-          <dgm:constr type="ctrY" for="ch" forName="circ3" refType="h" fact="0.5672"/>
-          <dgm:constr type="w" for="ch" forName="circ3" refType="w" fact="0.24"/>
-          <dgm:constr type="h" for="ch" forName="circ3" refType="h" fact="0.3262"/>
-          <dgm:constr type="l" for="ch" forName="circ3Tx" refType="w" fact="0.745"/>
-          <dgm:constr type="t" for="ch" forName="circ3Tx" refType="h" fact="0.47"/>
-          <dgm:constr type="w" for="ch" forName="circ3Tx" refType="w" fact="0.255"/>
-          <dgm:constr type="h" for="ch" forName="circ3Tx" refType="h" fact="0.235"/>
-          <dgm:constr type="ctrX" for="ch" forName="circ4" refType="w" fact="0.539"/>
-          <dgm:constr type="ctrY" for="ch" forName="circ4" refType="h" fact="0.6502"/>
-          <dgm:constr type="w" for="ch" forName="circ4" refType="w" fact="0.24"/>
-          <dgm:constr type="h" for="ch" forName="circ4" refType="h" fact="0.3262"/>
-          <dgm:constr type="l" for="ch" forName="circ4Tx" refType="w" fact="0.635"/>
-          <dgm:constr type="t" for="ch" forName="circ4Tx" refType="h" fact="0.785"/>
-          <dgm:constr type="w" for="ch" forName="circ4Tx" refType="w" fact="0.275"/>
-          <dgm:constr type="h" for="ch" forName="circ4Tx" refType="h" fact="0.215"/>
-          <dgm:constr type="ctrX" for="ch" forName="circ5" refType="w" fact="0.461"/>
-          <dgm:constr type="ctrY" for="ch" forName="circ5" refType="h" fact="0.6502"/>
-          <dgm:constr type="w" for="ch" forName="circ5" refType="w" fact="0.24"/>
-          <dgm:constr type="h" for="ch" forName="circ5" refType="h" fact="0.3262"/>
-          <dgm:constr type="l" for="ch" forName="circ5Tx" refType="w" fact="0.09"/>
-          <dgm:constr type="t" for="ch" forName="circ5Tx" refType="h" fact="0.785"/>
-          <dgm:constr type="w" for="ch" forName="circ5Tx" refType="w" fact="0.275"/>
-          <dgm:constr type="h" for="ch" forName="circ5Tx" refType="h" fact="0.215"/>
-          <dgm:constr type="ctrX" for="ch" forName="circ6" refType="w" fact="0.4123"/>
-          <dgm:constr type="ctrY" for="ch" forName="circ6" refType="h" fact="0.5672"/>
-          <dgm:constr type="w" for="ch" forName="circ6" refType="w" fact="0.24"/>
-          <dgm:constr type="h" for="ch" forName="circ6" refType="h" fact="0.3262"/>
-          <dgm:constr type="l" for="ch" forName="circ6Tx"/>
-          <dgm:constr type="t" for="ch" forName="circ6Tx" refType="h" fact="0.47"/>
-          <dgm:constr type="w" for="ch" forName="circ6Tx" refType="w" fact="0.255"/>
-          <dgm:constr type="h" for="ch" forName="circ6Tx" refType="h" fact="0.235"/>
-          <dgm:constr type="ctrX" for="ch" forName="circ7" refType="w" fact="0.4296"/>
-          <dgm:constr type="ctrY" for="ch" forName="circ7" refType="h" fact="0.4637"/>
-          <dgm:constr type="w" for="ch" forName="circ7" refType="w" fact="0.24"/>
-          <dgm:constr type="h" for="ch" forName="circ7" refType="h" fact="0.3262"/>
-          <dgm:constr type="l" for="ch" forName="circ7Tx" refType="w" fact="0.02"/>
-          <dgm:constr type="t" for="ch" forName="circ7Tx" refType="h" fact="0.19"/>
-          <dgm:constr type="w" for="ch" forName="circ7Tx" refType="w" fact="0.26"/>
-          <dgm:constr type="h" for="ch" forName="circ7Tx" refType="h" fact="0.22"/>
-          <dgm:constr type="primFontSz" for="ch" ptType="node" op="equ"/>
-        </dgm:constrLst>
-      </dgm:else>
-    </dgm:choose>
-    <dgm:ruleLst/>
-    <dgm:forEach name="Name17" axis="ch" ptType="node" cnt="1">
-      <dgm:choose name="Name18">
-        <dgm:if name="Name19" axis="root ch" ptType="all node" func="cnt" op="equ" val="1">
-          <dgm:layoutNode name="circ1TxSh" styleLbl="vennNode1">
-            <dgm:alg type="tx">
-              <dgm:param type="txAnchorHorzCh" val="ctr"/>
-              <dgm:param type="txAnchorVertCh" val="mid"/>
-            </dgm:alg>
-            <dgm:shape xmlns:r="http://schemas.openxmlformats.org/officeDocument/2006/relationships" type="ellipse" r:blip="">
-              <dgm:adjLst/>
-            </dgm:shape>
-            <dgm:choose name="Name20">
-              <dgm:if name="Name21" func="var" arg="dir" op="equ" val="norm">
-                <dgm:choose name="Name22">
-                  <dgm:if name="Name23" axis="root ch" ptType="all node" func="cnt" op="lte" val="4">
-                    <dgm:presOf axis="desOrSelf" ptType="node"/>
-                  </dgm:if>
-                  <dgm:else name="Name24">
-                    <dgm:presOf/>
-                  </dgm:else>
-                </dgm:choose>
-              </dgm:if>
-              <dgm:else name="Name25">
-                <dgm:choose name="Name26">
-                  <dgm:if name="Name27" axis="root ch" ptType="all node" func="cnt" op="equ" val="2">
-                    <dgm:presOf axis="root ch desOrSelf" ptType="all node node" st="1 2 1" cnt="1 1 0"/>
-                  </dgm:if>
-                  <dgm:else name="Name28">
-                    <dgm:presOf axis="desOrSelf" ptType="node"/>
-                  </dgm:else>
-                </dgm:choose>
-              </dgm:else>
-            </dgm:choose>
-            <dgm:constrLst>
-              <dgm:constr type="tMarg"/>
-              <dgm:constr type="bMarg"/>
-              <dgm:constr type="lMarg"/>
-              <dgm:constr type="rMarg"/>
-              <dgm:constr type="primFontSz" val="65"/>
-            </dgm:constrLst>
-            <dgm:ruleLst>
-              <dgm:rule type="primFontSz" val="5" fact="NaN" max="NaN"/>
-            </dgm:ruleLst>
-          </dgm:layoutNode>
-        </dgm:if>
-        <dgm:else name="Name29">
-          <dgm:layoutNode name="circ1" styleLbl="vennNode1">
-            <dgm:alg type="sp"/>
-            <dgm:shape xmlns:r="http://schemas.openxmlformats.org/officeDocument/2006/relationships" type="ellipse" r:blip="">
-              <dgm:adjLst/>
-            </dgm:shape>
-            <dgm:choose name="Name30">
-              <dgm:if name="Name31" func="var" arg="dir" op="equ" val="norm">
-                <dgm:choose name="Name32">
-                  <dgm:if name="Name33" axis="root ch" ptType="all node" func="cnt" op="lte" val="4">
-                    <dgm:presOf axis="desOrSelf" ptType="node"/>
-                  </dgm:if>
-                  <dgm:else name="Name34">
-                    <dgm:presOf/>
-                  </dgm:else>
-                </dgm:choose>
-              </dgm:if>
-              <dgm:else name="Name35">
-                <dgm:choose name="Name36">
-                  <dgm:if name="Name37" axis="root ch" ptType="all node" func="cnt" op="equ" val="2">
-                    <dgm:presOf axis="root ch desOrSelf" ptType="all node node" st="1 2 1" cnt="1 1 0"/>
-                  </dgm:if>
-                  <dgm:else name="Name38">
-                    <dgm:choose name="Name39">
-                      <dgm:if name="Name40" axis="root ch" ptType="all node" func="cnt" op="lte" val="4">
-                        <dgm:presOf axis="desOrSelf" ptType="node"/>
-                      </dgm:if>
-                      <dgm:else name="Name41">
-                        <dgm:presOf/>
-                      </dgm:else>
-                    </dgm:choose>
-                  </dgm:else>
-                </dgm:choose>
-              </dgm:else>
-            </dgm:choose>
-            <dgm:constrLst/>
-            <dgm:ruleLst/>
-          </dgm:layoutNode>
-          <dgm:layoutNode name="circ1Tx" styleLbl="revTx">
-            <dgm:varLst>
-              <dgm:chMax val="0"/>
-              <dgm:chPref val="0"/>
-              <dgm:bulletEnabled val="1"/>
-            </dgm:varLst>
-            <dgm:alg type="tx">
-              <dgm:param type="txAnchorHorzCh" val="ctr"/>
-              <dgm:param type="txAnchorVertCh" val="mid"/>
-            </dgm:alg>
-            <dgm:shape xmlns:r="http://schemas.openxmlformats.org/officeDocument/2006/relationships" type="rect" r:blip="" hideGeom="1">
-              <dgm:adjLst/>
-            </dgm:shape>
-            <dgm:choose name="Name42">
-              <dgm:if name="Name43" func="var" arg="dir" op="equ" val="norm">
-                <dgm:presOf axis="desOrSelf" ptType="node"/>
-              </dgm:if>
-              <dgm:else name="Name44">
-                <dgm:choose name="Name45">
-                  <dgm:if name="Name46" axis="root ch" ptType="all node" func="cnt" op="equ" val="2">
-                    <dgm:presOf axis="root ch desOrSelf" ptType="all node node" st="1 2 1" cnt="1 1 0"/>
-                  </dgm:if>
-                  <dgm:else name="Name47">
-                    <dgm:presOf axis="desOrSelf" ptType="node"/>
-                  </dgm:else>
-                </dgm:choose>
-              </dgm:else>
-            </dgm:choose>
-            <dgm:constrLst>
-              <dgm:constr type="tMarg"/>
-              <dgm:constr type="bMarg"/>
-              <dgm:constr type="lMarg"/>
-              <dgm:constr type="rMarg"/>
-              <dgm:constr type="primFontSz" val="65"/>
-            </dgm:constrLst>
-            <dgm:ruleLst>
-              <dgm:rule type="primFontSz" val="5" fact="NaN" max="NaN"/>
-            </dgm:ruleLst>
-          </dgm:layoutNode>
-        </dgm:else>
-      </dgm:choose>
-    </dgm:forEach>
-    <dgm:forEach name="Name48" axis="ch" ptType="node" st="2" cnt="1">
-      <dgm:layoutNode name="circ2" styleLbl="vennNode1">
-        <dgm:alg type="sp"/>
-        <dgm:shape xmlns:r="http://schemas.openxmlformats.org/officeDocument/2006/relationships" type="ellipse" r:blip="">
-          <dgm:adjLst/>
-        </dgm:shape>
-        <dgm:choose name="Name49">
-          <dgm:if name="Name50" func="var" arg="dir" op="equ" val="norm">
-            <dgm:choose name="Name51">
-              <dgm:if name="Name52" axis="root ch" ptType="all node" func="cnt" op="lte" val="4">
-                <dgm:presOf axis="desOrSelf" ptType="node"/>
-              </dgm:if>
-              <dgm:else name="Name53">
-                <dgm:presOf/>
-              </dgm:else>
-            </dgm:choose>
-          </dgm:if>
-          <dgm:else name="Name54">
-            <dgm:choose name="Name55">
-              <dgm:if name="Name56" axis="root ch" ptType="all node" func="cnt" op="equ" val="2">
-                <dgm:presOf axis="root ch desOrSelf" ptType="all node node" st="1 1 1" cnt="1 1 0"/>
-              </dgm:if>
-              <dgm:if name="Name57" axis="root ch" ptType="all node" func="cnt" op="equ" val="3">
-                <dgm:presOf axis="root ch desOrSelf" ptType="all node node" st="1 3 1" cnt="1 1 0"/>
-              </dgm:if>
-              <dgm:if name="Name58" axis="root ch" ptType="all node" func="cnt" op="equ" val="4">
-                <dgm:presOf axis="root ch desOrSelf" ptType="all node node" st="1 4 1" cnt="1 1 0"/>
-              </dgm:if>
-              <dgm:else name="Name59">
-                <dgm:presOf/>
-              </dgm:else>
-            </dgm:choose>
-          </dgm:else>
-        </dgm:choose>
-        <dgm:constrLst/>
-        <dgm:ruleLst/>
-      </dgm:layoutNode>
-      <dgm:layoutNode name="circ2Tx" styleLbl="revTx">
-        <dgm:varLst>
-          <dgm:chMax val="0"/>
-          <dgm:chPref val="0"/>
-          <dgm:bulletEnabled val="1"/>
-        </dgm:varLst>
-        <dgm:alg type="tx">
-          <dgm:param type="txAnchorHorzCh" val="ctr"/>
-          <dgm:param type="txAnchorVertCh" val="mid"/>
-        </dgm:alg>
-        <dgm:shape xmlns:r="http://schemas.openxmlformats.org/officeDocument/2006/relationships" type="rect" r:blip="" hideGeom="1">
-          <dgm:adjLst/>
-        </dgm:shape>
-        <dgm:choose name="Name60">
-          <dgm:if name="Name61" func="var" arg="dir" op="equ" val="norm">
-            <dgm:presOf axis="desOrSelf" ptType="node"/>
-          </dgm:if>
-          <dgm:else name="Name62">
-            <dgm:choose name="Name63">
-              <dgm:if name="Name64" axis="root ch" ptType="all node" func="cnt" op="equ" val="2">
-                <dgm:presOf axis="root ch desOrSelf" ptType="all node node" st="1 1 1" cnt="1 1 0"/>
-              </dgm:if>
-              <dgm:if name="Name65" axis="root ch" ptType="all node" func="cnt" op="equ" val="3">
-                <dgm:presOf axis="root ch desOrSelf" ptType="all node node" st="1 3 1" cnt="1 1 0"/>
-              </dgm:if>
-              <dgm:if name="Name66" axis="root ch" ptType="all node" func="cnt" op="equ" val="4">
-                <dgm:presOf axis="root ch desOrSelf" ptType="all node node" st="1 4 1" cnt="1 1 0"/>
-              </dgm:if>
-              <dgm:if name="Name67" axis="root ch" ptType="all node" func="cnt" op="equ" val="5">
-                <dgm:presOf axis="root ch desOrSelf" ptType="all node node" st="1 5 1" cnt="1 1 0"/>
-              </dgm:if>
-              <dgm:if name="Name68" axis="root ch" ptType="all node" func="cnt" op="equ" val="6">
-                <dgm:presOf axis="root ch desOrSelf" ptType="all node node" st="1 6 1" cnt="1 1 0"/>
-              </dgm:if>
-              <dgm:else name="Name69">
-                <dgm:presOf axis="root ch desOrSelf" ptType="all node node" st="1 7 1" cnt="1 1 0"/>
-              </dgm:else>
-            </dgm:choose>
-          </dgm:else>
-        </dgm:choose>
-        <dgm:constrLst>
-          <dgm:constr type="tMarg"/>
-          <dgm:constr type="bMarg"/>
-          <dgm:constr type="lMarg"/>
-          <dgm:constr type="rMarg"/>
-          <dgm:constr type="primFontSz" val="65"/>
-        </dgm:constrLst>
-        <dgm:ruleLst>
-          <dgm:rule type="primFontSz" val="5" fact="NaN" max="NaN"/>
-        </dgm:ruleLst>
-      </dgm:layoutNode>
-    </dgm:forEach>
-    <dgm:forEach name="Name70" axis="ch" ptType="node" st="3" cnt="1">
-      <dgm:layoutNode name="circ3" styleLbl="vennNode1">
-        <dgm:alg type="sp"/>
-        <dgm:shape xmlns:r="http://schemas.openxmlformats.org/officeDocument/2006/relationships" type="ellipse" r:blip="">
-          <dgm:adjLst/>
-        </dgm:shape>
-        <dgm:choose name="Name71">
-          <dgm:if name="Name72" func="var" arg="dir" op="equ" val="norm">
-            <dgm:choose name="Name73">
-              <dgm:if name="Name74" axis="root ch" ptType="all node" func="cnt" op="lte" val="4">
-                <dgm:presOf axis="desOrSelf" ptType="node"/>
-              </dgm:if>
-              <dgm:else name="Name75">
-                <dgm:presOf/>
-              </dgm:else>
-            </dgm:choose>
-          </dgm:if>
-          <dgm:else name="Name76">
-            <dgm:choose name="Name77">
-              <dgm:if name="Name78" axis="root ch" ptType="all node" func="cnt" op="equ" val="3">
-                <dgm:presOf axis="root ch desOrSelf" ptType="all node node" st="1 2 1" cnt="1 1 0"/>
-              </dgm:if>
-              <dgm:if name="Name79" axis="root ch" ptType="all node" func="cnt" op="equ" val="4">
-                <dgm:presOf axis="root ch desOrSelf" ptType="all node node" st="1 3 1" cnt="1 1 0"/>
-              </dgm:if>
-              <dgm:else name="Name80">
-                <dgm:presOf/>
-              </dgm:else>
-            </dgm:choose>
-          </dgm:else>
-        </dgm:choose>
-        <dgm:constrLst/>
-        <dgm:ruleLst/>
-      </dgm:layoutNode>
-      <dgm:layoutNode name="circ3Tx" styleLbl="revTx">
-        <dgm:varLst>
-          <dgm:chMax val="0"/>
-          <dgm:chPref val="0"/>
-          <dgm:bulletEnabled val="1"/>
-        </dgm:varLst>
-        <dgm:alg type="tx">
-          <dgm:param type="txAnchorHorzCh" val="ctr"/>
-          <dgm:param type="txAnchorVertCh" val="mid"/>
-        </dgm:alg>
-        <dgm:shape xmlns:r="http://schemas.openxmlformats.org/officeDocument/2006/relationships" type="rect" r:blip="" hideGeom="1">
-          <dgm:adjLst/>
-        </dgm:shape>
-        <dgm:choose name="Name81">
-          <dgm:if name="Name82" func="var" arg="dir" op="equ" val="norm">
-            <dgm:presOf axis="desOrSelf" ptType="node"/>
-          </dgm:if>
-          <dgm:else name="Name83">
-            <dgm:choose name="Name84">
-              <dgm:if name="Name85" axis="root ch" ptType="all node" func="cnt" op="equ" val="3">
-                <dgm:presOf axis="root ch desOrSelf" ptType="all node node" st="1 2 1" cnt="1 1 0"/>
-              </dgm:if>
-              <dgm:if name="Name86" axis="root ch" ptType="all node" func="cnt" op="equ" val="4">
-                <dgm:presOf axis="root ch desOrSelf" ptType="all node node" st="1 3 1" cnt="1 1 0"/>
-              </dgm:if>
-              <dgm:if name="Name87" axis="root ch" ptType="all node" func="cnt" op="equ" val="5">
-                <dgm:presOf axis="root ch desOrSelf" ptType="all node node" st="1 4 1" cnt="1 1 0"/>
-              </dgm:if>
-              <dgm:if name="Name88" axis="root ch" ptType="all node" func="cnt" op="equ" val="6">
-                <dgm:presOf axis="root ch desOrSelf" ptType="all node node" st="1 5 1" cnt="1 1 0"/>
-              </dgm:if>
-              <dgm:else name="Name89">
-                <dgm:presOf axis="root ch desOrSelf" ptType="all node node" st="1 6 1" cnt="1 1 0"/>
-              </dgm:else>
-            </dgm:choose>
-          </dgm:else>
-        </dgm:choose>
-        <dgm:constrLst>
-          <dgm:constr type="tMarg"/>
-          <dgm:constr type="bMarg"/>
-          <dgm:constr type="lMarg"/>
-          <dgm:constr type="rMarg"/>
-          <dgm:constr type="primFontSz" val="65"/>
-        </dgm:constrLst>
-        <dgm:ruleLst>
-          <dgm:rule type="primFontSz" val="5" fact="NaN" max="NaN"/>
-        </dgm:ruleLst>
-      </dgm:layoutNode>
-    </dgm:forEach>
-    <dgm:forEach name="Name90" axis="ch" ptType="node" st="4" cnt="1">
-      <dgm:layoutNode name="circ4" styleLbl="vennNode1">
-        <dgm:alg type="sp"/>
-        <dgm:shape xmlns:r="http://schemas.openxmlformats.org/officeDocument/2006/relationships" type="ellipse" r:blip="">
-          <dgm:adjLst/>
-        </dgm:shape>
-        <dgm:choose name="Name91">
-          <dgm:if name="Name92" func="var" arg="dir" op="equ" val="norm">
-            <dgm:choose name="Name93">
-              <dgm:if name="Name94" axis="root ch" ptType="all node" func="cnt" op="lte" val="4">
-                <dgm:presOf axis="desOrSelf" ptType="node"/>
-              </dgm:if>
-              <dgm:else name="Name95">
-                <dgm:presOf/>
-              </dgm:else>
-            </dgm:choose>
-          </dgm:if>
-          <dgm:else name="Name96">
-            <dgm:choose name="Name97">
-              <dgm:if name="Name98" axis="root ch" ptType="all node" func="cnt" op="equ" val="4">
-                <dgm:presOf axis="root ch desOrSelf" ptType="all node node" st="1 2 1" cnt="1 1 0"/>
-              </dgm:if>
-              <dgm:else name="Name99">
-                <dgm:presOf/>
-              </dgm:else>
-            </dgm:choose>
-          </dgm:else>
-        </dgm:choose>
-        <dgm:constrLst/>
-        <dgm:ruleLst/>
-      </dgm:layoutNode>
-      <dgm:layoutNode name="circ4Tx" styleLbl="revTx">
-        <dgm:varLst>
-          <dgm:chMax val="0"/>
-          <dgm:chPref val="0"/>
-          <dgm:bulletEnabled val="1"/>
-        </dgm:varLst>
-        <dgm:alg type="tx">
-          <dgm:param type="txAnchorHorzCh" val="ctr"/>
-          <dgm:param type="txAnchorVertCh" val="mid"/>
-        </dgm:alg>
-        <dgm:shape xmlns:r="http://schemas.openxmlformats.org/officeDocument/2006/relationships" type="rect" r:blip="" hideGeom="1">
-          <dgm:adjLst/>
-        </dgm:shape>
-        <dgm:choose name="Name100">
-          <dgm:if name="Name101" func="var" arg="dir" op="equ" val="norm">
-            <dgm:presOf axis="desOrSelf" ptType="node"/>
-          </dgm:if>
-          <dgm:else name="Name102">
-            <dgm:choose name="Name103">
-              <dgm:if name="Name104" axis="root ch" ptType="all node" func="cnt" op="equ" val="4">
-                <dgm:presOf axis="root ch desOrSelf" ptType="all node node" st="1 2 1" cnt="1 1 0"/>
-              </dgm:if>
-              <dgm:if name="Name105" axis="root ch" ptType="all node" func="cnt" op="equ" val="5">
-                <dgm:presOf axis="root ch desOrSelf" ptType="all node node" st="1 3 1" cnt="1 1 0"/>
-              </dgm:if>
-              <dgm:if name="Name106" axis="root ch" ptType="all node" func="cnt" op="equ" val="6">
-                <dgm:presOf axis="root ch desOrSelf" ptType="all node node" st="1 4 1" cnt="1 1 0"/>
-              </dgm:if>
-              <dgm:else name="Name107">
-                <dgm:presOf axis="root ch desOrSelf" ptType="all node node" st="1 5 1" cnt="1 1 0"/>
-              </dgm:else>
-            </dgm:choose>
-          </dgm:else>
-        </dgm:choose>
-        <dgm:constrLst>
-          <dgm:constr type="tMarg"/>
-          <dgm:constr type="bMarg"/>
-          <dgm:constr type="lMarg"/>
-          <dgm:constr type="rMarg"/>
-          <dgm:constr type="primFontSz" val="65"/>
-        </dgm:constrLst>
-        <dgm:ruleLst>
-          <dgm:rule type="primFontSz" val="5" fact="NaN" max="NaN"/>
-        </dgm:ruleLst>
-      </dgm:layoutNode>
-    </dgm:forEach>
-    <dgm:forEach name="Name108" axis="ch" ptType="node" st="5" cnt="1">
-      <dgm:layoutNode name="circ5" styleLbl="vennNode1">
-        <dgm:alg type="sp"/>
-        <dgm:shape xmlns:r="http://schemas.openxmlformats.org/officeDocument/2006/relationships" type="ellipse" r:blip="">
-          <dgm:adjLst/>
-        </dgm:shape>
-        <dgm:presOf/>
-        <dgm:constrLst/>
-        <dgm:ruleLst/>
-      </dgm:layoutNode>
-      <dgm:layoutNode name="circ5Tx" styleLbl="revTx">
-        <dgm:varLst>
-          <dgm:chMax val="0"/>
-          <dgm:chPref val="0"/>
-          <dgm:bulletEnabled val="1"/>
-        </dgm:varLst>
-        <dgm:alg type="tx">
-          <dgm:param type="txAnchorHorzCh" val="ctr"/>
-          <dgm:param type="txAnchorVertCh" val="mid"/>
-        </dgm:alg>
-        <dgm:shape xmlns:r="http://schemas.openxmlformats.org/officeDocument/2006/relationships" type="rect" r:blip="" hideGeom="1">
-          <dgm:adjLst/>
-        </dgm:shape>
-        <dgm:choose name="Name109">
-          <dgm:if name="Name110" func="var" arg="dir" op="equ" val="norm">
-            <dgm:presOf axis="desOrSelf" ptType="node"/>
-          </dgm:if>
-          <dgm:else name="Name111">
-            <dgm:choose name="Name112">
-              <dgm:if name="Name113" axis="root ch" ptType="all node" func="cnt" op="equ" val="5">
-                <dgm:presOf axis="root ch desOrSelf" ptType="all node node" st="1 2 1" cnt="1 1 0"/>
-              </dgm:if>
-              <dgm:if name="Name114" axis="root ch" ptType="all node" func="cnt" op="equ" val="6">
-                <dgm:presOf axis="root ch desOrSelf" ptType="all node node" st="1 3 1" cnt="1 1 0"/>
-              </dgm:if>
-              <dgm:else name="Name115">
-                <dgm:presOf axis="root ch desOrSelf" ptType="all node node" st="1 4 1" cnt="1 1 0"/>
-              </dgm:else>
-            </dgm:choose>
-          </dgm:else>
-        </dgm:choose>
-        <dgm:constrLst>
-          <dgm:constr type="tMarg"/>
-          <dgm:constr type="bMarg"/>
-          <dgm:constr type="lMarg"/>
-          <dgm:constr type="rMarg"/>
-          <dgm:constr type="primFontSz" val="65"/>
-        </dgm:constrLst>
-        <dgm:ruleLst>
-          <dgm:rule type="primFontSz" val="5" fact="NaN" max="NaN"/>
-        </dgm:ruleLst>
-      </dgm:layoutNode>
-    </dgm:forEach>
-    <dgm:forEach name="Name116" axis="ch" ptType="node" st="6" cnt="1">
-      <dgm:layoutNode name="circ6" styleLbl="vennNode1">
-        <dgm:alg type="sp"/>
-        <dgm:shape xmlns:r="http://schemas.openxmlformats.org/officeDocument/2006/relationships" type="ellipse" r:blip="">
-          <dgm:adjLst/>
-        </dgm:shape>
-        <dgm:presOf/>
-        <dgm:constrLst/>
-        <dgm:ruleLst/>
-      </dgm:layoutNode>
-      <dgm:layoutNode name="circ6Tx" styleLbl="revTx">
-        <dgm:varLst>
-          <dgm:chMax val="0"/>
-          <dgm:chPref val="0"/>
-          <dgm:bulletEnabled val="1"/>
-        </dgm:varLst>
-        <dgm:alg type="tx">
-          <dgm:param type="txAnchorHorzCh" val="ctr"/>
-          <dgm:param type="txAnchorVertCh" val="mid"/>
-        </dgm:alg>
-        <dgm:shape xmlns:r="http://schemas.openxmlformats.org/officeDocument/2006/relationships" type="rect" r:blip="" hideGeom="1">
-          <dgm:adjLst/>
-        </dgm:shape>
-        <dgm:choose name="Name117">
-          <dgm:if name="Name118" func="var" arg="dir" op="equ" val="norm">
-            <dgm:presOf axis="desOrSelf" ptType="node"/>
-          </dgm:if>
-          <dgm:else name="Name119">
-            <dgm:choose name="Name120">
-              <dgm:if name="Name121" axis="root ch" ptType="all node" func="cnt" op="equ" val="6">
-                <dgm:presOf axis="root ch desOrSelf" ptType="all node node" st="1 2 1" cnt="1 1 0"/>
-              </dgm:if>
-              <dgm:else name="Name122">
-                <dgm:presOf axis="root ch desOrSelf" ptType="all node node" st="1 3 1" cnt="1 1 0"/>
-              </dgm:else>
-            </dgm:choose>
-          </dgm:else>
-        </dgm:choose>
-        <dgm:constrLst>
-          <dgm:constr type="tMarg"/>
-          <dgm:constr type="bMarg"/>
-          <dgm:constr type="lMarg"/>
-          <dgm:constr type="rMarg"/>
-          <dgm:constr type="primFontSz" val="65"/>
-        </dgm:constrLst>
-        <dgm:ruleLst>
-          <dgm:rule type="primFontSz" val="5" fact="NaN" max="NaN"/>
-        </dgm:ruleLst>
-      </dgm:layoutNode>
-    </dgm:forEach>
-    <dgm:forEach name="Name123" axis="ch" ptType="node" st="7" cnt="1">
-      <dgm:layoutNode name="circ7" styleLbl="vennNode1">
-        <dgm:alg type="sp"/>
-        <dgm:shape xmlns:r="http://schemas.openxmlformats.org/officeDocument/2006/relationships" type="ellipse" r:blip="">
-          <dgm:adjLst/>
-        </dgm:shape>
-        <dgm:presOf/>
-        <dgm:constrLst/>
-        <dgm:ruleLst/>
-      </dgm:layoutNode>
-      <dgm:layoutNode name="circ7Tx" styleLbl="revTx">
-        <dgm:varLst>
-          <dgm:chMax val="0"/>
-          <dgm:chPref val="0"/>
-          <dgm:bulletEnabled val="1"/>
-        </dgm:varLst>
-        <dgm:alg type="tx">
-          <dgm:param type="txAnchorHorzCh" val="ctr"/>
-          <dgm:param type="txAnchorVertCh" val="mid"/>
-        </dgm:alg>
-        <dgm:shape xmlns:r="http://schemas.openxmlformats.org/officeDocument/2006/relationships" type="rect" r:blip="" hideGeom="1">
-          <dgm:adjLst/>
-        </dgm:shape>
-        <dgm:choose name="Name124">
-          <dgm:if name="Name125" func="var" arg="dir" op="equ" val="norm">
-            <dgm:presOf axis="desOrSelf" ptType="node"/>
-          </dgm:if>
-          <dgm:else name="Name126">
-            <dgm:presOf axis="root ch desOrSelf" ptType="all node node" st="1 2 1" cnt="1 1 0"/>
-          </dgm:else>
-        </dgm:choose>
-        <dgm:constrLst>
-          <dgm:constr type="tMarg"/>
-          <dgm:constr type="bMarg"/>
-          <dgm:constr type="lMarg"/>
-          <dgm:constr type="rMarg"/>
-          <dgm:constr type="primFontSz" val="65"/>
-        </dgm:constrLst>
-        <dgm:ruleLst>
-          <dgm:rule type="primFontSz" val="5" fact="NaN" max="NaN"/>
-        </dgm:ruleLst>
-      </dgm:layoutNode>
-    </dgm:forEach>
-  </dgm:layoutNode>
-</dgm:layoutDef>
-</file>
-
-<file path=ppt/diagrams/quickStyle1.xml><?xml version="1.0" encoding="utf-8"?>
-<dgm:styleDef xmlns:dgm="http://schemas.openxmlformats.org/drawingml/2006/diagram" xmlns:a="http://schemas.openxmlformats.org/drawingml/2006/main" uniqueId="urn:microsoft.com/office/officeart/2005/8/quickstyle/simple1">
-  <dgm:title val=""/>
-  <dgm:desc val=""/>
-  <dgm:catLst>
-    <dgm:cat type="simple" pri="10100"/>
-  </dgm:catLst>
-  <dgm:scene3d>
-    <a:camera prst="orthographicFront"/>
-    <a:lightRig rig="threePt" dir="t"/>
-  </dgm:scene3d>
-  <dgm:styleLbl name="node0">
-    <dgm:scene3d>
-      <a:camera prst="orthographicFront"/>
-      <a:lightRig rig="threePt" dir="t"/>
-    </dgm:scene3d>
-    <dgm:sp3d/>
-    <dgm:txPr/>
-    <dgm:style>
-      <a:lnRef idx="2">
-        <a:scrgbClr r="0" g="0" b="0"/>
-      </a:lnRef>
-      <a:fillRef idx="1">
-        <a:scrgbClr r="0" g="0" b="0"/>
-      </a:fillRef>
-      <a:effectRef idx="0">
-        <a:scrgbClr r="0" g="0" b="0"/>
-      </a:effectRef>
-      <a:fontRef idx="minor">
-        <a:schemeClr val="lt1"/>
-      </a:fontRef>
-    </dgm:style>
-  </dgm:styleLbl>
-  <dgm:styleLbl name="lnNode1">
-    <dgm:scene3d>
-      <a:camera prst="orthographicFront"/>
-      <a:lightRig rig="threePt" dir="t"/>
-    </dgm:scene3d>
-    <dgm:sp3d/>
-    <dgm:txPr/>
-    <dgm:style>
-      <a:lnRef idx="2">
-        <a:scrgbClr r="0" g="0" b="0"/>
-      </a:lnRef>
-      <a:fillRef idx="1">
-        <a:scrgbClr r="0" g="0" b="0"/>
-      </a:fillRef>
-      <a:effectRef idx="0">
-        <a:scrgbClr r="0" g="0" b="0"/>
-      </a:effectRef>
-      <a:fontRef idx="minor">
-        <a:schemeClr val="lt1"/>
-      </a:fontRef>
-    </dgm:style>
-  </dgm:styleLbl>
-  <dgm:styleLbl name="vennNode1">
-    <dgm:scene3d>
-      <a:camera prst="orthographicFront"/>
-      <a:lightRig rig="threePt" dir="t"/>
-    </dgm:scene3d>
-    <dgm:sp3d/>
-    <dgm:txPr/>
-    <dgm:style>
-      <a:lnRef idx="2">
-        <a:scrgbClr r="0" g="0" b="0"/>
-      </a:lnRef>
-      <a:fillRef idx="1">
-        <a:scrgbClr r="0" g="0" b="0"/>
-      </a:fillRef>
-      <a:effectRef idx="0">
-        <a:scrgbClr r="0" g="0" b="0"/>
-      </a:effectRef>
-      <a:fontRef idx="minor">
-        <a:schemeClr val="tx1"/>
-      </a:fontRef>
-    </dgm:style>
-  </dgm:styleLbl>
-  <dgm:styleLbl name="alignNode1">
-    <dgm:scene3d>
-      <a:camera prst="orthographicFront"/>
-      <a:lightRig rig="threePt" dir="t"/>
-    </dgm:scene3d>
-    <dgm:sp3d/>
-    <dgm:txPr/>
-    <dgm:style>
-      <a:lnRef idx="2">
-        <a:scrgbClr r="0" g="0" b="0"/>
-      </a:lnRef>
-      <a:fillRef idx="1">
-        <a:scrgbClr r="0" g="0" b="0"/>
-      </a:fillRef>
-      <a:effectRef idx="0">
-        <a:scrgbClr r="0" g="0" b="0"/>
-      </a:effectRef>
-      <a:fontRef idx="minor">
-        <a:schemeClr val="lt1"/>
-      </a:fontRef>
-    </dgm:style>
-  </dgm:styleLbl>
-  <dgm:styleLbl name="node1">
-    <dgm:scene3d>
-      <a:camera prst="orthographicFront"/>
-      <a:lightRig rig="threePt" dir="t"/>
-    </dgm:scene3d>
-    <dgm:sp3d/>
-    <dgm:txPr/>
-    <dgm:style>
-      <a:lnRef idx="2">
-        <a:scrgbClr r="0" g="0" b="0"/>
-      </a:lnRef>
-      <a:fillRef idx="1">
-        <a:scrgbClr r="0" g="0" b="0"/>
-      </a:fillRef>
-      <a:effectRef idx="0">
-        <a:scrgbClr r="0" g="0" b="0"/>
-      </a:effectRef>
-      <a:fontRef idx="minor">
-        <a:schemeClr val="lt1"/>
-      </a:fontRef>
-    </dgm:style>
-  </dgm:styleLbl>
-  <dgm:styleLbl name="node2">
-    <dgm:scene3d>
-      <a:camera prst="orthographicFront"/>
-      <a:lightRig rig="threePt" dir="t"/>
-    </dgm:scene3d>
-    <dgm:sp3d/>
-    <dgm:txPr/>
-    <dgm:style>
-      <a:lnRef idx="2">
-        <a:scrgbClr r="0" g="0" b="0"/>
-      </a:lnRef>
-      <a:fillRef idx="1">
-        <a:scrgbClr r="0" g="0" b="0"/>
-      </a:fillRef>
-      <a:effectRef idx="0">
-        <a:scrgbClr r="0" g="0" b="0"/>
-      </a:effectRef>
-      <a:fontRef idx="minor">
-        <a:schemeClr val="lt1"/>
-      </a:fontRef>
-    </dgm:style>
-  </dgm:styleLbl>
-  <dgm:styleLbl name="node3">
-    <dgm:scene3d>
-      <a:camera prst="orthographicFront"/>
-      <a:lightRig rig="threePt" dir="t"/>
-    </dgm:scene3d>
-    <dgm:sp3d/>
-    <dgm:txPr/>
-    <dgm:style>
-      <a:lnRef idx="2">
-        <a:scrgbClr r="0" g="0" b="0"/>
-      </a:lnRef>
-      <a:fillRef idx="1">
-        <a:scrgbClr r="0" g="0" b="0"/>
-      </a:fillRef>
-      <a:effectRef idx="0">
-        <a:scrgbClr r="0" g="0" b="0"/>
-      </a:effectRef>
-      <a:fontRef idx="minor">
-        <a:schemeClr val="lt1"/>
-      </a:fontRef>
-    </dgm:style>
-  </dgm:styleLbl>
-  <dgm:styleLbl name="node4">
-    <dgm:scene3d>
-      <a:camera prst="orthographicFront"/>
-      <a:lightRig rig="threePt" dir="t"/>
-    </dgm:scene3d>
-    <dgm:sp3d/>
-    <dgm:txPr/>
-    <dgm:style>
-      <a:lnRef idx="2">
-        <a:scrgbClr r="0" g="0" b="0"/>
-      </a:lnRef>
-      <a:fillRef idx="1">
-        <a:scrgbClr r="0" g="0" b="0"/>
-      </a:fillRef>
-      <a:effectRef idx="0">
-        <a:scrgbClr r="0" g="0" b="0"/>
-      </a:effectRef>
-      <a:fontRef idx="minor">
-        <a:schemeClr val="lt1"/>
-      </a:fontRef>
-    </dgm:style>
-  </dgm:styleLbl>
-  <dgm:styleLbl name="fgImgPlace1">
-    <dgm:scene3d>
-      <a:camera prst="orthographicFront"/>
-      <a:lightRig rig="threePt" dir="t"/>
-    </dgm:scene3d>
-    <dgm:sp3d/>
-    <dgm:txPr/>
-    <dgm:style>
-      <a:lnRef idx="2">
-        <a:scrgbClr r="0" g="0" b="0"/>
-      </a:lnRef>
-      <a:fillRef idx="1">
-        <a:scrgbClr r="0" g="0" b="0"/>
-      </a:fillRef>
-      <a:effectRef idx="0">
-        <a:scrgbClr r="0" g="0" b="0"/>
-      </a:effectRef>
-      <a:fontRef idx="minor"/>
-    </dgm:style>
-  </dgm:styleLbl>
-  <dgm:styleLbl name="alignImgPlace1">
-    <dgm:scene3d>
-      <a:camera prst="orthographicFront"/>
-      <a:lightRig rig="threePt" dir="t"/>
-    </dgm:scene3d>
-    <dgm:sp3d/>
-    <dgm:txPr/>
-    <dgm:style>
-      <a:lnRef idx="2">
-        <a:scrgbClr r="0" g="0" b="0"/>
-      </a:lnRef>
-      <a:fillRef idx="1">
-        <a:scrgbClr r="0" g="0" b="0"/>
-      </a:fillRef>
-      <a:effectRef idx="0">
-        <a:scrgbClr r="0" g="0" b="0"/>
-      </a:effectRef>
-      <a:fontRef idx="minor"/>
-    </dgm:style>
-  </dgm:styleLbl>
-  <dgm:styleLbl name="bgImgPlace1">
-    <dgm:scene3d>
-      <a:camera prst="orthographicFront"/>
-      <a:lightRig rig="threePt" dir="t"/>
-    </dgm:scene3d>
-    <dgm:sp3d/>
-    <dgm:txPr/>
-    <dgm:style>
-      <a:lnRef idx="2">
-        <a:scrgbClr r="0" g="0" b="0"/>
-      </a:lnRef>
-      <a:fillRef idx="1">
-        <a:scrgbClr r="0" g="0" b="0"/>
-      </a:fillRef>
-      <a:effectRef idx="0">
-        <a:scrgbClr r="0" g="0" b="0"/>
-      </a:effectRef>
-      <a:fontRef idx="minor"/>
-    </dgm:style>
-  </dgm:styleLbl>
-  <dgm:styleLbl name="sibTrans2D1">
-    <dgm:scene3d>
-      <a:camera prst="orthographicFront"/>
-      <a:lightRig rig="threePt" dir="t"/>
-    </dgm:scene3d>
-    <dgm:sp3d/>
-    <dgm:txPr/>
-    <dgm:style>
-      <a:lnRef idx="0">
-        <a:scrgbClr r="0" g="0" b="0"/>
-      </a:lnRef>
-      <a:fillRef idx="1">
-        <a:scrgbClr r="0" g="0" b="0"/>
-      </a:fillRef>
-      <a:effectRef idx="0">
-        <a:scrgbClr r="0" g="0" b="0"/>
-      </a:effectRef>
-      <a:fontRef idx="minor">
-        <a:schemeClr val="lt1"/>
-      </a:fontRef>
-    </dgm:style>
-  </dgm:styleLbl>
-  <dgm:styleLbl name="fgSibTrans2D1">
-    <dgm:scene3d>
-      <a:camera prst="orthographicFront"/>
-      <a:lightRig rig="threePt" dir="t"/>
-    </dgm:scene3d>
-    <dgm:sp3d/>
-    <dgm:txPr/>
-    <dgm:style>
-      <a:lnRef idx="0">
-        <a:scrgbClr r="0" g="0" b="0"/>
-      </a:lnRef>
-      <a:fillRef idx="1">
-        <a:scrgbClr r="0" g="0" b="0"/>
-      </a:fillRef>
-      <a:effectRef idx="0">
-        <a:scrgbClr r="0" g="0" b="0"/>
-      </a:effectRef>
-      <a:fontRef idx="minor">
-        <a:schemeClr val="lt1"/>
-      </a:fontRef>
-    </dgm:style>
-  </dgm:styleLbl>
-  <dgm:styleLbl name="bgSibTrans2D1">
-    <dgm:scene3d>
-      <a:camera prst="orthographicFront"/>
-      <a:lightRig rig="threePt" dir="t"/>
-    </dgm:scene3d>
-    <dgm:sp3d/>
-    <dgm:txPr/>
-    <dgm:style>
-      <a:lnRef idx="0">
-        <a:scrgbClr r="0" g="0" b="0"/>
-      </a:lnRef>
-      <a:fillRef idx="1">
-        <a:scrgbClr r="0" g="0" b="0"/>
-      </a:fillRef>
-      <a:effectRef idx="0">
-        <a:scrgbClr r="0" g="0" b="0"/>
-      </a:effectRef>
-      <a:fontRef idx="minor">
-        <a:schemeClr val="lt1"/>
-      </a:fontRef>
-    </dgm:style>
-  </dgm:styleLbl>
-  <dgm:styleLbl name="sibTrans1D1">
-    <dgm:scene3d>
-      <a:camera prst="orthographicFront"/>
-      <a:lightRig rig="threePt" dir="t"/>
-    </dgm:scene3d>
-    <dgm:sp3d/>
-    <dgm:txPr/>
-    <dgm:style>
-      <a:lnRef idx="1">
-        <a:scrgbClr r="0" g="0" b="0"/>
-      </a:lnRef>
-      <a:fillRef idx="0">
-        <a:scrgbClr r="0" g="0" b="0"/>
-      </a:fillRef>
-      <a:effectRef idx="0">
-        <a:scrgbClr r="0" g="0" b="0"/>
-      </a:effectRef>
-      <a:fontRef idx="minor"/>
-    </dgm:style>
-  </dgm:styleLbl>
-  <dgm:styleLbl name="callout">
-    <dgm:scene3d>
-      <a:camera prst="orthographicFront"/>
-      <a:lightRig rig="threePt" dir="t"/>
-    </dgm:scene3d>
-    <dgm:sp3d/>
-    <dgm:txPr/>
-    <dgm:style>
-      <a:lnRef idx="2">
-        <a:scrgbClr r="0" g="0" b="0"/>
-      </a:lnRef>
-      <a:fillRef idx="1">
-        <a:scrgbClr r="0" g="0" b="0"/>
-      </a:fillRef>
-      <a:effectRef idx="0">
-        <a:scrgbClr r="0" g="0" b="0"/>
-      </a:effectRef>
-      <a:fontRef idx="minor"/>
-    </dgm:style>
-  </dgm:styleLbl>
-  <dgm:styleLbl name="asst0">
-    <dgm:scene3d>
-      <a:camera prst="orthographicFront"/>
-      <a:lightRig rig="threePt" dir="t"/>
-    </dgm:scene3d>
-    <dgm:sp3d/>
-    <dgm:txPr/>
-    <dgm:style>
-      <a:lnRef idx="2">
-        <a:scrgbClr r="0" g="0" b="0"/>
-      </a:lnRef>
-      <a:fillRef idx="1">
-        <a:scrgbClr r="0" g="0" b="0"/>
-      </a:fillRef>
-      <a:effectRef idx="0">
-        <a:scrgbClr r="0" g="0" b="0"/>
-      </a:effectRef>
-      <a:fontRef idx="minor">
-        <a:schemeClr val="lt1"/>
-      </a:fontRef>
-    </dgm:style>
-  </dgm:styleLbl>
-  <dgm:styleLbl name="asst1">
-    <dgm:scene3d>
-      <a:camera prst="orthographicFront"/>
-      <a:lightRig rig="threePt" dir="t"/>
-    </dgm:scene3d>
-    <dgm:sp3d/>
-    <dgm:txPr/>
-    <dgm:style>
-      <a:lnRef idx="2">
-        <a:scrgbClr r="0" g="0" b="0"/>
-      </a:lnRef>
-      <a:fillRef idx="1">
-        <a:scrgbClr r="0" g="0" b="0"/>
-      </a:fillRef>
-      <a:effectRef idx="0">
-        <a:scrgbClr r="0" g="0" b="0"/>
-      </a:effectRef>
-      <a:fontRef idx="minor">
-        <a:schemeClr val="lt1"/>
-      </a:fontRef>
-    </dgm:style>
-  </dgm:styleLbl>
-  <dgm:styleLbl name="asst2">
-    <dgm:scene3d>
-      <a:camera prst="orthographicFront"/>
-      <a:lightRig rig="threePt" dir="t"/>
-    </dgm:scene3d>
-    <dgm:sp3d/>
-    <dgm:txPr/>
-    <dgm:style>
-      <a:lnRef idx="2">
-        <a:scrgbClr r="0" g="0" b="0"/>
-      </a:lnRef>
-      <a:fillRef idx="1">
-        <a:scrgbClr r="0" g="0" b="0"/>
-      </a:fillRef>
-      <a:effectRef idx="0">
-        <a:scrgbClr r="0" g="0" b="0"/>
-      </a:effectRef>
-      <a:fontRef idx="minor">
-        <a:schemeClr val="lt1"/>
-      </a:fontRef>
-    </dgm:style>
-  </dgm:styleLbl>
-  <dgm:styleLbl name="asst3">
-    <dgm:scene3d>
-      <a:camera prst="orthographicFront"/>
-      <a:lightRig rig="threePt" dir="t"/>
-    </dgm:scene3d>
-    <dgm:sp3d/>
-    <dgm:txPr/>
-    <dgm:style>
-      <a:lnRef idx="2">
-        <a:scrgbClr r="0" g="0" b="0"/>
-      </a:lnRef>
-      <a:fillRef idx="1">
-        <a:scrgbClr r="0" g="0" b="0"/>
-      </a:fillRef>
-      <a:effectRef idx="0">
-        <a:scrgbClr r="0" g="0" b="0"/>
-      </a:effectRef>
-      <a:fontRef idx="minor">
-        <a:schemeClr val="lt1"/>
-      </a:fontRef>
-    </dgm:style>
-  </dgm:styleLbl>
-  <dgm:styleLbl name="asst4">
-    <dgm:scene3d>
-      <a:camera prst="orthographicFront"/>
-      <a:lightRig rig="threePt" dir="t"/>
-    </dgm:scene3d>
-    <dgm:sp3d/>
-    <dgm:txPr/>
-    <dgm:style>
-      <a:lnRef idx="2">
-        <a:scrgbClr r="0" g="0" b="0"/>
-      </a:lnRef>
-      <a:fillRef idx="1">
-        <a:scrgbClr r="0" g="0" b="0"/>
-      </a:fillRef>
-      <a:effectRef idx="0">
-        <a:scrgbClr r="0" g="0" b="0"/>
-      </a:effectRef>
-      <a:fontRef idx="minor">
-        <a:schemeClr val="lt1"/>
-      </a:fontRef>
-    </dgm:style>
-  </dgm:styleLbl>
-  <dgm:styleLbl name="parChTrans2D1">
-    <dgm:scene3d>
-      <a:camera prst="orthographicFront"/>
-      <a:lightRig rig="threePt" dir="t"/>
-    </dgm:scene3d>
-    <dgm:sp3d/>
-    <dgm:txPr/>
-    <dgm:style>
-      <a:lnRef idx="2">
-        <a:scrgbClr r="0" g="0" b="0"/>
-      </a:lnRef>
-      <a:fillRef idx="1">
-        <a:scrgbClr r="0" g="0" b="0"/>
-      </a:fillRef>
-      <a:effectRef idx="0">
-        <a:scrgbClr r="0" g="0" b="0"/>
-      </a:effectRef>
-      <a:fontRef idx="minor">
-        <a:schemeClr val="lt1"/>
-      </a:fontRef>
-    </dgm:style>
-  </dgm:styleLbl>
-  <dgm:styleLbl name="parChTrans2D2">
-    <dgm:scene3d>
-      <a:camera prst="orthographicFront"/>
-      <a:lightRig rig="threePt" dir="t"/>
-    </dgm:scene3d>
-    <dgm:sp3d/>
-    <dgm:txPr/>
-    <dgm:style>
-      <a:lnRef idx="2">
-        <a:scrgbClr r="0" g="0" b="0"/>
-      </a:lnRef>
-      <a:fillRef idx="1">
-        <a:scrgbClr r="0" g="0" b="0"/>
-      </a:fillRef>
-      <a:effectRef idx="0">
-        <a:scrgbClr r="0" g="0" b="0"/>
-      </a:effectRef>
-      <a:fontRef idx="minor">
-        <a:schemeClr val="lt1"/>
-      </a:fontRef>
-    </dgm:style>
-  </dgm:styleLbl>
-  <dgm:styleLbl name="parChTrans2D3">
-    <dgm:scene3d>
-      <a:camera prst="orthographicFront"/>
-      <a:lightRig rig="threePt" dir="t"/>
-    </dgm:scene3d>
-    <dgm:sp3d/>
-    <dgm:txPr/>
-    <dgm:style>
-      <a:lnRef idx="2">
-        <a:scrgbClr r="0" g="0" b="0"/>
-      </a:lnRef>
-      <a:fillRef idx="1">
-        <a:scrgbClr r="0" g="0" b="0"/>
-      </a:fillRef>
-      <a:effectRef idx="0">
-        <a:scrgbClr r="0" g="0" b="0"/>
-      </a:effectRef>
-      <a:fontRef idx="minor">
-        <a:schemeClr val="lt1"/>
-      </a:fontRef>
-    </dgm:style>
-  </dgm:styleLbl>
-  <dgm:styleLbl name="parChTrans2D4">
-    <dgm:scene3d>
-      <a:camera prst="orthographicFront"/>
-      <a:lightRig rig="threePt" dir="t"/>
-    </dgm:scene3d>
-    <dgm:sp3d/>
-    <dgm:txPr/>
-    <dgm:style>
-      <a:lnRef idx="2">
-        <a:scrgbClr r="0" g="0" b="0"/>
-      </a:lnRef>
-      <a:fillRef idx="1">
-        <a:scrgbClr r="0" g="0" b="0"/>
-      </a:fillRef>
-      <a:effectRef idx="0">
-        <a:scrgbClr r="0" g="0" b="0"/>
-      </a:effectRef>
-      <a:fontRef idx="minor">
-        <a:schemeClr val="lt1"/>
-      </a:fontRef>
-    </dgm:style>
-  </dgm:styleLbl>
-  <dgm:styleLbl name="parChTrans1D1">
-    <dgm:scene3d>
-      <a:camera prst="orthographicFront"/>
-      <a:lightRig rig="threePt" dir="t"/>
-    </dgm:scene3d>
-    <dgm:sp3d/>
-    <dgm:txPr/>
-    <dgm:style>
-      <a:lnRef idx="2">
-        <a:scrgbClr r="0" g="0" b="0"/>
-      </a:lnRef>
-      <a:fillRef idx="0">
-        <a:scrgbClr r="0" g="0" b="0"/>
-      </a:fillRef>
-      <a:effectRef idx="0">
-        <a:scrgbClr r="0" g="0" b="0"/>
-      </a:effectRef>
-      <a:fontRef idx="minor"/>
-    </dgm:style>
-  </dgm:styleLbl>
-  <dgm:styleLbl name="parChTrans1D2">
-    <dgm:scene3d>
-      <a:camera prst="orthographicFront"/>
-      <a:lightRig rig="threePt" dir="t"/>
-    </dgm:scene3d>
-    <dgm:sp3d/>
-    <dgm:txPr/>
-    <dgm:style>
-      <a:lnRef idx="2">
-        <a:scrgbClr r="0" g="0" b="0"/>
-      </a:lnRef>
-      <a:fillRef idx="0">
-        <a:scrgbClr r="0" g="0" b="0"/>
-      </a:fillRef>
-      <a:effectRef idx="0">
-        <a:scrgbClr r="0" g="0" b="0"/>
-      </a:effectRef>
-      <a:fontRef idx="minor"/>
-    </dgm:style>
-  </dgm:styleLbl>
-  <dgm:styleLbl name="parChTrans1D3">
-    <dgm:scene3d>
-      <a:camera prst="orthographicFront"/>
-      <a:lightRig rig="threePt" dir="t"/>
-    </dgm:scene3d>
-    <dgm:sp3d/>
-    <dgm:txPr/>
-    <dgm:style>
-      <a:lnRef idx="2">
-        <a:scrgbClr r="0" g="0" b="0"/>
-      </a:lnRef>
-      <a:fillRef idx="0">
-        <a:scrgbClr r="0" g="0" b="0"/>
-      </a:fillRef>
-      <a:effectRef idx="0">
-        <a:scrgbClr r="0" g="0" b="0"/>
-      </a:effectRef>
-      <a:fontRef idx="minor"/>
-    </dgm:style>
-  </dgm:styleLbl>
-  <dgm:styleLbl name="parChTrans1D4">
-    <dgm:scene3d>
-      <a:camera prst="orthographicFront"/>
-      <a:lightRig rig="threePt" dir="t"/>
-    </dgm:scene3d>
-    <dgm:sp3d/>
-    <dgm:txPr/>
-    <dgm:style>
-      <a:lnRef idx="2">
-        <a:scrgbClr r="0" g="0" b="0"/>
-      </a:lnRef>
-      <a:fillRef idx="0">
-        <a:scrgbClr r="0" g="0" b="0"/>
-      </a:fillRef>
-      <a:effectRef idx="0">
-        <a:scrgbClr r="0" g="0" b="0"/>
-      </a:effectRef>
-      <a:fontRef idx="minor"/>
-    </dgm:style>
-  </dgm:styleLbl>
-  <dgm:styleLbl name="fgAcc1">
-    <dgm:scene3d>
-      <a:camera prst="orthographicFront"/>
-      <a:lightRig rig="threePt" dir="t"/>
-    </dgm:scene3d>
-    <dgm:sp3d/>
-    <dgm:txPr/>
-    <dgm:style>
-      <a:lnRef idx="2">
-        <a:scrgbClr r="0" g="0" b="0"/>
-      </a:lnRef>
-      <a:fillRef idx="1">
-        <a:scrgbClr r="0" g="0" b="0"/>
-      </a:fillRef>
-      <a:effectRef idx="0">
-        <a:scrgbClr r="0" g="0" b="0"/>
-      </a:effectRef>
-      <a:fontRef idx="minor"/>
-    </dgm:style>
-  </dgm:styleLbl>
-  <dgm:styleLbl name="conFgAcc1">
-    <dgm:scene3d>
-      <a:camera prst="orthographicFront"/>
-      <a:lightRig rig="threePt" dir="t"/>
-    </dgm:scene3d>
-    <dgm:sp3d/>
-    <dgm:txPr/>
-    <dgm:style>
-      <a:lnRef idx="2">
-        <a:scrgbClr r="0" g="0" b="0"/>
-      </a:lnRef>
-      <a:fillRef idx="1">
-        <a:scrgbClr r="0" g="0" b="0"/>
-      </a:fillRef>
-      <a:effectRef idx="0">
-        <a:scrgbClr r="0" g="0" b="0"/>
-      </a:effectRef>
-      <a:fontRef idx="minor"/>
-    </dgm:style>
-  </dgm:styleLbl>
-  <dgm:styleLbl name="alignAcc1">
-    <dgm:scene3d>
-      <a:camera prst="orthographicFront"/>
-      <a:lightRig rig="threePt" dir="t"/>
-    </dgm:scene3d>
-    <dgm:sp3d/>
-    <dgm:txPr/>
-    <dgm:style>
-      <a:lnRef idx="2">
-        <a:scrgbClr r="0" g="0" b="0"/>
-      </a:lnRef>
-      <a:fillRef idx="1">
-        <a:scrgbClr r="0" g="0" b="0"/>
-      </a:fillRef>
-      <a:effectRef idx="0">
-        <a:scrgbClr r="0" g="0" b="0"/>
-      </a:effectRef>
-      <a:fontRef idx="minor"/>
-    </dgm:style>
-  </dgm:styleLbl>
-  <dgm:styleLbl name="trAlignAcc1">
-    <dgm:scene3d>
-      <a:camera prst="orthographicFront"/>
-      <a:lightRig rig="threePt" dir="t"/>
-    </dgm:scene3d>
-    <dgm:sp3d/>
-    <dgm:txPr/>
-    <dgm:style>
-      <a:lnRef idx="1">
-        <a:scrgbClr r="0" g="0" b="0"/>
-      </a:lnRef>
-      <a:fillRef idx="1">
-        <a:scrgbClr r="0" g="0" b="0"/>
-      </a:fillRef>
-      <a:effectRef idx="0">
-        <a:scrgbClr r="0" g="0" b="0"/>
-      </a:effectRef>
-      <a:fontRef idx="minor"/>
-    </dgm:style>
-  </dgm:styleLbl>
-  <dgm:styleLbl name="bgAcc1">
-    <dgm:scene3d>
-      <a:camera prst="orthographicFront"/>
-      <a:lightRig rig="threePt" dir="t"/>
-    </dgm:scene3d>
-    <dgm:sp3d/>
-    <dgm:txPr/>
-    <dgm:style>
-      <a:lnRef idx="2">
-        <a:scrgbClr r="0" g="0" b="0"/>
-      </a:lnRef>
-      <a:fillRef idx="1">
-        <a:scrgbClr r="0" g="0" b="0"/>
-      </a:fillRef>
-      <a:effectRef idx="0">
-        <a:scrgbClr r="0" g="0" b="0"/>
-      </a:effectRef>
-      <a:fontRef idx="minor"/>
-    </dgm:style>
-  </dgm:styleLbl>
-  <dgm:styleLbl name="solidFgAcc1">
-    <dgm:scene3d>
-      <a:camera prst="orthographicFront"/>
-      <a:lightRig rig="threePt" dir="t"/>
-    </dgm:scene3d>
-    <dgm:sp3d/>
-    <dgm:txPr/>
-    <dgm:style>
-      <a:lnRef idx="2">
-        <a:scrgbClr r="0" g="0" b="0"/>
-      </a:lnRef>
-      <a:fillRef idx="1">
-        <a:scrgbClr r="0" g="0" b="0"/>
-      </a:fillRef>
-      <a:effectRef idx="0">
-        <a:scrgbClr r="0" g="0" b="0"/>
-      </a:effectRef>
-      <a:fontRef idx="minor"/>
-    </dgm:style>
-  </dgm:styleLbl>
-  <dgm:styleLbl name="solidAlignAcc1">
-    <dgm:scene3d>
-      <a:camera prst="orthographicFront"/>
-      <a:lightRig rig="threePt" dir="t"/>
-    </dgm:scene3d>
-    <dgm:sp3d/>
-    <dgm:txPr/>
-    <dgm:style>
-      <a:lnRef idx="2">
-        <a:scrgbClr r="0" g="0" b="0"/>
-      </a:lnRef>
-      <a:fillRef idx="1">
-        <a:scrgbClr r="0" g="0" b="0"/>
-      </a:fillRef>
-      <a:effectRef idx="0">
-        <a:scrgbClr r="0" g="0" b="0"/>
-      </a:effectRef>
-      <a:fontRef idx="minor"/>
-    </dgm:style>
-  </dgm:styleLbl>
-  <dgm:styleLbl name="solidBgAcc1">
-    <dgm:scene3d>
-      <a:camera prst="orthographicFront"/>
-      <a:lightRig rig="threePt" dir="t"/>
-    </dgm:scene3d>
-    <dgm:sp3d/>
-    <dgm:txPr/>
-    <dgm:style>
-      <a:lnRef idx="2">
-        <a:scrgbClr r="0" g="0" b="0"/>
-      </a:lnRef>
-      <a:fillRef idx="1">
-        <a:scrgbClr r="0" g="0" b="0"/>
-      </a:fillRef>
-      <a:effectRef idx="0">
-        <a:scrgbClr r="0" g="0" b="0"/>
-      </a:effectRef>
-      <a:fontRef idx="minor"/>
-    </dgm:style>
-  </dgm:styleLbl>
-  <dgm:styleLbl name="fgAccFollowNode1">
-    <dgm:scene3d>
-      <a:camera prst="orthographicFront"/>
-      <a:lightRig rig="threePt" dir="t"/>
-    </dgm:scene3d>
-    <dgm:sp3d/>
-    <dgm:txPr/>
-    <dgm:style>
-      <a:lnRef idx="2">
-        <a:scrgbClr r="0" g="0" b="0"/>
-      </a:lnRef>
-      <a:fillRef idx="1">
-        <a:scrgbClr r="0" g="0" b="0"/>
-      </a:fillRef>
-      <a:effectRef idx="0">
-        <a:scrgbClr r="0" g="0" b="0"/>
-      </a:effectRef>
-      <a:fontRef idx="minor"/>
-    </dgm:style>
-  </dgm:styleLbl>
-  <dgm:styleLbl name="alignAccFollowNode1">
-    <dgm:scene3d>
-      <a:camera prst="orthographicFront"/>
-      <a:lightRig rig="threePt" dir="t"/>
-    </dgm:scene3d>
-    <dgm:sp3d/>
-    <dgm:txPr/>
-    <dgm:style>
-      <a:lnRef idx="2">
-        <a:scrgbClr r="0" g="0" b="0"/>
-      </a:lnRef>
-      <a:fillRef idx="1">
-        <a:scrgbClr r="0" g="0" b="0"/>
-      </a:fillRef>
-      <a:effectRef idx="0">
-        <a:scrgbClr r="0" g="0" b="0"/>
-      </a:effectRef>
-      <a:fontRef idx="minor"/>
-    </dgm:style>
-  </dgm:styleLbl>
-  <dgm:styleLbl name="bgAccFollowNode1">
-    <dgm:scene3d>
-      <a:camera prst="orthographicFront"/>
-      <a:lightRig rig="threePt" dir="t"/>
-    </dgm:scene3d>
-    <dgm:sp3d/>
-    <dgm:txPr/>
-    <dgm:style>
-      <a:lnRef idx="2">
-        <a:scrgbClr r="0" g="0" b="0"/>
-      </a:lnRef>
-      <a:fillRef idx="1">
-        <a:scrgbClr r="0" g="0" b="0"/>
-      </a:fillRef>
-      <a:effectRef idx="0">
-        <a:scrgbClr r="0" g="0" b="0"/>
-      </a:effectRef>
-      <a:fontRef idx="minor"/>
-    </dgm:style>
-  </dgm:styleLbl>
-  <dgm:styleLbl name="fgAcc0">
-    <dgm:scene3d>
-      <a:camera prst="orthographicFront"/>
-      <a:lightRig rig="threePt" dir="t"/>
-    </dgm:scene3d>
-    <dgm:sp3d/>
-    <dgm:txPr/>
-    <dgm:style>
-      <a:lnRef idx="2">
-        <a:scrgbClr r="0" g="0" b="0"/>
-      </a:lnRef>
-      <a:fillRef idx="1">
-        <a:scrgbClr r="0" g="0" b="0"/>
-      </a:fillRef>
-      <a:effectRef idx="0">
-        <a:scrgbClr r="0" g="0" b="0"/>
-      </a:effectRef>
-      <a:fontRef idx="minor"/>
-    </dgm:style>
-  </dgm:styleLbl>
-  <dgm:styleLbl name="fgAcc2">
-    <dgm:scene3d>
-      <a:camera prst="orthographicFront"/>
-      <a:lightRig rig="threePt" dir="t"/>
-    </dgm:scene3d>
-    <dgm:sp3d/>
-    <dgm:txPr/>
-    <dgm:style>
-      <a:lnRef idx="2">
-        <a:scrgbClr r="0" g="0" b="0"/>
-      </a:lnRef>
-      <a:fillRef idx="1">
-        <a:scrgbClr r="0" g="0" b="0"/>
-      </a:fillRef>
-      <a:effectRef idx="0">
-        <a:scrgbClr r="0" g="0" b="0"/>
-      </a:effectRef>
-      <a:fontRef idx="minor"/>
-    </dgm:style>
-  </dgm:styleLbl>
-  <dgm:styleLbl name="fgAcc3">
-    <dgm:scene3d>
-      <a:camera prst="orthographicFront"/>
-      <a:lightRig rig="threePt" dir="t"/>
-    </dgm:scene3d>
-    <dgm:sp3d/>
-    <dgm:txPr/>
-    <dgm:style>
-      <a:lnRef idx="2">
-        <a:scrgbClr r="0" g="0" b="0"/>
-      </a:lnRef>
-      <a:fillRef idx="1">
-        <a:scrgbClr r="0" g="0" b="0"/>
-      </a:fillRef>
-      <a:effectRef idx="0">
-        <a:scrgbClr r="0" g="0" b="0"/>
-      </a:effectRef>
-      <a:fontRef idx="minor"/>
-    </dgm:style>
-  </dgm:styleLbl>
-  <dgm:styleLbl name="fgAcc4">
-    <dgm:scene3d>
-      <a:camera prst="orthographicFront"/>
-      <a:lightRig rig="threePt" dir="t"/>
-    </dgm:scene3d>
-    <dgm:sp3d/>
-    <dgm:txPr/>
-    <dgm:style>
-      <a:lnRef idx="2">
-        <a:scrgbClr r="0" g="0" b="0"/>
-      </a:lnRef>
-      <a:fillRef idx="1">
-        <a:scrgbClr r="0" g="0" b="0"/>
-      </a:fillRef>
-      <a:effectRef idx="0">
-        <a:scrgbClr r="0" g="0" b="0"/>
-      </a:effectRef>
-      <a:fontRef idx="minor"/>
-    </dgm:style>
-  </dgm:styleLbl>
-  <dgm:styleLbl name="bgShp">
-    <dgm:scene3d>
-      <a:camera prst="orthographicFront"/>
-      <a:lightRig rig="threePt" dir="t"/>
-    </dgm:scene3d>
-    <dgm:sp3d/>
-    <dgm:txPr/>
-    <dgm:style>
-      <a:lnRef idx="0">
-        <a:scrgbClr r="0" g="0" b="0"/>
-      </a:lnRef>
-      <a:fillRef idx="1">
-        <a:scrgbClr r="0" g="0" b="0"/>
-      </a:fillRef>
-      <a:effectRef idx="0">
-        <a:scrgbClr r="0" g="0" b="0"/>
-      </a:effectRef>
-      <a:fontRef idx="minor"/>
-    </dgm:style>
-  </dgm:styleLbl>
-  <dgm:styleLbl name="dkBgShp">
-    <dgm:scene3d>
-      <a:camera prst="orthographicFront"/>
-      <a:lightRig rig="threePt" dir="t"/>
-    </dgm:scene3d>
-    <dgm:sp3d/>
-    <dgm:txPr/>
-    <dgm:style>
-      <a:lnRef idx="0">
-        <a:scrgbClr r="0" g="0" b="0"/>
-      </a:lnRef>
-      <a:fillRef idx="1">
-        <a:scrgbClr r="0" g="0" b="0"/>
-      </a:fillRef>
-      <a:effectRef idx="0">
-        <a:scrgbClr r="0" g="0" b="0"/>
-      </a:effectRef>
-      <a:fontRef idx="minor"/>
-    </dgm:style>
-  </dgm:styleLbl>
-  <dgm:styleLbl name="trBgShp">
-    <dgm:scene3d>
-      <a:camera prst="orthographicFront"/>
-      <a:lightRig rig="threePt" dir="t"/>
-    </dgm:scene3d>
-    <dgm:sp3d/>
-    <dgm:txPr/>
-    <dgm:style>
-      <a:lnRef idx="0">
-        <a:scrgbClr r="0" g="0" b="0"/>
-      </a:lnRef>
-      <a:fillRef idx="1">
-        <a:scrgbClr r="0" g="0" b="0"/>
-      </a:fillRef>
-      <a:effectRef idx="0">
-        <a:scrgbClr r="0" g="0" b="0"/>
-      </a:effectRef>
-      <a:fontRef idx="minor"/>
-    </dgm:style>
-  </dgm:styleLbl>
-  <dgm:styleLbl name="fgShp">
-    <dgm:scene3d>
-      <a:camera prst="orthographicFront"/>
-      <a:lightRig rig="threePt" dir="t"/>
-    </dgm:scene3d>
-    <dgm:sp3d/>
-    <dgm:txPr/>
-    <dgm:style>
-      <a:lnRef idx="2">
-        <a:scrgbClr r="0" g="0" b="0"/>
-      </a:lnRef>
-      <a:fillRef idx="1">
-        <a:scrgbClr r="0" g="0" b="0"/>
-      </a:fillRef>
-      <a:effectRef idx="0">
-        <a:scrgbClr r="0" g="0" b="0"/>
-      </a:effectRef>
-      <a:fontRef idx="minor"/>
-    </dgm:style>
-  </dgm:styleLbl>
-  <dgm:styleLbl name="revTx">
-    <dgm:scene3d>
-      <a:camera prst="orthographicFront"/>
-      <a:lightRig rig="threePt" dir="t"/>
-    </dgm:scene3d>
-    <dgm:sp3d/>
-    <dgm:txPr/>
-    <dgm:style>
-      <a:lnRef idx="0">
-        <a:scrgbClr r="0" g="0" b="0"/>
-      </a:lnRef>
-      <a:fillRef idx="0">
-        <a:scrgbClr r="0" g="0" b="0"/>
-      </a:fillRef>
-      <a:effectRef idx="0">
-        <a:scrgbClr r="0" g="0" b="0"/>
-      </a:effectRef>
-      <a:fontRef idx="minor"/>
-    </dgm:style>
-  </dgm:styleLbl>
-</dgm:styleDef>
 </file>
 
 <file path=ppt/slideLayouts/slideLayout1.xml><?xml version="1.0" encoding="utf-8"?>
@@ -3302,7 +349,7 @@
           <a:p>
             <a:fld id="{71A01797-5FEA-40FD-8944-F9FE1689DBEE}" type="datetimeFigureOut">
               <a:rPr lang="en-US" smtClean="0"/>
-              <a:t>8/23/2021</a:t>
+              <a:t>8/25/2021</a:t>
             </a:fld>
             <a:endParaRPr lang="en-US"/>
           </a:p>
@@ -3510,7 +557,7 @@
           <a:p>
             <a:fld id="{71A01797-5FEA-40FD-8944-F9FE1689DBEE}" type="datetimeFigureOut">
               <a:rPr lang="en-US" smtClean="0"/>
-              <a:t>8/23/2021</a:t>
+              <a:t>8/25/2021</a:t>
             </a:fld>
             <a:endParaRPr lang="en-US"/>
           </a:p>
@@ -3768,7 +815,7 @@
           <a:p>
             <a:fld id="{71A01797-5FEA-40FD-8944-F9FE1689DBEE}" type="datetimeFigureOut">
               <a:rPr lang="en-US" smtClean="0"/>
-              <a:t>8/23/2021</a:t>
+              <a:t>8/25/2021</a:t>
             </a:fld>
             <a:endParaRPr lang="en-US"/>
           </a:p>
@@ -3938,7 +985,7 @@
           <a:p>
             <a:fld id="{71A01797-5FEA-40FD-8944-F9FE1689DBEE}" type="datetimeFigureOut">
               <a:rPr lang="en-US" smtClean="0"/>
-              <a:t>8/23/2021</a:t>
+              <a:t>8/25/2021</a:t>
             </a:fld>
             <a:endParaRPr lang="en-US"/>
           </a:p>
@@ -4275,7 +1322,7 @@
           <a:p>
             <a:fld id="{71A01797-5FEA-40FD-8944-F9FE1689DBEE}" type="datetimeFigureOut">
               <a:rPr lang="en-US" smtClean="0"/>
-              <a:t>8/23/2021</a:t>
+              <a:t>8/25/2021</a:t>
             </a:fld>
             <a:endParaRPr lang="en-US"/>
           </a:p>
@@ -4550,7 +1597,7 @@
           <a:p>
             <a:fld id="{71A01797-5FEA-40FD-8944-F9FE1689DBEE}" type="datetimeFigureOut">
               <a:rPr lang="en-US" smtClean="0"/>
-              <a:t>8/23/2021</a:t>
+              <a:t>8/25/2021</a:t>
             </a:fld>
             <a:endParaRPr lang="en-US"/>
           </a:p>
@@ -4929,7 +1976,7 @@
           <a:p>
             <a:fld id="{71A01797-5FEA-40FD-8944-F9FE1689DBEE}" type="datetimeFigureOut">
               <a:rPr lang="en-US" smtClean="0"/>
-              <a:t>8/23/2021</a:t>
+              <a:t>8/25/2021</a:t>
             </a:fld>
             <a:endParaRPr lang="en-US"/>
           </a:p>
@@ -5047,7 +2094,7 @@
           <a:p>
             <a:fld id="{71A01797-5FEA-40FD-8944-F9FE1689DBEE}" type="datetimeFigureOut">
               <a:rPr lang="en-US" smtClean="0"/>
-              <a:t>8/23/2021</a:t>
+              <a:t>8/25/2021</a:t>
             </a:fld>
             <a:endParaRPr lang="en-US"/>
           </a:p>
@@ -5220,7 +2267,7 @@
           <a:p>
             <a:fld id="{71A01797-5FEA-40FD-8944-F9FE1689DBEE}" type="datetimeFigureOut">
               <a:rPr lang="en-US" smtClean="0"/>
-              <a:t>8/23/2021</a:t>
+              <a:t>8/25/2021</a:t>
             </a:fld>
             <a:endParaRPr lang="en-US"/>
           </a:p>
@@ -5576,7 +2623,7 @@
           <a:p>
             <a:fld id="{71A01797-5FEA-40FD-8944-F9FE1689DBEE}" type="datetimeFigureOut">
               <a:rPr lang="en-US" smtClean="0"/>
-              <a:t>8/23/2021</a:t>
+              <a:t>8/25/2021</a:t>
             </a:fld>
             <a:endParaRPr lang="en-US"/>
           </a:p>
@@ -5955,7 +3002,7 @@
           <a:p>
             <a:fld id="{71A01797-5FEA-40FD-8944-F9FE1689DBEE}" type="datetimeFigureOut">
               <a:rPr lang="en-US" smtClean="0"/>
-              <a:t>8/23/2021</a:t>
+              <a:t>8/25/2021</a:t>
             </a:fld>
             <a:endParaRPr lang="en-US"/>
           </a:p>
@@ -6244,7 +3291,7 @@
           <a:p>
             <a:fld id="{71A01797-5FEA-40FD-8944-F9FE1689DBEE}" type="datetimeFigureOut">
               <a:rPr lang="en-US" smtClean="0"/>
-              <a:t>8/23/2021</a:t>
+              <a:t>8/25/2021</a:t>
             </a:fld>
             <a:endParaRPr lang="en-US"/>
           </a:p>
@@ -6877,579 +3924,6 @@
           <p:cNvPr id="2" name="Title 1">
             <a:extLst>
               <a:ext uri="{FF2B5EF4-FFF2-40B4-BE49-F238E27FC236}">
-                <a16:creationId xmlns:a16="http://schemas.microsoft.com/office/drawing/2014/main" id="{84979102-6228-4CAF-9D11-7049C10CA38B}"/>
-              </a:ext>
-            </a:extLst>
-          </p:cNvPr>
-          <p:cNvSpPr>
-            <a:spLocks noGrp="1"/>
-          </p:cNvSpPr>
-          <p:nvPr>
-            <p:ph type="title"/>
-          </p:nvPr>
-        </p:nvSpPr>
-        <p:spPr/>
-        <p:txBody>
-          <a:bodyPr/>
-          <a:lstStyle/>
-          <a:p>
-            <a:pPr algn="ctr"/>
-            <a:r>
-              <a:rPr lang="en-US" b="1" dirty="0"/>
-              <a:t>Results</a:t>
-            </a:r>
-          </a:p>
-        </p:txBody>
-      </p:sp>
-      <p:pic>
-        <p:nvPicPr>
-          <p:cNvPr id="5122" name="Picture 2">
-            <a:extLst>
-              <a:ext uri="{FF2B5EF4-FFF2-40B4-BE49-F238E27FC236}">
-                <a16:creationId xmlns:a16="http://schemas.microsoft.com/office/drawing/2014/main" id="{02F2A6B0-6820-4639-8F54-D464E0CF807B}"/>
-              </a:ext>
-            </a:extLst>
-          </p:cNvPr>
-          <p:cNvPicPr>
-            <a:picLocks noChangeAspect="1" noChangeArrowheads="1"/>
-          </p:cNvPicPr>
-          <p:nvPr/>
-        </p:nvPicPr>
-        <p:blipFill>
-          <a:blip r:embed="rId2">
-            <a:extLst>
-              <a:ext uri="{28A0092B-C50C-407E-A947-70E740481C1C}">
-                <a14:useLocalDpi xmlns:a14="http://schemas.microsoft.com/office/drawing/2010/main" val="0"/>
-              </a:ext>
-            </a:extLst>
-          </a:blip>
-          <a:srcRect/>
-          <a:stretch>
-            <a:fillRect/>
-          </a:stretch>
-        </p:blipFill>
-        <p:spPr bwMode="auto">
-          <a:xfrm>
-            <a:off x="1097280" y="2044243"/>
-            <a:ext cx="5554744" cy="3752123"/>
-          </a:xfrm>
-          <a:prstGeom prst="rect">
-            <a:avLst/>
-          </a:prstGeom>
-          <a:noFill/>
-          <a:extLst>
-            <a:ext uri="{909E8E84-426E-40DD-AFC4-6F175D3DCCD1}">
-              <a14:hiddenFill xmlns:a14="http://schemas.microsoft.com/office/drawing/2010/main">
-                <a:solidFill>
-                  <a:srgbClr val="FFFFFF"/>
-                </a:solidFill>
-              </a14:hiddenFill>
-            </a:ext>
-          </a:extLst>
-        </p:spPr>
-      </p:pic>
-    </p:spTree>
-    <p:extLst>
-      <p:ext uri="{BB962C8B-B14F-4D97-AF65-F5344CB8AC3E}">
-        <p14:creationId xmlns:p14="http://schemas.microsoft.com/office/powerpoint/2010/main" val="3134251936"/>
-      </p:ext>
-    </p:extLst>
-  </p:cSld>
-  <p:clrMapOvr>
-    <a:masterClrMapping/>
-  </p:clrMapOvr>
-</p:sld>
-</file>
-
-<file path=ppt/slides/slide11.xml><?xml version="1.0" encoding="utf-8"?>
-<p:sld xmlns:a="http://schemas.openxmlformats.org/drawingml/2006/main" xmlns:r="http://schemas.openxmlformats.org/officeDocument/2006/relationships" xmlns:p="http://schemas.openxmlformats.org/presentationml/2006/main">
-  <p:cSld>
-    <p:spTree>
-      <p:nvGrpSpPr>
-        <p:cNvPr id="1" name=""/>
-        <p:cNvGrpSpPr/>
-        <p:nvPr/>
-      </p:nvGrpSpPr>
-      <p:grpSpPr>
-        <a:xfrm>
-          <a:off x="0" y="0"/>
-          <a:ext cx="0" cy="0"/>
-          <a:chOff x="0" y="0"/>
-          <a:chExt cx="0" cy="0"/>
-        </a:xfrm>
-      </p:grpSpPr>
-      <p:sp>
-        <p:nvSpPr>
-          <p:cNvPr id="2" name="Title 1">
-            <a:extLst>
-              <a:ext uri="{FF2B5EF4-FFF2-40B4-BE49-F238E27FC236}">
-                <a16:creationId xmlns:a16="http://schemas.microsoft.com/office/drawing/2014/main" id="{84979102-6228-4CAF-9D11-7049C10CA38B}"/>
-              </a:ext>
-            </a:extLst>
-          </p:cNvPr>
-          <p:cNvSpPr>
-            <a:spLocks noGrp="1"/>
-          </p:cNvSpPr>
-          <p:nvPr>
-            <p:ph type="title"/>
-          </p:nvPr>
-        </p:nvSpPr>
-        <p:spPr>
-          <a:xfrm>
-            <a:off x="1097280" y="239469"/>
-            <a:ext cx="10058400" cy="1450757"/>
-          </a:xfrm>
-        </p:spPr>
-        <p:txBody>
-          <a:bodyPr/>
-          <a:lstStyle/>
-          <a:p>
-            <a:pPr algn="ctr"/>
-            <a:r>
-              <a:rPr lang="en-US" b="1" dirty="0"/>
-              <a:t>BV Studios</a:t>
-            </a:r>
-          </a:p>
-        </p:txBody>
-      </p:sp>
-      <p:pic>
-        <p:nvPicPr>
-          <p:cNvPr id="6146" name="Picture 2">
-            <a:extLst>
-              <a:ext uri="{FF2B5EF4-FFF2-40B4-BE49-F238E27FC236}">
-                <a16:creationId xmlns:a16="http://schemas.microsoft.com/office/drawing/2014/main" id="{DD2D260A-02D6-42D0-88B9-33F3870FDC81}"/>
-              </a:ext>
-            </a:extLst>
-          </p:cNvPr>
-          <p:cNvPicPr>
-            <a:picLocks noChangeAspect="1" noChangeArrowheads="1"/>
-          </p:cNvPicPr>
-          <p:nvPr/>
-        </p:nvPicPr>
-        <p:blipFill>
-          <a:blip r:embed="rId2">
-            <a:extLst>
-              <a:ext uri="{28A0092B-C50C-407E-A947-70E740481C1C}">
-                <a14:useLocalDpi xmlns:a14="http://schemas.microsoft.com/office/drawing/2010/main" val="0"/>
-              </a:ext>
-            </a:extLst>
-          </a:blip>
-          <a:srcRect/>
-          <a:stretch>
-            <a:fillRect/>
-          </a:stretch>
-        </p:blipFill>
-        <p:spPr bwMode="auto">
-          <a:xfrm>
-            <a:off x="1097280" y="2009008"/>
-            <a:ext cx="7320441" cy="3787358"/>
-          </a:xfrm>
-          <a:prstGeom prst="rect">
-            <a:avLst/>
-          </a:prstGeom>
-          <a:noFill/>
-          <a:extLst>
-            <a:ext uri="{909E8E84-426E-40DD-AFC4-6F175D3DCCD1}">
-              <a14:hiddenFill xmlns:a14="http://schemas.microsoft.com/office/drawing/2010/main">
-                <a:solidFill>
-                  <a:srgbClr val="FFFFFF"/>
-                </a:solidFill>
-              </a14:hiddenFill>
-            </a:ext>
-          </a:extLst>
-        </p:spPr>
-      </p:pic>
-    </p:spTree>
-    <p:extLst>
-      <p:ext uri="{BB962C8B-B14F-4D97-AF65-F5344CB8AC3E}">
-        <p14:creationId xmlns:p14="http://schemas.microsoft.com/office/powerpoint/2010/main" val="1828973303"/>
-      </p:ext>
-    </p:extLst>
-  </p:cSld>
-  <p:clrMapOvr>
-    <a:masterClrMapping/>
-  </p:clrMapOvr>
-</p:sld>
-</file>
-
-<file path=ppt/slides/slide12.xml><?xml version="1.0" encoding="utf-8"?>
-<p:sld xmlns:a="http://schemas.openxmlformats.org/drawingml/2006/main" xmlns:r="http://schemas.openxmlformats.org/officeDocument/2006/relationships" xmlns:p="http://schemas.openxmlformats.org/presentationml/2006/main">
-  <p:cSld>
-    <p:spTree>
-      <p:nvGrpSpPr>
-        <p:cNvPr id="1" name=""/>
-        <p:cNvGrpSpPr/>
-        <p:nvPr/>
-      </p:nvGrpSpPr>
-      <p:grpSpPr>
-        <a:xfrm>
-          <a:off x="0" y="0"/>
-          <a:ext cx="0" cy="0"/>
-          <a:chOff x="0" y="0"/>
-          <a:chExt cx="0" cy="0"/>
-        </a:xfrm>
-      </p:grpSpPr>
-      <p:sp>
-        <p:nvSpPr>
-          <p:cNvPr id="2" name="Title 1">
-            <a:extLst>
-              <a:ext uri="{FF2B5EF4-FFF2-40B4-BE49-F238E27FC236}">
-                <a16:creationId xmlns:a16="http://schemas.microsoft.com/office/drawing/2014/main" id="{84979102-6228-4CAF-9D11-7049C10CA38B}"/>
-              </a:ext>
-            </a:extLst>
-          </p:cNvPr>
-          <p:cNvSpPr>
-            <a:spLocks noGrp="1"/>
-          </p:cNvSpPr>
-          <p:nvPr>
-            <p:ph type="title"/>
-          </p:nvPr>
-        </p:nvSpPr>
-        <p:spPr>
-          <a:xfrm>
-            <a:off x="1097280" y="239469"/>
-            <a:ext cx="10058400" cy="1450757"/>
-          </a:xfrm>
-        </p:spPr>
-        <p:txBody>
-          <a:bodyPr/>
-          <a:lstStyle/>
-          <a:p>
-            <a:pPr algn="ctr"/>
-            <a:r>
-              <a:rPr lang="en-US" b="1" dirty="0"/>
-              <a:t>WB Studios</a:t>
-            </a:r>
-          </a:p>
-        </p:txBody>
-      </p:sp>
-      <p:pic>
-        <p:nvPicPr>
-          <p:cNvPr id="7170" name="Picture 2">
-            <a:extLst>
-              <a:ext uri="{FF2B5EF4-FFF2-40B4-BE49-F238E27FC236}">
-                <a16:creationId xmlns:a16="http://schemas.microsoft.com/office/drawing/2014/main" id="{D6DB7479-9596-4062-B18F-4EB878C14E01}"/>
-              </a:ext>
-            </a:extLst>
-          </p:cNvPr>
-          <p:cNvPicPr>
-            <a:picLocks noChangeAspect="1" noChangeArrowheads="1"/>
-          </p:cNvPicPr>
-          <p:nvPr/>
-        </p:nvPicPr>
-        <p:blipFill>
-          <a:blip r:embed="rId2">
-            <a:extLst>
-              <a:ext uri="{28A0092B-C50C-407E-A947-70E740481C1C}">
-                <a14:useLocalDpi xmlns:a14="http://schemas.microsoft.com/office/drawing/2010/main" val="0"/>
-              </a:ext>
-            </a:extLst>
-          </a:blip>
-          <a:srcRect/>
-          <a:stretch>
-            <a:fillRect/>
-          </a:stretch>
-        </p:blipFill>
-        <p:spPr bwMode="auto">
-          <a:xfrm>
-            <a:off x="1097280" y="2014780"/>
-            <a:ext cx="6819802" cy="3595607"/>
-          </a:xfrm>
-          <a:prstGeom prst="rect">
-            <a:avLst/>
-          </a:prstGeom>
-          <a:noFill/>
-          <a:extLst>
-            <a:ext uri="{909E8E84-426E-40DD-AFC4-6F175D3DCCD1}">
-              <a14:hiddenFill xmlns:a14="http://schemas.microsoft.com/office/drawing/2010/main">
-                <a:solidFill>
-                  <a:srgbClr val="FFFFFF"/>
-                </a:solidFill>
-              </a14:hiddenFill>
-            </a:ext>
-          </a:extLst>
-        </p:spPr>
-      </p:pic>
-    </p:spTree>
-    <p:extLst>
-      <p:ext uri="{BB962C8B-B14F-4D97-AF65-F5344CB8AC3E}">
-        <p14:creationId xmlns:p14="http://schemas.microsoft.com/office/powerpoint/2010/main" val="286074986"/>
-      </p:ext>
-    </p:extLst>
-  </p:cSld>
-  <p:clrMapOvr>
-    <a:masterClrMapping/>
-  </p:clrMapOvr>
-</p:sld>
-</file>
-
-<file path=ppt/slides/slide13.xml><?xml version="1.0" encoding="utf-8"?>
-<p:sld xmlns:a="http://schemas.openxmlformats.org/drawingml/2006/main" xmlns:r="http://schemas.openxmlformats.org/officeDocument/2006/relationships" xmlns:p="http://schemas.openxmlformats.org/presentationml/2006/main">
-  <p:cSld>
-    <p:spTree>
-      <p:nvGrpSpPr>
-        <p:cNvPr id="1" name=""/>
-        <p:cNvGrpSpPr/>
-        <p:nvPr/>
-      </p:nvGrpSpPr>
-      <p:grpSpPr>
-        <a:xfrm>
-          <a:off x="0" y="0"/>
-          <a:ext cx="0" cy="0"/>
-          <a:chOff x="0" y="0"/>
-          <a:chExt cx="0" cy="0"/>
-        </a:xfrm>
-      </p:grpSpPr>
-      <p:sp>
-        <p:nvSpPr>
-          <p:cNvPr id="2" name="Title 1">
-            <a:extLst>
-              <a:ext uri="{FF2B5EF4-FFF2-40B4-BE49-F238E27FC236}">
-                <a16:creationId xmlns:a16="http://schemas.microsoft.com/office/drawing/2014/main" id="{84979102-6228-4CAF-9D11-7049C10CA38B}"/>
-              </a:ext>
-            </a:extLst>
-          </p:cNvPr>
-          <p:cNvSpPr>
-            <a:spLocks noGrp="1"/>
-          </p:cNvSpPr>
-          <p:nvPr>
-            <p:ph type="title"/>
-          </p:nvPr>
-        </p:nvSpPr>
-        <p:spPr>
-          <a:xfrm>
-            <a:off x="1097280" y="239469"/>
-            <a:ext cx="10058400" cy="1450757"/>
-          </a:xfrm>
-        </p:spPr>
-        <p:txBody>
-          <a:bodyPr/>
-          <a:lstStyle/>
-          <a:p>
-            <a:pPr algn="ctr"/>
-            <a:r>
-              <a:rPr lang="en-US" b="1" dirty="0"/>
-              <a:t>Paramount/</a:t>
-            </a:r>
-            <a:r>
-              <a:rPr lang="en-US" b="1" dirty="0" err="1"/>
-              <a:t>Dreamworks</a:t>
-            </a:r>
-            <a:r>
-              <a:rPr lang="en-US" b="1" dirty="0"/>
-              <a:t> Studios</a:t>
-            </a:r>
-          </a:p>
-        </p:txBody>
-      </p:sp>
-      <p:pic>
-        <p:nvPicPr>
-          <p:cNvPr id="8194" name="Picture 2">
-            <a:extLst>
-              <a:ext uri="{FF2B5EF4-FFF2-40B4-BE49-F238E27FC236}">
-                <a16:creationId xmlns:a16="http://schemas.microsoft.com/office/drawing/2014/main" id="{357026D9-D720-46E6-AB7D-19906E416D82}"/>
-              </a:ext>
-            </a:extLst>
-          </p:cNvPr>
-          <p:cNvPicPr>
-            <a:picLocks noChangeAspect="1" noChangeArrowheads="1"/>
-          </p:cNvPicPr>
-          <p:nvPr/>
-        </p:nvPicPr>
-        <p:blipFill>
-          <a:blip r:embed="rId2">
-            <a:extLst>
-              <a:ext uri="{28A0092B-C50C-407E-A947-70E740481C1C}">
-                <a14:useLocalDpi xmlns:a14="http://schemas.microsoft.com/office/drawing/2010/main" val="0"/>
-              </a:ext>
-            </a:extLst>
-          </a:blip>
-          <a:srcRect/>
-          <a:stretch>
-            <a:fillRect/>
-          </a:stretch>
-        </p:blipFill>
-        <p:spPr bwMode="auto">
-          <a:xfrm>
-            <a:off x="1097280" y="1983783"/>
-            <a:ext cx="6933071" cy="3660911"/>
-          </a:xfrm>
-          <a:prstGeom prst="rect">
-            <a:avLst/>
-          </a:prstGeom>
-          <a:noFill/>
-          <a:extLst>
-            <a:ext uri="{909E8E84-426E-40DD-AFC4-6F175D3DCCD1}">
-              <a14:hiddenFill xmlns:a14="http://schemas.microsoft.com/office/drawing/2010/main">
-                <a:solidFill>
-                  <a:srgbClr val="FFFFFF"/>
-                </a:solidFill>
-              </a14:hiddenFill>
-            </a:ext>
-          </a:extLst>
-        </p:spPr>
-      </p:pic>
-    </p:spTree>
-    <p:extLst>
-      <p:ext uri="{BB962C8B-B14F-4D97-AF65-F5344CB8AC3E}">
-        <p14:creationId xmlns:p14="http://schemas.microsoft.com/office/powerpoint/2010/main" val="1921358050"/>
-      </p:ext>
-    </p:extLst>
-  </p:cSld>
-  <p:clrMapOvr>
-    <a:masterClrMapping/>
-  </p:clrMapOvr>
-</p:sld>
-</file>
-
-<file path=ppt/slides/slide14.xml><?xml version="1.0" encoding="utf-8"?>
-<p:sld xmlns:a="http://schemas.openxmlformats.org/drawingml/2006/main" xmlns:r="http://schemas.openxmlformats.org/officeDocument/2006/relationships" xmlns:p="http://schemas.openxmlformats.org/presentationml/2006/main">
-  <p:cSld>
-    <p:spTree>
-      <p:nvGrpSpPr>
-        <p:cNvPr id="1" name=""/>
-        <p:cNvGrpSpPr/>
-        <p:nvPr/>
-      </p:nvGrpSpPr>
-      <p:grpSpPr>
-        <a:xfrm>
-          <a:off x="0" y="0"/>
-          <a:ext cx="0" cy="0"/>
-          <a:chOff x="0" y="0"/>
-          <a:chExt cx="0" cy="0"/>
-        </a:xfrm>
-      </p:grpSpPr>
-      <p:sp>
-        <p:nvSpPr>
-          <p:cNvPr id="2" name="Title 1">
-            <a:extLst>
-              <a:ext uri="{FF2B5EF4-FFF2-40B4-BE49-F238E27FC236}">
-                <a16:creationId xmlns:a16="http://schemas.microsoft.com/office/drawing/2014/main" id="{38548F16-AC3D-40C6-B1CF-C35877BDB372}"/>
-              </a:ext>
-            </a:extLst>
-          </p:cNvPr>
-          <p:cNvSpPr>
-            <a:spLocks noGrp="1"/>
-          </p:cNvSpPr>
-          <p:nvPr>
-            <p:ph type="title"/>
-          </p:nvPr>
-        </p:nvSpPr>
-        <p:spPr/>
-        <p:txBody>
-          <a:bodyPr/>
-          <a:lstStyle/>
-          <a:p>
-            <a:pPr algn="ctr"/>
-            <a:r>
-              <a:rPr lang="en-US" b="1" dirty="0"/>
-              <a:t>Conclusions</a:t>
-            </a:r>
-          </a:p>
-        </p:txBody>
-      </p:sp>
-      <p:sp>
-        <p:nvSpPr>
-          <p:cNvPr id="3" name="Content Placeholder 2">
-            <a:extLst>
-              <a:ext uri="{FF2B5EF4-FFF2-40B4-BE49-F238E27FC236}">
-                <a16:creationId xmlns:a16="http://schemas.microsoft.com/office/drawing/2014/main" id="{D9DEF484-265A-4C6E-BE02-9DDD69651759}"/>
-              </a:ext>
-            </a:extLst>
-          </p:cNvPr>
-          <p:cNvSpPr>
-            <a:spLocks noGrp="1"/>
-          </p:cNvSpPr>
-          <p:nvPr>
-            <p:ph idx="1"/>
-          </p:nvPr>
-        </p:nvSpPr>
-        <p:spPr/>
-        <p:txBody>
-          <a:bodyPr>
-            <a:normAutofit/>
-          </a:bodyPr>
-          <a:lstStyle/>
-          <a:p>
-            <a:r>
-              <a:rPr lang="en-US" sz="2400" dirty="0"/>
-              <a:t>Adventure/Drama/Sport films make the most money in the Domestic Box Office, invest in live sporting events.</a:t>
-            </a:r>
-          </a:p>
-          <a:p>
-            <a:r>
-              <a:rPr lang="en-US" sz="2400" dirty="0"/>
-              <a:t>Action/Adventure/Sci-fi and Action/Adventure/Animation films are the 2</a:t>
-            </a:r>
-            <a:r>
-              <a:rPr lang="en-US" sz="2400" baseline="30000" dirty="0"/>
-              <a:t>nd</a:t>
-            </a:r>
-            <a:r>
-              <a:rPr lang="en-US" sz="2400" dirty="0"/>
-              <a:t> and 3</a:t>
-            </a:r>
-            <a:r>
-              <a:rPr lang="en-US" sz="2400" baseline="30000" dirty="0"/>
-              <a:t>rd</a:t>
-            </a:r>
-            <a:r>
-              <a:rPr lang="en-US" sz="2400" dirty="0"/>
-              <a:t> most profitable genres, those with sequels do the best. </a:t>
-            </a:r>
-          </a:p>
-          <a:p>
-            <a:r>
-              <a:rPr lang="en-US" sz="2400" dirty="0"/>
-              <a:t>Because Documentaries are the highest rated genre, invest in these as well, for recognition and awards.</a:t>
-            </a:r>
-          </a:p>
-          <a:p>
-            <a:r>
-              <a:rPr lang="en-US" sz="2400" dirty="0"/>
-              <a:t>In the future, data from 2019 onward would be interesting to look at to see how the film industry was affected by the Covid-19 Pandemic and how they adapted.</a:t>
-            </a:r>
-          </a:p>
-          <a:p>
-            <a:endParaRPr lang="en-US" sz="2400" dirty="0"/>
-          </a:p>
-        </p:txBody>
-      </p:sp>
-    </p:spTree>
-    <p:extLst>
-      <p:ext uri="{BB962C8B-B14F-4D97-AF65-F5344CB8AC3E}">
-        <p14:creationId xmlns:p14="http://schemas.microsoft.com/office/powerpoint/2010/main" val="1024913155"/>
-      </p:ext>
-    </p:extLst>
-  </p:cSld>
-  <p:clrMapOvr>
-    <a:masterClrMapping/>
-  </p:clrMapOvr>
-</p:sld>
-</file>
-
-<file path=ppt/slides/slide15.xml><?xml version="1.0" encoding="utf-8"?>
-<p:sld xmlns:a="http://schemas.openxmlformats.org/drawingml/2006/main" xmlns:r="http://schemas.openxmlformats.org/officeDocument/2006/relationships" xmlns:p="http://schemas.openxmlformats.org/presentationml/2006/main">
-  <p:cSld>
-    <p:spTree>
-      <p:nvGrpSpPr>
-        <p:cNvPr id="1" name=""/>
-        <p:cNvGrpSpPr/>
-        <p:nvPr/>
-      </p:nvGrpSpPr>
-      <p:grpSpPr>
-        <a:xfrm>
-          <a:off x="0" y="0"/>
-          <a:ext cx="0" cy="0"/>
-          <a:chOff x="0" y="0"/>
-          <a:chExt cx="0" cy="0"/>
-        </a:xfrm>
-      </p:grpSpPr>
-      <p:sp>
-        <p:nvSpPr>
-          <p:cNvPr id="2" name="Title 1">
-            <a:extLst>
-              <a:ext uri="{FF2B5EF4-FFF2-40B4-BE49-F238E27FC236}">
                 <a16:creationId xmlns:a16="http://schemas.microsoft.com/office/drawing/2014/main" id="{7FA49849-7507-4B26-98D1-A3CA33F2F413}"/>
               </a:ext>
             </a:extLst>
@@ -7680,7 +4154,7 @@
                 </a:solidFill>
                 <a:latin typeface="ProximaNova-Regular"/>
               </a:rPr>
-              <a:t>Methods</a:t>
+              <a:t>Results</a:t>
             </a:r>
           </a:p>
           <a:p>
@@ -7704,39 +4178,8 @@
                 </a:solidFill>
                 <a:latin typeface="ProximaNova-Regular"/>
               </a:rPr>
-              <a:t>Results</a:t>
-            </a:r>
-          </a:p>
-          <a:p>
-            <a:r>
-              <a:rPr lang="en-US" sz="3200" b="0" i="0" u="none" strike="noStrike" baseline="0" dirty="0">
-                <a:solidFill>
-                  <a:schemeClr val="tx1">
-                    <a:lumMod val="85000"/>
-                  </a:schemeClr>
-                </a:solidFill>
-                <a:latin typeface="ArialMT"/>
-              </a:rPr>
-              <a:t>● </a:t>
-            </a:r>
-            <a:r>
-              <a:rPr lang="en-US" sz="3200" b="0" i="0" u="none" strike="noStrike" baseline="0" dirty="0">
-                <a:solidFill>
-                  <a:schemeClr val="tx1">
-                    <a:lumMod val="85000"/>
-                  </a:schemeClr>
-                </a:solidFill>
-                <a:latin typeface="ProximaNova-Regular"/>
-              </a:rPr>
               <a:t>Conclusions</a:t>
             </a:r>
-            <a:endParaRPr lang="en-US" sz="3200" dirty="0">
-              <a:solidFill>
-                <a:schemeClr val="tx1">
-                  <a:lumMod val="85000"/>
-                </a:schemeClr>
-              </a:solidFill>
-            </a:endParaRPr>
           </a:p>
         </p:txBody>
       </p:sp>
@@ -7817,17 +4260,42 @@
             <p:ph idx="1"/>
           </p:nvPr>
         </p:nvSpPr>
-        <p:spPr/>
-        <p:txBody>
-          <a:bodyPr/>
-          <a:lstStyle/>
-          <a:p>
-            <a:pPr marL="0" indent="0">
+        <p:spPr>
+          <a:xfrm>
+            <a:off x="1097280" y="2134492"/>
+            <a:ext cx="10058400" cy="4023360"/>
+          </a:xfrm>
+        </p:spPr>
+        <p:txBody>
+          <a:bodyPr>
+            <a:normAutofit/>
+          </a:bodyPr>
+          <a:lstStyle/>
+          <a:p>
+            <a:pPr marL="0" indent="0" algn="ctr">
               <a:buNone/>
             </a:pPr>
             <a:r>
-              <a:rPr lang="en-US" dirty="0"/>
-              <a:t>Microsoft wants to create their own movie streaming service and </a:t>
+              <a:rPr lang="en-US" sz="3200" dirty="0"/>
+              <a:t>Microsoft wants to create their own movie streaming service</a:t>
+            </a:r>
+          </a:p>
+          <a:p>
+            <a:pPr marL="0" indent="0" algn="ctr">
+              <a:buNone/>
+            </a:pPr>
+            <a:r>
+              <a:rPr lang="en-US" sz="3200" dirty="0"/>
+              <a:t> </a:t>
+            </a:r>
+          </a:p>
+          <a:p>
+            <a:pPr marL="0" indent="0" algn="ctr">
+              <a:buNone/>
+            </a:pPr>
+            <a:r>
+              <a:rPr lang="en-US" sz="3200" dirty="0"/>
+              <a:t>What types/genres of movies make the most money in the box office?</a:t>
             </a:r>
           </a:p>
         </p:txBody>
@@ -7846,615 +4314,6 @@
 </file>
 
 <file path=ppt/slides/slide4.xml><?xml version="1.0" encoding="utf-8"?>
-<p:sld xmlns:a="http://schemas.openxmlformats.org/drawingml/2006/main" xmlns:r="http://schemas.openxmlformats.org/officeDocument/2006/relationships" xmlns:p="http://schemas.openxmlformats.org/presentationml/2006/main">
-  <p:cSld>
-    <p:spTree>
-      <p:nvGrpSpPr>
-        <p:cNvPr id="1" name=""/>
-        <p:cNvGrpSpPr/>
-        <p:nvPr/>
-      </p:nvGrpSpPr>
-      <p:grpSpPr>
-        <a:xfrm>
-          <a:off x="0" y="0"/>
-          <a:ext cx="0" cy="0"/>
-          <a:chOff x="0" y="0"/>
-          <a:chExt cx="0" cy="0"/>
-        </a:xfrm>
-      </p:grpSpPr>
-      <p:sp>
-        <p:nvSpPr>
-          <p:cNvPr id="13" name="TextBox 12">
-            <a:extLst>
-              <a:ext uri="{FF2B5EF4-FFF2-40B4-BE49-F238E27FC236}">
-                <a16:creationId xmlns:a16="http://schemas.microsoft.com/office/drawing/2014/main" id="{DF7D162D-1A1C-4D89-A528-90A25C8E70A8}"/>
-              </a:ext>
-            </a:extLst>
-          </p:cNvPr>
-          <p:cNvSpPr txBox="1"/>
-          <p:nvPr/>
-        </p:nvSpPr>
-        <p:spPr>
-          <a:xfrm>
-            <a:off x="1771837" y="587903"/>
-            <a:ext cx="3567900" cy="769441"/>
-          </a:xfrm>
-          <a:prstGeom prst="rect">
-            <a:avLst/>
-          </a:prstGeom>
-          <a:noFill/>
-        </p:spPr>
-        <p:txBody>
-          <a:bodyPr wrap="none" rtlCol="0">
-            <a:spAutoFit/>
-          </a:bodyPr>
-          <a:lstStyle/>
-          <a:p>
-            <a:pPr algn="ctr"/>
-            <a:r>
-              <a:rPr lang="en-US" sz="4400" dirty="0"/>
-              <a:t>IMDB Datasets</a:t>
-            </a:r>
-          </a:p>
-        </p:txBody>
-      </p:sp>
-      <p:graphicFrame>
-        <p:nvGraphicFramePr>
-          <p:cNvPr id="14" name="Diagram 13">
-            <a:extLst>
-              <a:ext uri="{FF2B5EF4-FFF2-40B4-BE49-F238E27FC236}">
-                <a16:creationId xmlns:a16="http://schemas.microsoft.com/office/drawing/2014/main" id="{692F9B4C-367D-491D-8157-F1B4EFBBEEF9}"/>
-              </a:ext>
-            </a:extLst>
-          </p:cNvPr>
-          <p:cNvGraphicFramePr/>
-          <p:nvPr>
-            <p:extLst>
-              <p:ext uri="{D42A27DB-BD31-4B8C-83A1-F6EECF244321}">
-                <p14:modId xmlns:p14="http://schemas.microsoft.com/office/powerpoint/2010/main" val="4119322783"/>
-              </p:ext>
-            </p:extLst>
-          </p:nvPr>
-        </p:nvGraphicFramePr>
-        <p:xfrm>
-          <a:off x="117558" y="2395831"/>
-          <a:ext cx="5978442" cy="3754624"/>
-        </p:xfrm>
-        <a:graphic>
-          <a:graphicData uri="http://schemas.openxmlformats.org/drawingml/2006/diagram">
-            <dgm:relIds xmlns:dgm="http://schemas.openxmlformats.org/drawingml/2006/diagram" xmlns:r="http://schemas.openxmlformats.org/officeDocument/2006/relationships" r:dm="rId2" r:lo="rId3" r:qs="rId4" r:cs="rId5"/>
-          </a:graphicData>
-        </a:graphic>
-      </p:graphicFrame>
-      <p:sp>
-        <p:nvSpPr>
-          <p:cNvPr id="15" name="TextBox 14">
-            <a:extLst>
-              <a:ext uri="{FF2B5EF4-FFF2-40B4-BE49-F238E27FC236}">
-                <a16:creationId xmlns:a16="http://schemas.microsoft.com/office/drawing/2014/main" id="{94BA3DA2-A04F-416F-9D33-9B552B7E89C8}"/>
-              </a:ext>
-            </a:extLst>
-          </p:cNvPr>
-          <p:cNvSpPr txBox="1"/>
-          <p:nvPr/>
-        </p:nvSpPr>
-        <p:spPr>
-          <a:xfrm>
-            <a:off x="559505" y="1936106"/>
-            <a:ext cx="2382383" cy="461665"/>
-          </a:xfrm>
-          <a:prstGeom prst="rect">
-            <a:avLst/>
-          </a:prstGeom>
-          <a:noFill/>
-        </p:spPr>
-        <p:txBody>
-          <a:bodyPr wrap="none" rtlCol="0">
-            <a:spAutoFit/>
-          </a:bodyPr>
-          <a:lstStyle/>
-          <a:p>
-            <a:r>
-              <a:rPr lang="en-US" sz="2400" dirty="0" err="1"/>
-              <a:t>imdb_title_basics</a:t>
-            </a:r>
-            <a:endParaRPr lang="en-US" sz="2400" dirty="0"/>
-          </a:p>
-        </p:txBody>
-      </p:sp>
-      <p:sp>
-        <p:nvSpPr>
-          <p:cNvPr id="16" name="TextBox 15">
-            <a:extLst>
-              <a:ext uri="{FF2B5EF4-FFF2-40B4-BE49-F238E27FC236}">
-                <a16:creationId xmlns:a16="http://schemas.microsoft.com/office/drawing/2014/main" id="{2DAB60BB-E1CB-481E-B76D-343F6069D57E}"/>
-              </a:ext>
-            </a:extLst>
-          </p:cNvPr>
-          <p:cNvSpPr txBox="1"/>
-          <p:nvPr/>
-        </p:nvSpPr>
-        <p:spPr>
-          <a:xfrm>
-            <a:off x="3464558" y="1922180"/>
-            <a:ext cx="2477409" cy="461665"/>
-          </a:xfrm>
-          <a:prstGeom prst="rect">
-            <a:avLst/>
-          </a:prstGeom>
-          <a:noFill/>
-        </p:spPr>
-        <p:txBody>
-          <a:bodyPr wrap="none" rtlCol="0">
-            <a:spAutoFit/>
-          </a:bodyPr>
-          <a:lstStyle/>
-          <a:p>
-            <a:r>
-              <a:rPr lang="en-US" sz="2400" dirty="0" err="1"/>
-              <a:t>imdb_title_ratings</a:t>
-            </a:r>
-            <a:endParaRPr lang="en-US" sz="2400" dirty="0"/>
-          </a:p>
-        </p:txBody>
-      </p:sp>
-      <p:sp>
-        <p:nvSpPr>
-          <p:cNvPr id="17" name="TextBox 16">
-            <a:extLst>
-              <a:ext uri="{FF2B5EF4-FFF2-40B4-BE49-F238E27FC236}">
-                <a16:creationId xmlns:a16="http://schemas.microsoft.com/office/drawing/2014/main" id="{02661FC3-CC9B-420F-9595-75F1FEFC0B7E}"/>
-              </a:ext>
-            </a:extLst>
-          </p:cNvPr>
-          <p:cNvSpPr txBox="1"/>
-          <p:nvPr/>
-        </p:nvSpPr>
-        <p:spPr>
-          <a:xfrm>
-            <a:off x="928525" y="3098078"/>
-            <a:ext cx="1811906" cy="1477328"/>
-          </a:xfrm>
-          <a:prstGeom prst="rect">
-            <a:avLst/>
-          </a:prstGeom>
-          <a:noFill/>
-        </p:spPr>
-        <p:txBody>
-          <a:bodyPr wrap="none" rtlCol="0">
-            <a:spAutoFit/>
-          </a:bodyPr>
-          <a:lstStyle/>
-          <a:p>
-            <a:r>
-              <a:rPr lang="en-US" dirty="0" err="1"/>
-              <a:t>primary_title</a:t>
-            </a:r>
-            <a:endParaRPr lang="en-US" dirty="0"/>
-          </a:p>
-          <a:p>
-            <a:r>
-              <a:rPr lang="en-US" dirty="0" err="1"/>
-              <a:t>original_title</a:t>
-            </a:r>
-            <a:endParaRPr lang="en-US" dirty="0"/>
-          </a:p>
-          <a:p>
-            <a:r>
-              <a:rPr lang="en-US" dirty="0" err="1"/>
-              <a:t>start_year</a:t>
-            </a:r>
-            <a:endParaRPr lang="en-US" dirty="0"/>
-          </a:p>
-          <a:p>
-            <a:r>
-              <a:rPr lang="en-US" dirty="0" err="1"/>
-              <a:t>runtime_minutes</a:t>
-            </a:r>
-            <a:endParaRPr lang="en-US" dirty="0"/>
-          </a:p>
-          <a:p>
-            <a:r>
-              <a:rPr lang="en-US" dirty="0"/>
-              <a:t>genres</a:t>
-            </a:r>
-          </a:p>
-        </p:txBody>
-      </p:sp>
-      <p:sp>
-        <p:nvSpPr>
-          <p:cNvPr id="18" name="TextBox 17">
-            <a:extLst>
-              <a:ext uri="{FF2B5EF4-FFF2-40B4-BE49-F238E27FC236}">
-                <a16:creationId xmlns:a16="http://schemas.microsoft.com/office/drawing/2014/main" id="{1515BA55-ACF2-41BB-B39E-67F6A4B5FC8D}"/>
-              </a:ext>
-            </a:extLst>
-          </p:cNvPr>
-          <p:cNvSpPr txBox="1"/>
-          <p:nvPr/>
-        </p:nvSpPr>
-        <p:spPr>
-          <a:xfrm>
-            <a:off x="3793593" y="3098078"/>
-            <a:ext cx="2982881" cy="646331"/>
-          </a:xfrm>
-          <a:prstGeom prst="rect">
-            <a:avLst/>
-          </a:prstGeom>
-          <a:noFill/>
-        </p:spPr>
-        <p:txBody>
-          <a:bodyPr wrap="square" rtlCol="0">
-            <a:spAutoFit/>
-          </a:bodyPr>
-          <a:lstStyle/>
-          <a:p>
-            <a:r>
-              <a:rPr lang="en-US" dirty="0" err="1"/>
-              <a:t>averagerating</a:t>
-            </a:r>
-            <a:endParaRPr lang="en-US" dirty="0"/>
-          </a:p>
-          <a:p>
-            <a:r>
-              <a:rPr lang="en-US" dirty="0" err="1"/>
-              <a:t>numvotes</a:t>
-            </a:r>
-            <a:endParaRPr lang="en-US" dirty="0"/>
-          </a:p>
-        </p:txBody>
-      </p:sp>
-      <p:sp>
-        <p:nvSpPr>
-          <p:cNvPr id="19" name="TextBox 18">
-            <a:extLst>
-              <a:ext uri="{FF2B5EF4-FFF2-40B4-BE49-F238E27FC236}">
-                <a16:creationId xmlns:a16="http://schemas.microsoft.com/office/drawing/2014/main" id="{AF7BFFB2-2178-4211-BD11-CA8D986F77DA}"/>
-              </a:ext>
-            </a:extLst>
-          </p:cNvPr>
-          <p:cNvSpPr txBox="1"/>
-          <p:nvPr/>
-        </p:nvSpPr>
-        <p:spPr>
-          <a:xfrm>
-            <a:off x="2712274" y="3658661"/>
-            <a:ext cx="789011" cy="369332"/>
-          </a:xfrm>
-          <a:prstGeom prst="rect">
-            <a:avLst/>
-          </a:prstGeom>
-          <a:noFill/>
-        </p:spPr>
-        <p:txBody>
-          <a:bodyPr wrap="square" rtlCol="0">
-            <a:spAutoFit/>
-          </a:bodyPr>
-          <a:lstStyle/>
-          <a:p>
-            <a:r>
-              <a:rPr lang="en-US" dirty="0" err="1"/>
-              <a:t>tconst</a:t>
-            </a:r>
-            <a:endParaRPr lang="en-US" dirty="0"/>
-          </a:p>
-        </p:txBody>
-      </p:sp>
-      <p:cxnSp>
-        <p:nvCxnSpPr>
-          <p:cNvPr id="21" name="Straight Connector 20">
-            <a:extLst>
-              <a:ext uri="{FF2B5EF4-FFF2-40B4-BE49-F238E27FC236}">
-                <a16:creationId xmlns:a16="http://schemas.microsoft.com/office/drawing/2014/main" id="{2B01AA13-1EB5-4434-99BC-079C8F61E296}"/>
-              </a:ext>
-            </a:extLst>
-          </p:cNvPr>
-          <p:cNvCxnSpPr/>
-          <p:nvPr/>
-        </p:nvCxnSpPr>
-        <p:spPr>
-          <a:xfrm>
-            <a:off x="6096000" y="614680"/>
-            <a:ext cx="0" cy="5628640"/>
-          </a:xfrm>
-          <a:prstGeom prst="line">
-            <a:avLst/>
-          </a:prstGeom>
-          <a:ln w="25400">
-            <a:solidFill>
-              <a:schemeClr val="tx1"/>
-            </a:solidFill>
-          </a:ln>
-        </p:spPr>
-        <p:style>
-          <a:lnRef idx="1">
-            <a:schemeClr val="accent1"/>
-          </a:lnRef>
-          <a:fillRef idx="0">
-            <a:schemeClr val="accent1"/>
-          </a:fillRef>
-          <a:effectRef idx="0">
-            <a:schemeClr val="accent1"/>
-          </a:effectRef>
-          <a:fontRef idx="minor">
-            <a:schemeClr val="tx1"/>
-          </a:fontRef>
-        </p:style>
-      </p:cxnSp>
-      <p:sp>
-        <p:nvSpPr>
-          <p:cNvPr id="22" name="TextBox 21">
-            <a:extLst>
-              <a:ext uri="{FF2B5EF4-FFF2-40B4-BE49-F238E27FC236}">
-                <a16:creationId xmlns:a16="http://schemas.microsoft.com/office/drawing/2014/main" id="{681E4F08-593C-48D6-9ABD-B816E7AAB122}"/>
-              </a:ext>
-            </a:extLst>
-          </p:cNvPr>
-          <p:cNvSpPr txBox="1"/>
-          <p:nvPr/>
-        </p:nvSpPr>
-        <p:spPr>
-          <a:xfrm>
-            <a:off x="6700684" y="409829"/>
-            <a:ext cx="3980064" cy="1446550"/>
-          </a:xfrm>
-          <a:prstGeom prst="rect">
-            <a:avLst/>
-          </a:prstGeom>
-          <a:noFill/>
-        </p:spPr>
-        <p:txBody>
-          <a:bodyPr wrap="none" rtlCol="0">
-            <a:spAutoFit/>
-          </a:bodyPr>
-          <a:lstStyle/>
-          <a:p>
-            <a:r>
-              <a:rPr lang="en-US" sz="4400" dirty="0"/>
-              <a:t>Box Office Mojo </a:t>
-            </a:r>
-          </a:p>
-          <a:p>
-            <a:pPr algn="ctr"/>
-            <a:r>
-              <a:rPr lang="en-US" sz="4400" dirty="0"/>
-              <a:t>Dataset</a:t>
-            </a:r>
-          </a:p>
-        </p:txBody>
-      </p:sp>
-      <p:sp>
-        <p:nvSpPr>
-          <p:cNvPr id="23" name="TextBox 22">
-            <a:extLst>
-              <a:ext uri="{FF2B5EF4-FFF2-40B4-BE49-F238E27FC236}">
-                <a16:creationId xmlns:a16="http://schemas.microsoft.com/office/drawing/2014/main" id="{535FB4D6-3EE2-4B7C-BF8A-DC03EBC1B7C7}"/>
-              </a:ext>
-            </a:extLst>
-          </p:cNvPr>
-          <p:cNvSpPr txBox="1"/>
-          <p:nvPr/>
-        </p:nvSpPr>
-        <p:spPr>
-          <a:xfrm>
-            <a:off x="7532737" y="2153012"/>
-            <a:ext cx="2476575" cy="1938992"/>
-          </a:xfrm>
-          <a:prstGeom prst="rect">
-            <a:avLst/>
-          </a:prstGeom>
-          <a:noFill/>
-        </p:spPr>
-        <p:txBody>
-          <a:bodyPr wrap="none" rtlCol="0">
-            <a:spAutoFit/>
-          </a:bodyPr>
-          <a:lstStyle/>
-          <a:p>
-            <a:pPr marL="342900" indent="-342900">
-              <a:buFont typeface="Arial" panose="020B0604020202020204" pitchFamily="34" charset="0"/>
-              <a:buChar char="•"/>
-            </a:pPr>
-            <a:r>
-              <a:rPr lang="en-US" sz="2400" dirty="0"/>
-              <a:t>title</a:t>
-            </a:r>
-          </a:p>
-          <a:p>
-            <a:pPr marL="342900" indent="-342900">
-              <a:buFont typeface="Arial" panose="020B0604020202020204" pitchFamily="34" charset="0"/>
-              <a:buChar char="•"/>
-            </a:pPr>
-            <a:r>
-              <a:rPr lang="en-US" sz="2400" dirty="0"/>
-              <a:t>studio</a:t>
-            </a:r>
-          </a:p>
-          <a:p>
-            <a:pPr marL="342900" indent="-342900">
-              <a:buFont typeface="Arial" panose="020B0604020202020204" pitchFamily="34" charset="0"/>
-              <a:buChar char="•"/>
-            </a:pPr>
-            <a:r>
-              <a:rPr lang="en-US" sz="2400" dirty="0" err="1"/>
-              <a:t>domestic_gross</a:t>
-            </a:r>
-            <a:endParaRPr lang="en-US" sz="2400" dirty="0"/>
-          </a:p>
-          <a:p>
-            <a:pPr marL="342900" indent="-342900">
-              <a:buFont typeface="Arial" panose="020B0604020202020204" pitchFamily="34" charset="0"/>
-              <a:buChar char="•"/>
-            </a:pPr>
-            <a:r>
-              <a:rPr lang="en-US" sz="2400" dirty="0" err="1"/>
-              <a:t>foreign_gross</a:t>
-            </a:r>
-            <a:endParaRPr lang="en-US" sz="2400" dirty="0"/>
-          </a:p>
-          <a:p>
-            <a:pPr marL="342900" indent="-342900">
-              <a:buFont typeface="Arial" panose="020B0604020202020204" pitchFamily="34" charset="0"/>
-              <a:buChar char="•"/>
-            </a:pPr>
-            <a:r>
-              <a:rPr lang="en-US" sz="2400" dirty="0"/>
-              <a:t>year</a:t>
-            </a:r>
-          </a:p>
-        </p:txBody>
-      </p:sp>
-    </p:spTree>
-    <p:extLst>
-      <p:ext uri="{BB962C8B-B14F-4D97-AF65-F5344CB8AC3E}">
-        <p14:creationId xmlns:p14="http://schemas.microsoft.com/office/powerpoint/2010/main" val="2763347873"/>
-      </p:ext>
-    </p:extLst>
-  </p:cSld>
-  <p:clrMapOvr>
-    <a:masterClrMapping/>
-  </p:clrMapOvr>
-</p:sld>
-</file>
-
-<file path=ppt/slides/slide5.xml><?xml version="1.0" encoding="utf-8"?>
-<p:sld xmlns:a="http://schemas.openxmlformats.org/drawingml/2006/main" xmlns:r="http://schemas.openxmlformats.org/officeDocument/2006/relationships" xmlns:p="http://schemas.openxmlformats.org/presentationml/2006/main">
-  <p:cSld>
-    <p:spTree>
-      <p:nvGrpSpPr>
-        <p:cNvPr id="1" name=""/>
-        <p:cNvGrpSpPr/>
-        <p:nvPr/>
-      </p:nvGrpSpPr>
-      <p:grpSpPr>
-        <a:xfrm>
-          <a:off x="0" y="0"/>
-          <a:ext cx="0" cy="0"/>
-          <a:chOff x="0" y="0"/>
-          <a:chExt cx="0" cy="0"/>
-        </a:xfrm>
-      </p:grpSpPr>
-      <p:sp>
-        <p:nvSpPr>
-          <p:cNvPr id="2" name="Title 1">
-            <a:extLst>
-              <a:ext uri="{FF2B5EF4-FFF2-40B4-BE49-F238E27FC236}">
-                <a16:creationId xmlns:a16="http://schemas.microsoft.com/office/drawing/2014/main" id="{E1483222-C8B8-4A57-9E9D-71589366D147}"/>
-              </a:ext>
-            </a:extLst>
-          </p:cNvPr>
-          <p:cNvSpPr>
-            <a:spLocks noGrp="1"/>
-          </p:cNvSpPr>
-          <p:nvPr>
-            <p:ph type="title"/>
-          </p:nvPr>
-        </p:nvSpPr>
-        <p:spPr/>
-        <p:txBody>
-          <a:bodyPr>
-            <a:normAutofit/>
-          </a:bodyPr>
-          <a:lstStyle/>
-          <a:p>
-            <a:pPr algn="ctr"/>
-            <a:r>
-              <a:rPr lang="en-US" sz="5400" b="1" dirty="0"/>
-              <a:t>Methods</a:t>
-            </a:r>
-          </a:p>
-        </p:txBody>
-      </p:sp>
-      <p:sp>
-        <p:nvSpPr>
-          <p:cNvPr id="3" name="Content Placeholder 2">
-            <a:extLst>
-              <a:ext uri="{FF2B5EF4-FFF2-40B4-BE49-F238E27FC236}">
-                <a16:creationId xmlns:a16="http://schemas.microsoft.com/office/drawing/2014/main" id="{293D24CB-6654-4F73-A491-E24A14742EC9}"/>
-              </a:ext>
-            </a:extLst>
-          </p:cNvPr>
-          <p:cNvSpPr>
-            <a:spLocks noGrp="1"/>
-          </p:cNvSpPr>
-          <p:nvPr>
-            <p:ph idx="1"/>
-          </p:nvPr>
-        </p:nvSpPr>
-        <p:spPr>
-          <a:xfrm>
-            <a:off x="1066800" y="2548037"/>
-            <a:ext cx="10058400" cy="4023360"/>
-          </a:xfrm>
-        </p:spPr>
-        <p:txBody>
-          <a:bodyPr>
-            <a:normAutofit/>
-          </a:bodyPr>
-          <a:lstStyle/>
-          <a:p>
-            <a:r>
-              <a:rPr lang="en-US" sz="2600" dirty="0"/>
-              <a:t>- Merged the two IMDB datasets</a:t>
-            </a:r>
-          </a:p>
-          <a:p>
-            <a:pPr marL="0" indent="0">
-              <a:buNone/>
-            </a:pPr>
-            <a:r>
-              <a:rPr lang="en-US" sz="2600" dirty="0"/>
-              <a:t>	-  Dropped rows where average rating is </a:t>
-            </a:r>
-            <a:r>
-              <a:rPr lang="en-US" sz="2600" dirty="0" err="1"/>
-              <a:t>NaN</a:t>
-            </a:r>
-            <a:endParaRPr lang="en-US" sz="2600" dirty="0"/>
-          </a:p>
-          <a:p>
-            <a:pPr marL="0" indent="0">
-              <a:buNone/>
-            </a:pPr>
-            <a:r>
-              <a:rPr lang="en-US" sz="2600" dirty="0"/>
-              <a:t>	-  Limited years from 2010-2018</a:t>
-            </a:r>
-          </a:p>
-          <a:p>
-            <a:r>
-              <a:rPr lang="en-US" sz="2600" dirty="0"/>
-              <a:t>- Merge IMDB and BOM datasets </a:t>
-            </a:r>
-          </a:p>
-          <a:p>
-            <a:r>
-              <a:rPr lang="en-US" sz="2600" dirty="0"/>
-              <a:t>- Correlation Matrix </a:t>
-            </a:r>
-          </a:p>
-          <a:p>
-            <a:pPr marL="0" indent="0">
-              <a:buNone/>
-            </a:pPr>
-            <a:endParaRPr lang="en-US" sz="2600" dirty="0"/>
-          </a:p>
-        </p:txBody>
-      </p:sp>
-    </p:spTree>
-    <p:extLst>
-      <p:ext uri="{BB962C8B-B14F-4D97-AF65-F5344CB8AC3E}">
-        <p14:creationId xmlns:p14="http://schemas.microsoft.com/office/powerpoint/2010/main" val="2172904122"/>
-      </p:ext>
-    </p:extLst>
-  </p:cSld>
-  <p:clrMapOvr>
-    <a:masterClrMapping/>
-  </p:clrMapOvr>
-</p:sld>
-</file>
-
-<file path=ppt/slides/slide6.xml><?xml version="1.0" encoding="utf-8"?>
 <p:sld xmlns:a="http://schemas.openxmlformats.org/drawingml/2006/main" xmlns:r="http://schemas.openxmlformats.org/officeDocument/2006/relationships" xmlns:p="http://schemas.openxmlformats.org/presentationml/2006/main">
   <p:cSld>
     <p:spTree>
@@ -8560,7 +4419,7 @@
 </p:sld>
 </file>
 
-<file path=ppt/slides/slide7.xml><?xml version="1.0" encoding="utf-8"?>
+<file path=ppt/slides/slide5.xml><?xml version="1.0" encoding="utf-8"?>
 <p:sld xmlns:a="http://schemas.openxmlformats.org/drawingml/2006/main" xmlns:r="http://schemas.openxmlformats.org/officeDocument/2006/relationships" xmlns:p="http://schemas.openxmlformats.org/presentationml/2006/main">
   <p:cSld>
     <p:spTree>
@@ -8608,10 +4467,10 @@
       </p:sp>
       <p:pic>
         <p:nvPicPr>
-          <p:cNvPr id="2050" name="Picture 2">
+          <p:cNvPr id="5122" name="Picture 2">
             <a:extLst>
               <a:ext uri="{FF2B5EF4-FFF2-40B4-BE49-F238E27FC236}">
-                <a16:creationId xmlns:a16="http://schemas.microsoft.com/office/drawing/2014/main" id="{2743B27F-5ACB-4B3E-AE88-E12FC20CC921}"/>
+                <a16:creationId xmlns:a16="http://schemas.microsoft.com/office/drawing/2014/main" id="{02F2A6B0-6820-4639-8F54-D464E0CF807B}"/>
               </a:ext>
             </a:extLst>
           </p:cNvPr>
@@ -8635,8 +4494,8 @@
         </p:blipFill>
         <p:spPr bwMode="auto">
           <a:xfrm>
-            <a:off x="654974" y="2132736"/>
-            <a:ext cx="5172075" cy="3419652"/>
+            <a:off x="1097280" y="2044243"/>
+            <a:ext cx="5554744" cy="3752123"/>
           </a:xfrm>
           <a:prstGeom prst="rect">
             <a:avLst/>
@@ -8653,12 +4512,123 @@
           </a:extLst>
         </p:spPr>
       </p:pic>
+      <p:sp>
+        <p:nvSpPr>
+          <p:cNvPr id="5" name="TextBox 4">
+            <a:extLst>
+              <a:ext uri="{FF2B5EF4-FFF2-40B4-BE49-F238E27FC236}">
+                <a16:creationId xmlns:a16="http://schemas.microsoft.com/office/drawing/2014/main" id="{9BC2DE0A-AA70-4DBD-A8C1-C2D56284B07C}"/>
+              </a:ext>
+            </a:extLst>
+          </p:cNvPr>
+          <p:cNvSpPr txBox="1"/>
+          <p:nvPr/>
+        </p:nvSpPr>
+        <p:spPr>
+          <a:xfrm>
+            <a:off x="7122695" y="3227806"/>
+            <a:ext cx="6096000" cy="1384995"/>
+          </a:xfrm>
+          <a:prstGeom prst="rect">
+            <a:avLst/>
+          </a:prstGeom>
+          <a:noFill/>
+        </p:spPr>
+        <p:txBody>
+          <a:bodyPr wrap="square">
+            <a:spAutoFit/>
+          </a:bodyPr>
+          <a:lstStyle/>
+          <a:p>
+            <a:r>
+              <a:rPr lang="en-US" sz="2800" dirty="0"/>
+              <a:t>BV:       $ 175,240,200</a:t>
+            </a:r>
+          </a:p>
+          <a:p>
+            <a:r>
+              <a:rPr lang="en-US" sz="2800" dirty="0"/>
+              <a:t>P/DW: $ 168,290,000</a:t>
+            </a:r>
+          </a:p>
+          <a:p>
+            <a:r>
+              <a:rPr lang="en-US" sz="2800" dirty="0"/>
+              <a:t>WB:     $ 89,799,160</a:t>
+            </a:r>
+          </a:p>
+        </p:txBody>
+      </p:sp>
+    </p:spTree>
+    <p:extLst>
+      <p:ext uri="{BB962C8B-B14F-4D97-AF65-F5344CB8AC3E}">
+        <p14:creationId xmlns:p14="http://schemas.microsoft.com/office/powerpoint/2010/main" val="3134251936"/>
+      </p:ext>
+    </p:extLst>
+  </p:cSld>
+  <p:clrMapOvr>
+    <a:masterClrMapping/>
+  </p:clrMapOvr>
+</p:sld>
+</file>
+
+<file path=ppt/slides/slide6.xml><?xml version="1.0" encoding="utf-8"?>
+<p:sld xmlns:a="http://schemas.openxmlformats.org/drawingml/2006/main" xmlns:r="http://schemas.openxmlformats.org/officeDocument/2006/relationships" xmlns:p="http://schemas.openxmlformats.org/presentationml/2006/main">
+  <p:cSld>
+    <p:spTree>
+      <p:nvGrpSpPr>
+        <p:cNvPr id="1" name=""/>
+        <p:cNvGrpSpPr/>
+        <p:nvPr/>
+      </p:nvGrpSpPr>
+      <p:grpSpPr>
+        <a:xfrm>
+          <a:off x="0" y="0"/>
+          <a:ext cx="0" cy="0"/>
+          <a:chOff x="0" y="0"/>
+          <a:chExt cx="0" cy="0"/>
+        </a:xfrm>
+      </p:grpSpPr>
+      <p:sp>
+        <p:nvSpPr>
+          <p:cNvPr id="2" name="Title 1">
+            <a:extLst>
+              <a:ext uri="{FF2B5EF4-FFF2-40B4-BE49-F238E27FC236}">
+                <a16:creationId xmlns:a16="http://schemas.microsoft.com/office/drawing/2014/main" id="{84979102-6228-4CAF-9D11-7049C10CA38B}"/>
+              </a:ext>
+            </a:extLst>
+          </p:cNvPr>
+          <p:cNvSpPr>
+            <a:spLocks noGrp="1"/>
+          </p:cNvSpPr>
+          <p:nvPr>
+            <p:ph type="title"/>
+          </p:nvPr>
+        </p:nvSpPr>
+        <p:spPr>
+          <a:xfrm>
+            <a:off x="1097280" y="239469"/>
+            <a:ext cx="10058400" cy="1450757"/>
+          </a:xfrm>
+        </p:spPr>
+        <p:txBody>
+          <a:bodyPr/>
+          <a:lstStyle/>
+          <a:p>
+            <a:pPr algn="ctr"/>
+            <a:r>
+              <a:rPr lang="en-US" b="1" dirty="0"/>
+              <a:t>BV Studios</a:t>
+            </a:r>
+          </a:p>
+        </p:txBody>
+      </p:sp>
       <p:pic>
         <p:nvPicPr>
-          <p:cNvPr id="2052" name="Picture 4">
+          <p:cNvPr id="6146" name="Picture 2">
             <a:extLst>
               <a:ext uri="{FF2B5EF4-FFF2-40B4-BE49-F238E27FC236}">
-                <a16:creationId xmlns:a16="http://schemas.microsoft.com/office/drawing/2014/main" id="{199AE8E3-59F2-42BB-9ABD-DA3B4AD1B5CE}"/>
+                <a16:creationId xmlns:a16="http://schemas.microsoft.com/office/drawing/2014/main" id="{DD2D260A-02D6-42D0-88B9-33F3870FDC81}"/>
               </a:ext>
             </a:extLst>
           </p:cNvPr>
@@ -8668,7 +4638,7 @@
           <p:nvPr/>
         </p:nvPicPr>
         <p:blipFill>
-          <a:blip r:embed="rId3">
+          <a:blip r:embed="rId2">
             <a:extLst>
               <a:ext uri="{28A0092B-C50C-407E-A947-70E740481C1C}">
                 <a14:useLocalDpi xmlns:a14="http://schemas.microsoft.com/office/drawing/2010/main" val="0"/>
@@ -8682,8 +4652,8 @@
         </p:blipFill>
         <p:spPr bwMode="auto">
           <a:xfrm>
-            <a:off x="5992305" y="2132737"/>
-            <a:ext cx="5544721" cy="3419651"/>
+            <a:off x="267721" y="2027862"/>
+            <a:ext cx="7320441" cy="3787358"/>
           </a:xfrm>
           <a:prstGeom prst="rect">
             <a:avLst/>
@@ -8700,10 +4670,594 @@
           </a:extLst>
         </p:spPr>
       </p:pic>
+      <p:sp>
+        <p:nvSpPr>
+          <p:cNvPr id="3" name="Rectangle 1">
+            <a:extLst>
+              <a:ext uri="{FF2B5EF4-FFF2-40B4-BE49-F238E27FC236}">
+                <a16:creationId xmlns:a16="http://schemas.microsoft.com/office/drawing/2014/main" id="{956E1DDE-98DA-4151-AC8F-EA07A7B545E9}"/>
+              </a:ext>
+            </a:extLst>
+          </p:cNvPr>
+          <p:cNvSpPr>
+            <a:spLocks noChangeArrowheads="1"/>
+          </p:cNvSpPr>
+          <p:nvPr/>
+        </p:nvSpPr>
+        <p:spPr bwMode="auto">
+          <a:xfrm>
+            <a:off x="7654150" y="2767279"/>
+            <a:ext cx="4381328" cy="1323439"/>
+          </a:xfrm>
+          <a:prstGeom prst="rect">
+            <a:avLst/>
+          </a:prstGeom>
+          <a:noFill/>
+          <a:ln>
+            <a:noFill/>
+          </a:ln>
+          <a:effectLst/>
+          <a:extLst>
+            <a:ext uri="{909E8E84-426E-40DD-AFC4-6F175D3DCCD1}">
+              <a14:hiddenFill xmlns:a14="http://schemas.microsoft.com/office/drawing/2010/main">
+                <a:solidFill>
+                  <a:schemeClr val="accent1"/>
+                </a:solidFill>
+              </a14:hiddenFill>
+            </a:ext>
+            <a:ext uri="{91240B29-F687-4F45-9708-019B960494DF}">
+              <a14:hiddenLine xmlns:a14="http://schemas.microsoft.com/office/drawing/2010/main" w="9525">
+                <a:solidFill>
+                  <a:schemeClr val="tx1"/>
+                </a:solidFill>
+                <a:miter lim="800000"/>
+                <a:headEnd/>
+                <a:tailEnd/>
+              </a14:hiddenLine>
+            </a:ext>
+            <a:ext uri="{AF507438-7753-43E0-B8FC-AC1667EBCBE1}">
+              <a14:hiddenEffects xmlns:a14="http://schemas.microsoft.com/office/drawing/2010/main">
+                <a:effectLst>
+                  <a:outerShdw dist="35921" dir="2700000" algn="ctr" rotWithShape="0">
+                    <a:schemeClr val="bg2"/>
+                  </a:outerShdw>
+                </a:effectLst>
+              </a14:hiddenEffects>
+            </a:ext>
+          </a:extLst>
+        </p:spPr>
+        <p:txBody>
+          <a:bodyPr vert="horz" wrap="none" lIns="91440" tIns="45720" rIns="91440" bIns="45720" numCol="1" anchor="ctr" anchorCtr="0" compatLnSpc="1">
+            <a:prstTxWarp prst="textNoShape">
+              <a:avLst/>
+            </a:prstTxWarp>
+            <a:spAutoFit/>
+          </a:bodyPr>
+          <a:lstStyle/>
+          <a:p>
+            <a:pPr marL="0" marR="0" lvl="0" indent="0" algn="l" defTabSz="914400" rtl="0" eaLnBrk="0" fontAlgn="base" latinLnBrk="0" hangingPunct="0">
+              <a:lnSpc>
+                <a:spcPct val="100000"/>
+              </a:lnSpc>
+              <a:spcBef>
+                <a:spcPct val="0"/>
+              </a:spcBef>
+              <a:spcAft>
+                <a:spcPct val="0"/>
+              </a:spcAft>
+              <a:buClrTx/>
+              <a:buSzTx/>
+              <a:buFontTx/>
+              <a:buNone/>
+              <a:tabLst/>
+            </a:pPr>
+            <a:r>
+              <a:rPr kumimoji="0" lang="en-US" altLang="en-US" sz="1600" b="0" i="0" u="none" strike="noStrike" cap="none" normalizeH="0" baseline="0" dirty="0">
+                <a:ln>
+                  <a:noFill/>
+                </a:ln>
+                <a:solidFill>
+                  <a:schemeClr val="tx1"/>
+                </a:solidFill>
+                <a:effectLst/>
+                <a:latin typeface="Arial Unicode MS"/>
+              </a:rPr>
+              <a:t>Black Panther:                 	  $700,100,000 </a:t>
+            </a:r>
+            <a:endParaRPr kumimoji="0" lang="en-US" altLang="en-US" sz="1600" b="0" i="0" u="none" strike="noStrike" cap="none" normalizeH="0" baseline="0" dirty="0">
+              <a:ln>
+                <a:noFill/>
+              </a:ln>
+              <a:solidFill>
+                <a:schemeClr val="tx1"/>
+              </a:solidFill>
+              <a:effectLst/>
+            </a:endParaRPr>
+          </a:p>
+          <a:p>
+            <a:pPr marL="0" marR="0" lvl="0" indent="0" algn="l" defTabSz="914400" rtl="0" eaLnBrk="0" fontAlgn="base" latinLnBrk="0" hangingPunct="0">
+              <a:lnSpc>
+                <a:spcPct val="100000"/>
+              </a:lnSpc>
+              <a:spcBef>
+                <a:spcPct val="0"/>
+              </a:spcBef>
+              <a:spcAft>
+                <a:spcPct val="0"/>
+              </a:spcAft>
+              <a:buClrTx/>
+              <a:buSzTx/>
+              <a:buFontTx/>
+              <a:buNone/>
+              <a:tabLst/>
+            </a:pPr>
+            <a:r>
+              <a:rPr kumimoji="0" lang="en-US" altLang="en-US" sz="1600" b="0" i="0" u="none" strike="noStrike" cap="none" normalizeH="0" baseline="0" dirty="0">
+                <a:ln>
+                  <a:noFill/>
+                </a:ln>
+                <a:solidFill>
+                  <a:schemeClr val="tx1"/>
+                </a:solidFill>
+                <a:effectLst/>
+                <a:latin typeface="Arial" panose="020B0604020202020204" pitchFamily="34" charset="0"/>
+              </a:rPr>
+              <a:t>Avengers: Infinity War:     	  $678,800,000 </a:t>
+            </a:r>
+          </a:p>
+          <a:p>
+            <a:pPr marL="0" marR="0" lvl="0" indent="0" algn="l" defTabSz="914400" rtl="0" eaLnBrk="0" fontAlgn="base" latinLnBrk="0" hangingPunct="0">
+              <a:lnSpc>
+                <a:spcPct val="100000"/>
+              </a:lnSpc>
+              <a:spcBef>
+                <a:spcPct val="0"/>
+              </a:spcBef>
+              <a:spcAft>
+                <a:spcPct val="0"/>
+              </a:spcAft>
+              <a:buClrTx/>
+              <a:buSzTx/>
+              <a:buFontTx/>
+              <a:buNone/>
+              <a:tabLst/>
+            </a:pPr>
+            <a:r>
+              <a:rPr kumimoji="0" lang="en-US" altLang="en-US" sz="1600" b="0" i="0" u="none" strike="noStrike" cap="none" normalizeH="0" baseline="0" dirty="0">
+                <a:ln>
+                  <a:noFill/>
+                </a:ln>
+                <a:solidFill>
+                  <a:schemeClr val="tx1"/>
+                </a:solidFill>
+                <a:effectLst/>
+                <a:latin typeface="Arial" panose="020B0604020202020204" pitchFamily="34" charset="0"/>
+              </a:rPr>
+              <a:t>Star Wars: The Last Jedi:	  $620,200,000 </a:t>
+            </a:r>
+          </a:p>
+          <a:p>
+            <a:pPr marL="0" marR="0" lvl="0" indent="0" algn="l" defTabSz="914400" rtl="0" eaLnBrk="0" fontAlgn="base" latinLnBrk="0" hangingPunct="0">
+              <a:lnSpc>
+                <a:spcPct val="100000"/>
+              </a:lnSpc>
+              <a:spcBef>
+                <a:spcPct val="0"/>
+              </a:spcBef>
+              <a:spcAft>
+                <a:spcPct val="0"/>
+              </a:spcAft>
+              <a:buClrTx/>
+              <a:buSzTx/>
+              <a:buFontTx/>
+              <a:buNone/>
+              <a:tabLst/>
+            </a:pPr>
+            <a:r>
+              <a:rPr kumimoji="0" lang="en-US" altLang="en-US" sz="1600" b="0" i="0" u="none" strike="noStrike" cap="none" normalizeH="0" baseline="0" dirty="0">
+                <a:ln>
+                  <a:noFill/>
+                </a:ln>
+                <a:solidFill>
+                  <a:schemeClr val="tx1"/>
+                </a:solidFill>
+                <a:effectLst/>
+                <a:latin typeface="Arial" panose="020B0604020202020204" pitchFamily="34" charset="0"/>
+              </a:rPr>
+              <a:t>Incredibles 2:                   	  $608,600,000 </a:t>
+            </a:r>
+          </a:p>
+          <a:p>
+            <a:pPr marL="0" marR="0" lvl="0" indent="0" algn="l" defTabSz="914400" rtl="0" eaLnBrk="0" fontAlgn="base" latinLnBrk="0" hangingPunct="0">
+              <a:lnSpc>
+                <a:spcPct val="100000"/>
+              </a:lnSpc>
+              <a:spcBef>
+                <a:spcPct val="0"/>
+              </a:spcBef>
+              <a:spcAft>
+                <a:spcPct val="0"/>
+              </a:spcAft>
+              <a:buClrTx/>
+              <a:buSzTx/>
+              <a:buFontTx/>
+              <a:buNone/>
+              <a:tabLst/>
+            </a:pPr>
+            <a:r>
+              <a:rPr kumimoji="0" lang="en-US" altLang="en-US" sz="1600" b="0" i="0" u="none" strike="noStrike" cap="none" normalizeH="0" baseline="0" dirty="0">
+                <a:ln>
+                  <a:noFill/>
+                </a:ln>
+                <a:solidFill>
+                  <a:schemeClr val="tx1"/>
+                </a:solidFill>
+                <a:effectLst/>
+                <a:latin typeface="Arial" panose="020B0604020202020204" pitchFamily="34" charset="0"/>
+              </a:rPr>
+              <a:t>Rogue One: A Star Wars Story: $532,200,000</a:t>
+            </a:r>
+          </a:p>
+        </p:txBody>
+      </p:sp>
     </p:spTree>
     <p:extLst>
       <p:ext uri="{BB962C8B-B14F-4D97-AF65-F5344CB8AC3E}">
-        <p14:creationId xmlns:p14="http://schemas.microsoft.com/office/powerpoint/2010/main" val="2320162363"/>
+        <p14:creationId xmlns:p14="http://schemas.microsoft.com/office/powerpoint/2010/main" val="1828973303"/>
+      </p:ext>
+    </p:extLst>
+  </p:cSld>
+  <p:clrMapOvr>
+    <a:masterClrMapping/>
+  </p:clrMapOvr>
+</p:sld>
+</file>
+
+<file path=ppt/slides/slide7.xml><?xml version="1.0" encoding="utf-8"?>
+<p:sld xmlns:a="http://schemas.openxmlformats.org/drawingml/2006/main" xmlns:r="http://schemas.openxmlformats.org/officeDocument/2006/relationships" xmlns:p="http://schemas.openxmlformats.org/presentationml/2006/main">
+  <p:cSld>
+    <p:spTree>
+      <p:nvGrpSpPr>
+        <p:cNvPr id="1" name=""/>
+        <p:cNvGrpSpPr/>
+        <p:nvPr/>
+      </p:nvGrpSpPr>
+      <p:grpSpPr>
+        <a:xfrm>
+          <a:off x="0" y="0"/>
+          <a:ext cx="0" cy="0"/>
+          <a:chOff x="0" y="0"/>
+          <a:chExt cx="0" cy="0"/>
+        </a:xfrm>
+      </p:grpSpPr>
+      <p:sp>
+        <p:nvSpPr>
+          <p:cNvPr id="2" name="Title 1">
+            <a:extLst>
+              <a:ext uri="{FF2B5EF4-FFF2-40B4-BE49-F238E27FC236}">
+                <a16:creationId xmlns:a16="http://schemas.microsoft.com/office/drawing/2014/main" id="{84979102-6228-4CAF-9D11-7049C10CA38B}"/>
+              </a:ext>
+            </a:extLst>
+          </p:cNvPr>
+          <p:cNvSpPr>
+            <a:spLocks noGrp="1"/>
+          </p:cNvSpPr>
+          <p:nvPr>
+            <p:ph type="title"/>
+          </p:nvPr>
+        </p:nvSpPr>
+        <p:spPr>
+          <a:xfrm>
+            <a:off x="1097280" y="239469"/>
+            <a:ext cx="10058400" cy="1450757"/>
+          </a:xfrm>
+        </p:spPr>
+        <p:txBody>
+          <a:bodyPr/>
+          <a:lstStyle/>
+          <a:p>
+            <a:pPr algn="ctr"/>
+            <a:r>
+              <a:rPr lang="en-US" b="1" dirty="0"/>
+              <a:t>WB Studios</a:t>
+            </a:r>
+          </a:p>
+        </p:txBody>
+      </p:sp>
+      <p:pic>
+        <p:nvPicPr>
+          <p:cNvPr id="7170" name="Picture 2">
+            <a:extLst>
+              <a:ext uri="{FF2B5EF4-FFF2-40B4-BE49-F238E27FC236}">
+                <a16:creationId xmlns:a16="http://schemas.microsoft.com/office/drawing/2014/main" id="{D6DB7479-9596-4062-B18F-4EB878C14E01}"/>
+              </a:ext>
+            </a:extLst>
+          </p:cNvPr>
+          <p:cNvPicPr>
+            <a:picLocks noChangeAspect="1" noChangeArrowheads="1"/>
+          </p:cNvPicPr>
+          <p:nvPr/>
+        </p:nvPicPr>
+        <p:blipFill>
+          <a:blip r:embed="rId2">
+            <a:extLst>
+              <a:ext uri="{28A0092B-C50C-407E-A947-70E740481C1C}">
+                <a14:useLocalDpi xmlns:a14="http://schemas.microsoft.com/office/drawing/2010/main" val="0"/>
+              </a:ext>
+            </a:extLst>
+          </a:blip>
+          <a:srcRect/>
+          <a:stretch>
+            <a:fillRect/>
+          </a:stretch>
+        </p:blipFill>
+        <p:spPr bwMode="auto">
+          <a:xfrm>
+            <a:off x="202131" y="2014780"/>
+            <a:ext cx="6819802" cy="3595607"/>
+          </a:xfrm>
+          <a:prstGeom prst="rect">
+            <a:avLst/>
+          </a:prstGeom>
+          <a:noFill/>
+          <a:extLst>
+            <a:ext uri="{909E8E84-426E-40DD-AFC4-6F175D3DCCD1}">
+              <a14:hiddenFill xmlns:a14="http://schemas.microsoft.com/office/drawing/2010/main">
+                <a:solidFill>
+                  <a:srgbClr val="FFFFFF"/>
+                </a:solidFill>
+              </a14:hiddenFill>
+            </a:ext>
+          </a:extLst>
+        </p:spPr>
+      </p:pic>
+      <p:sp>
+        <p:nvSpPr>
+          <p:cNvPr id="4" name="Rectangle 2">
+            <a:extLst>
+              <a:ext uri="{FF2B5EF4-FFF2-40B4-BE49-F238E27FC236}">
+                <a16:creationId xmlns:a16="http://schemas.microsoft.com/office/drawing/2014/main" id="{A72F21CA-DE86-4C1E-BD49-66A299DB0606}"/>
+              </a:ext>
+            </a:extLst>
+          </p:cNvPr>
+          <p:cNvSpPr>
+            <a:spLocks noChangeArrowheads="1"/>
+          </p:cNvSpPr>
+          <p:nvPr/>
+        </p:nvSpPr>
+        <p:spPr bwMode="auto">
+          <a:xfrm>
+            <a:off x="7021933" y="2847409"/>
+            <a:ext cx="5046574" cy="1323439"/>
+          </a:xfrm>
+          <a:prstGeom prst="rect">
+            <a:avLst/>
+          </a:prstGeom>
+          <a:noFill/>
+          <a:ln>
+            <a:noFill/>
+          </a:ln>
+          <a:effectLst/>
+          <a:extLst>
+            <a:ext uri="{909E8E84-426E-40DD-AFC4-6F175D3DCCD1}">
+              <a14:hiddenFill xmlns:a14="http://schemas.microsoft.com/office/drawing/2010/main">
+                <a:solidFill>
+                  <a:schemeClr val="accent1"/>
+                </a:solidFill>
+              </a14:hiddenFill>
+            </a:ext>
+            <a:ext uri="{91240B29-F687-4F45-9708-019B960494DF}">
+              <a14:hiddenLine xmlns:a14="http://schemas.microsoft.com/office/drawing/2010/main" w="9525">
+                <a:solidFill>
+                  <a:schemeClr val="tx1"/>
+                </a:solidFill>
+                <a:miter lim="800000"/>
+                <a:headEnd/>
+                <a:tailEnd/>
+              </a14:hiddenLine>
+            </a:ext>
+            <a:ext uri="{AF507438-7753-43E0-B8FC-AC1667EBCBE1}">
+              <a14:hiddenEffects xmlns:a14="http://schemas.microsoft.com/office/drawing/2010/main">
+                <a:effectLst>
+                  <a:outerShdw dist="35921" dir="2700000" algn="ctr" rotWithShape="0">
+                    <a:schemeClr val="bg2"/>
+                  </a:outerShdw>
+                </a:effectLst>
+              </a14:hiddenEffects>
+            </a:ext>
+          </a:extLst>
+        </p:spPr>
+        <p:txBody>
+          <a:bodyPr vert="horz" wrap="none" lIns="91440" tIns="45720" rIns="91440" bIns="45720" numCol="1" anchor="ctr" anchorCtr="0" compatLnSpc="1">
+            <a:prstTxWarp prst="textNoShape">
+              <a:avLst/>
+            </a:prstTxWarp>
+            <a:spAutoFit/>
+          </a:bodyPr>
+          <a:lstStyle/>
+          <a:p>
+            <a:pPr marL="0" marR="0" lvl="0" indent="0" algn="l" defTabSz="914400" rtl="0" eaLnBrk="0" fontAlgn="base" latinLnBrk="0" hangingPunct="0">
+              <a:lnSpc>
+                <a:spcPct val="100000"/>
+              </a:lnSpc>
+              <a:spcBef>
+                <a:spcPct val="0"/>
+              </a:spcBef>
+              <a:spcAft>
+                <a:spcPct val="0"/>
+              </a:spcAft>
+              <a:buClrTx/>
+              <a:buSzTx/>
+              <a:buFontTx/>
+              <a:buNone/>
+              <a:tabLst/>
+            </a:pPr>
+            <a:r>
+              <a:rPr kumimoji="0" lang="en-US" altLang="en-US" sz="1600" b="0" i="0" u="none" strike="noStrike" cap="none" normalizeH="0" baseline="0" dirty="0">
+                <a:ln>
+                  <a:noFill/>
+                </a:ln>
+                <a:solidFill>
+                  <a:schemeClr val="tx1"/>
+                </a:solidFill>
+                <a:effectLst/>
+                <a:latin typeface="Arial Unicode MS"/>
+              </a:rPr>
+              <a:t>The Dark Knight Rises:                         $448,100,000 </a:t>
+            </a:r>
+            <a:endParaRPr kumimoji="0" lang="en-US" altLang="en-US" sz="1600" b="0" i="0" u="none" strike="noStrike" cap="none" normalizeH="0" baseline="0" dirty="0">
+              <a:ln>
+                <a:noFill/>
+              </a:ln>
+              <a:solidFill>
+                <a:schemeClr val="tx1"/>
+              </a:solidFill>
+              <a:effectLst/>
+            </a:endParaRPr>
+          </a:p>
+          <a:p>
+            <a:pPr marL="0" marR="0" lvl="0" indent="0" algn="l" defTabSz="914400" rtl="0" eaLnBrk="0" fontAlgn="base" latinLnBrk="0" hangingPunct="0">
+              <a:lnSpc>
+                <a:spcPct val="100000"/>
+              </a:lnSpc>
+              <a:spcBef>
+                <a:spcPct val="0"/>
+              </a:spcBef>
+              <a:spcAft>
+                <a:spcPct val="0"/>
+              </a:spcAft>
+              <a:buClrTx/>
+              <a:buSzTx/>
+              <a:buFontTx/>
+              <a:buNone/>
+              <a:tabLst/>
+            </a:pPr>
+            <a:r>
+              <a:rPr kumimoji="0" lang="en-US" altLang="en-US" sz="1600" b="0" i="0" u="none" strike="noStrike" cap="none" normalizeH="0" baseline="0" dirty="0">
+                <a:ln>
+                  <a:noFill/>
+                </a:ln>
+                <a:solidFill>
+                  <a:schemeClr val="tx1"/>
+                </a:solidFill>
+                <a:effectLst/>
+                <a:latin typeface="Arial" panose="020B0604020202020204" pitchFamily="34" charset="0"/>
+              </a:rPr>
+              <a:t>Wonder Woman:                                   $412,600,000 </a:t>
+            </a:r>
+          </a:p>
+          <a:p>
+            <a:pPr marL="0" marR="0" lvl="0" indent="0" algn="l" defTabSz="914400" rtl="0" eaLnBrk="0" fontAlgn="base" latinLnBrk="0" hangingPunct="0">
+              <a:lnSpc>
+                <a:spcPct val="100000"/>
+              </a:lnSpc>
+              <a:spcBef>
+                <a:spcPct val="0"/>
+              </a:spcBef>
+              <a:spcAft>
+                <a:spcPct val="0"/>
+              </a:spcAft>
+              <a:buClrTx/>
+              <a:buSzTx/>
+              <a:buFontTx/>
+              <a:buNone/>
+              <a:tabLst/>
+            </a:pPr>
+            <a:r>
+              <a:rPr kumimoji="0" lang="en-US" altLang="en-US" sz="1600" b="0" i="0" u="none" strike="noStrike" cap="none" normalizeH="0" baseline="0" dirty="0">
+                <a:ln>
+                  <a:noFill/>
+                </a:ln>
+                <a:solidFill>
+                  <a:schemeClr val="tx1"/>
+                </a:solidFill>
+                <a:effectLst/>
+                <a:latin typeface="Arial" panose="020B0604020202020204" pitchFamily="34" charset="0"/>
+              </a:rPr>
+              <a:t>American Sniper:                                   $350,100,000 </a:t>
+            </a:r>
+          </a:p>
+          <a:p>
+            <a:pPr marL="0" marR="0" lvl="0" indent="0" algn="l" defTabSz="914400" rtl="0" eaLnBrk="0" fontAlgn="base" latinLnBrk="0" hangingPunct="0">
+              <a:lnSpc>
+                <a:spcPct val="100000"/>
+              </a:lnSpc>
+              <a:spcBef>
+                <a:spcPct val="0"/>
+              </a:spcBef>
+              <a:spcAft>
+                <a:spcPct val="0"/>
+              </a:spcAft>
+              <a:buClrTx/>
+              <a:buSzTx/>
+              <a:buFontTx/>
+              <a:buNone/>
+              <a:tabLst/>
+            </a:pPr>
+            <a:r>
+              <a:rPr kumimoji="0" lang="en-US" altLang="en-US" sz="1600" b="0" i="0" u="none" strike="noStrike" cap="none" normalizeH="0" baseline="0" dirty="0" err="1">
+                <a:ln>
+                  <a:noFill/>
+                </a:ln>
+                <a:solidFill>
+                  <a:schemeClr val="tx1"/>
+                </a:solidFill>
+                <a:effectLst/>
+                <a:latin typeface="Arial" panose="020B0604020202020204" pitchFamily="34" charset="0"/>
+              </a:rPr>
+              <a:t>Aquaman</a:t>
+            </a:r>
+            <a:r>
+              <a:rPr kumimoji="0" lang="en-US" altLang="en-US" sz="1600" b="0" i="0" u="none" strike="noStrike" cap="none" normalizeH="0" baseline="0" dirty="0">
+                <a:ln>
+                  <a:noFill/>
+                </a:ln>
+                <a:solidFill>
+                  <a:schemeClr val="tx1"/>
+                </a:solidFill>
+                <a:effectLst/>
+                <a:latin typeface="Arial" panose="020B0604020202020204" pitchFamily="34" charset="0"/>
+              </a:rPr>
+              <a:t>:                                              $335,100,000 </a:t>
+            </a:r>
+          </a:p>
+          <a:p>
+            <a:pPr marL="0" marR="0" lvl="0" indent="0" algn="l" defTabSz="914400" rtl="0" eaLnBrk="0" fontAlgn="base" latinLnBrk="0" hangingPunct="0">
+              <a:lnSpc>
+                <a:spcPct val="100000"/>
+              </a:lnSpc>
+              <a:spcBef>
+                <a:spcPct val="0"/>
+              </a:spcBef>
+              <a:spcAft>
+                <a:spcPct val="0"/>
+              </a:spcAft>
+              <a:buClrTx/>
+              <a:buSzTx/>
+              <a:buFontTx/>
+              <a:buNone/>
+              <a:tabLst/>
+            </a:pPr>
+            <a:r>
+              <a:rPr kumimoji="0" lang="en-US" altLang="en-US" sz="1600" b="0" i="0" u="none" strike="noStrike" cap="none" normalizeH="0" baseline="0" dirty="0">
+                <a:ln>
+                  <a:noFill/>
+                </a:ln>
+                <a:solidFill>
+                  <a:schemeClr val="tx1"/>
+                </a:solidFill>
+                <a:effectLst/>
+                <a:latin typeface="Arial" panose="020B0604020202020204" pitchFamily="34" charset="0"/>
+              </a:rPr>
+              <a:t>Batman v Superman: Dawn of Justice: $330,400,000</a:t>
+            </a:r>
+          </a:p>
+        </p:txBody>
+      </p:sp>
+    </p:spTree>
+    <p:extLst>
+      <p:ext uri="{BB962C8B-B14F-4D97-AF65-F5344CB8AC3E}">
+        <p14:creationId xmlns:p14="http://schemas.microsoft.com/office/powerpoint/2010/main" val="286074986"/>
       </p:ext>
     </p:extLst>
   </p:cSld>
@@ -8746,7 +5300,12 @@
             <p:ph type="title"/>
           </p:nvPr>
         </p:nvSpPr>
-        <p:spPr/>
+        <p:spPr>
+          <a:xfrm>
+            <a:off x="1097280" y="239469"/>
+            <a:ext cx="10058400" cy="1450757"/>
+          </a:xfrm>
+        </p:spPr>
         <p:txBody>
           <a:bodyPr/>
           <a:lstStyle/>
@@ -8754,17 +5313,25 @@
             <a:pPr algn="ctr"/>
             <a:r>
               <a:rPr lang="en-US" b="1" dirty="0"/>
-              <a:t>Results</a:t>
+              <a:t>Paramount/</a:t>
+            </a:r>
+            <a:r>
+              <a:rPr lang="en-US" b="1" dirty="0" err="1"/>
+              <a:t>Dreamworks</a:t>
+            </a:r>
+            <a:r>
+              <a:rPr lang="en-US" b="1" dirty="0"/>
+              <a:t> Studios</a:t>
             </a:r>
           </a:p>
         </p:txBody>
       </p:sp>
       <p:pic>
         <p:nvPicPr>
-          <p:cNvPr id="3076" name="Picture 4">
+          <p:cNvPr id="8194" name="Picture 2">
             <a:extLst>
               <a:ext uri="{FF2B5EF4-FFF2-40B4-BE49-F238E27FC236}">
-                <a16:creationId xmlns:a16="http://schemas.microsoft.com/office/drawing/2014/main" id="{E68845BF-763F-4AC4-9B22-7C291B29A6F7}"/>
+                <a16:creationId xmlns:a16="http://schemas.microsoft.com/office/drawing/2014/main" id="{357026D9-D720-46E6-AB7D-19906E416D82}"/>
               </a:ext>
             </a:extLst>
           </p:cNvPr>
@@ -8788,8 +5355,8 @@
         </p:blipFill>
         <p:spPr bwMode="auto">
           <a:xfrm>
-            <a:off x="1097280" y="2382443"/>
-            <a:ext cx="4531877" cy="2981408"/>
+            <a:off x="116893" y="1936649"/>
+            <a:ext cx="6933071" cy="3660911"/>
           </a:xfrm>
           <a:prstGeom prst="rect">
             <a:avLst/>
@@ -8806,57 +5373,203 @@
           </a:extLst>
         </p:spPr>
       </p:pic>
-      <p:pic>
-        <p:nvPicPr>
-          <p:cNvPr id="3080" name="Picture 8">
+      <p:sp>
+        <p:nvSpPr>
+          <p:cNvPr id="5" name="TextBox 4">
             <a:extLst>
               <a:ext uri="{FF2B5EF4-FFF2-40B4-BE49-F238E27FC236}">
-                <a16:creationId xmlns:a16="http://schemas.microsoft.com/office/drawing/2014/main" id="{449DC7E5-1761-4091-B33D-C185CCFAD189}"/>
+                <a16:creationId xmlns:a16="http://schemas.microsoft.com/office/drawing/2014/main" id="{3555B951-67EB-4685-8B61-177BC7DCE156}"/>
               </a:ext>
             </a:extLst>
           </p:cNvPr>
-          <p:cNvPicPr>
-            <a:picLocks noChangeAspect="1" noChangeArrowheads="1"/>
-          </p:cNvPicPr>
+          <p:cNvSpPr txBox="1"/>
           <p:nvPr/>
-        </p:nvPicPr>
-        <p:blipFill>
-          <a:blip r:embed="rId3">
-            <a:extLst>
-              <a:ext uri="{28A0092B-C50C-407E-A947-70E740481C1C}">
-                <a14:useLocalDpi xmlns:a14="http://schemas.microsoft.com/office/drawing/2010/main" val="0"/>
-              </a:ext>
-            </a:extLst>
-          </a:blip>
-          <a:srcRect/>
-          <a:stretch>
-            <a:fillRect/>
-          </a:stretch>
-        </p:blipFill>
-        <p:spPr bwMode="auto">
+        </p:nvSpPr>
+        <p:spPr>
           <a:xfrm>
-            <a:off x="6096000" y="2382443"/>
-            <a:ext cx="5172075" cy="2981408"/>
+            <a:off x="7049964" y="2287339"/>
+            <a:ext cx="6094428" cy="1323439"/>
           </a:xfrm>
           <a:prstGeom prst="rect">
             <a:avLst/>
           </a:prstGeom>
           <a:noFill/>
-          <a:extLst>
-            <a:ext uri="{909E8E84-426E-40DD-AFC4-6F175D3DCCD1}">
-              <a14:hiddenFill xmlns:a14="http://schemas.microsoft.com/office/drawing/2010/main">
+        </p:spPr>
+        <p:txBody>
+          <a:bodyPr wrap="square">
+            <a:spAutoFit/>
+          </a:bodyPr>
+          <a:lstStyle/>
+          <a:p>
+            <a:pPr marL="0" marR="0" lvl="0" indent="0" algn="l" defTabSz="914400" rtl="0" eaLnBrk="0" fontAlgn="base" latinLnBrk="0" hangingPunct="0">
+              <a:lnSpc>
+                <a:spcPct val="100000"/>
+              </a:lnSpc>
+              <a:spcBef>
+                <a:spcPct val="0"/>
+              </a:spcBef>
+              <a:spcAft>
+                <a:spcPct val="0"/>
+              </a:spcAft>
+              <a:buClrTx/>
+              <a:buSzTx/>
+              <a:buFontTx/>
+              <a:buNone/>
+              <a:tabLst/>
+            </a:pPr>
+            <a:r>
+              <a:rPr kumimoji="0" lang="en-US" altLang="en-US" sz="1600" b="0" i="0" u="none" strike="noStrike" cap="none" normalizeH="0" baseline="0" dirty="0">
+                <a:ln>
+                  <a:noFill/>
+                </a:ln>
                 <a:solidFill>
-                  <a:srgbClr val="FFFFFF"/>
+                  <a:schemeClr val="tx1"/>
                 </a:solidFill>
-              </a14:hiddenFill>
-            </a:ext>
-          </a:extLst>
-        </p:spPr>
-      </p:pic>
+                <a:effectLst/>
+                <a:latin typeface="Arial Unicode MS"/>
+              </a:rPr>
+              <a:t>Transformers: Dark of the Moon:           $352,400,000 </a:t>
+            </a:r>
+            <a:endParaRPr kumimoji="0" lang="en-US" altLang="en-US" sz="1600" b="0" i="0" u="none" strike="noStrike" cap="none" normalizeH="0" baseline="0" dirty="0">
+              <a:ln>
+                <a:noFill/>
+              </a:ln>
+              <a:solidFill>
+                <a:schemeClr val="tx1"/>
+              </a:solidFill>
+              <a:effectLst/>
+            </a:endParaRPr>
+          </a:p>
+          <a:p>
+            <a:pPr marL="0" marR="0" lvl="0" indent="0" algn="l" defTabSz="914400" rtl="0" eaLnBrk="0" fontAlgn="base" latinLnBrk="0" hangingPunct="0">
+              <a:lnSpc>
+                <a:spcPct val="100000"/>
+              </a:lnSpc>
+              <a:spcBef>
+                <a:spcPct val="0"/>
+              </a:spcBef>
+              <a:spcAft>
+                <a:spcPct val="0"/>
+              </a:spcAft>
+              <a:buClrTx/>
+              <a:buSzTx/>
+              <a:buFontTx/>
+              <a:buNone/>
+              <a:tabLst/>
+            </a:pPr>
+            <a:r>
+              <a:rPr kumimoji="0" lang="en-US" altLang="en-US" sz="1600" b="0" i="0" u="none" strike="noStrike" cap="none" normalizeH="0" baseline="0" dirty="0">
+                <a:ln>
+                  <a:noFill/>
+                </a:ln>
+                <a:solidFill>
+                  <a:schemeClr val="tx1"/>
+                </a:solidFill>
+                <a:effectLst/>
+                <a:latin typeface="Arial" panose="020B0604020202020204" pitchFamily="34" charset="0"/>
+              </a:rPr>
+              <a:t>Shrek Forever After:                               $238,700,000 </a:t>
+            </a:r>
+          </a:p>
+          <a:p>
+            <a:pPr marL="0" marR="0" lvl="0" indent="0" algn="l" defTabSz="914400" rtl="0" eaLnBrk="0" fontAlgn="base" latinLnBrk="0" hangingPunct="0">
+              <a:lnSpc>
+                <a:spcPct val="100000"/>
+              </a:lnSpc>
+              <a:spcBef>
+                <a:spcPct val="0"/>
+              </a:spcBef>
+              <a:spcAft>
+                <a:spcPct val="0"/>
+              </a:spcAft>
+              <a:buClrTx/>
+              <a:buSzTx/>
+              <a:buFontTx/>
+              <a:buNone/>
+              <a:tabLst/>
+            </a:pPr>
+            <a:r>
+              <a:rPr kumimoji="0" lang="en-US" altLang="en-US" sz="1600" b="0" i="0" u="none" strike="noStrike" cap="none" normalizeH="0" baseline="0" dirty="0">
+                <a:ln>
+                  <a:noFill/>
+                </a:ln>
+                <a:solidFill>
+                  <a:schemeClr val="tx1"/>
+                </a:solidFill>
+                <a:effectLst/>
+                <a:latin typeface="Arial" panose="020B0604020202020204" pitchFamily="34" charset="0"/>
+              </a:rPr>
+              <a:t>How to Train Your Dragon:                     $217,600,000 </a:t>
+            </a:r>
+          </a:p>
+          <a:p>
+            <a:pPr marL="0" marR="0" lvl="0" indent="0" algn="l" defTabSz="914400" rtl="0" eaLnBrk="0" fontAlgn="base" latinLnBrk="0" hangingPunct="0">
+              <a:lnSpc>
+                <a:spcPct val="100000"/>
+              </a:lnSpc>
+              <a:spcBef>
+                <a:spcPct val="0"/>
+              </a:spcBef>
+              <a:spcAft>
+                <a:spcPct val="0"/>
+              </a:spcAft>
+              <a:buClrTx/>
+              <a:buSzTx/>
+              <a:buFontTx/>
+              <a:buNone/>
+              <a:tabLst/>
+            </a:pPr>
+            <a:r>
+              <a:rPr kumimoji="0" lang="en-US" altLang="en-US" sz="1600" b="0" i="0" u="none" strike="noStrike" cap="none" normalizeH="0" baseline="0" dirty="0">
+                <a:ln>
+                  <a:noFill/>
+                </a:ln>
+                <a:solidFill>
+                  <a:schemeClr val="tx1"/>
+                </a:solidFill>
+                <a:effectLst/>
+                <a:latin typeface="Arial" panose="020B0604020202020204" pitchFamily="34" charset="0"/>
+              </a:rPr>
+              <a:t>Madagascar 3: Europe's Most Wanted: $216,400,000 </a:t>
+            </a:r>
+          </a:p>
+          <a:p>
+            <a:pPr marL="0" marR="0" lvl="0" indent="0" algn="l" defTabSz="914400" rtl="0" eaLnBrk="0" fontAlgn="base" latinLnBrk="0" hangingPunct="0">
+              <a:lnSpc>
+                <a:spcPct val="100000"/>
+              </a:lnSpc>
+              <a:spcBef>
+                <a:spcPct val="0"/>
+              </a:spcBef>
+              <a:spcAft>
+                <a:spcPct val="0"/>
+              </a:spcAft>
+              <a:buClrTx/>
+              <a:buSzTx/>
+              <a:buFontTx/>
+              <a:buNone/>
+              <a:tabLst/>
+            </a:pPr>
+            <a:r>
+              <a:rPr kumimoji="0" lang="en-US" altLang="en-US" sz="1600" b="0" i="0" u="none" strike="noStrike" cap="none" normalizeH="0" baseline="0" dirty="0">
+                <a:ln>
+                  <a:noFill/>
+                </a:ln>
+                <a:solidFill>
+                  <a:schemeClr val="tx1"/>
+                </a:solidFill>
+                <a:effectLst/>
+                <a:latin typeface="Arial" panose="020B0604020202020204" pitchFamily="34" charset="0"/>
+              </a:rPr>
+              <a:t>Kung Fu Panda 2:                                  $165,200,000</a:t>
+            </a:r>
+          </a:p>
+        </p:txBody>
+      </p:sp>
     </p:spTree>
     <p:extLst>
       <p:ext uri="{BB962C8B-B14F-4D97-AF65-F5344CB8AC3E}">
-        <p14:creationId xmlns:p14="http://schemas.microsoft.com/office/powerpoint/2010/main" val="4063635556"/>
+        <p14:creationId xmlns:p14="http://schemas.microsoft.com/office/powerpoint/2010/main" val="1921358050"/>
       </p:ext>
     </p:extLst>
   </p:cSld>
@@ -8888,7 +5601,7 @@
           <p:cNvPr id="2" name="Title 1">
             <a:extLst>
               <a:ext uri="{FF2B5EF4-FFF2-40B4-BE49-F238E27FC236}">
-                <a16:creationId xmlns:a16="http://schemas.microsoft.com/office/drawing/2014/main" id="{84979102-6228-4CAF-9D11-7049C10CA38B}"/>
+                <a16:creationId xmlns:a16="http://schemas.microsoft.com/office/drawing/2014/main" id="{38548F16-AC3D-40C6-B1CF-C35877BDB372}"/>
               </a:ext>
             </a:extLst>
           </p:cNvPr>
@@ -8907,109 +5620,82 @@
             <a:pPr algn="ctr"/>
             <a:r>
               <a:rPr lang="en-US" b="1" dirty="0"/>
-              <a:t>Results</a:t>
-            </a:r>
-          </a:p>
-        </p:txBody>
-      </p:sp>
-      <p:pic>
-        <p:nvPicPr>
-          <p:cNvPr id="4098" name="Picture 2">
+              <a:t>Conclusions</a:t>
+            </a:r>
+          </a:p>
+        </p:txBody>
+      </p:sp>
+      <p:sp>
+        <p:nvSpPr>
+          <p:cNvPr id="3" name="Content Placeholder 2">
             <a:extLst>
               <a:ext uri="{FF2B5EF4-FFF2-40B4-BE49-F238E27FC236}">
-                <a16:creationId xmlns:a16="http://schemas.microsoft.com/office/drawing/2014/main" id="{4D474F60-45B1-40C8-B0B5-2CA081EEB0A6}"/>
+                <a16:creationId xmlns:a16="http://schemas.microsoft.com/office/drawing/2014/main" id="{D9DEF484-265A-4C6E-BE02-9DDD69651759}"/>
               </a:ext>
             </a:extLst>
           </p:cNvPr>
-          <p:cNvPicPr>
-            <a:picLocks noChangeAspect="1" noChangeArrowheads="1"/>
-          </p:cNvPicPr>
-          <p:nvPr/>
-        </p:nvPicPr>
-        <p:blipFill>
-          <a:blip r:embed="rId2">
-            <a:extLst>
-              <a:ext uri="{28A0092B-C50C-407E-A947-70E740481C1C}">
-                <a14:useLocalDpi xmlns:a14="http://schemas.microsoft.com/office/drawing/2010/main" val="0"/>
-              </a:ext>
-            </a:extLst>
-          </a:blip>
-          <a:srcRect/>
-          <a:stretch>
-            <a:fillRect/>
-          </a:stretch>
-        </p:blipFill>
-        <p:spPr bwMode="auto">
-          <a:xfrm>
-            <a:off x="405353" y="2183161"/>
-            <a:ext cx="5721127" cy="3564611"/>
-          </a:xfrm>
-          <a:prstGeom prst="rect">
-            <a:avLst/>
-          </a:prstGeom>
-          <a:noFill/>
-          <a:extLst>
-            <a:ext uri="{909E8E84-426E-40DD-AFC4-6F175D3DCCD1}">
-              <a14:hiddenFill xmlns:a14="http://schemas.microsoft.com/office/drawing/2010/main">
-                <a:solidFill>
-                  <a:srgbClr val="FFFFFF"/>
-                </a:solidFill>
-              </a14:hiddenFill>
-            </a:ext>
-          </a:extLst>
-        </p:spPr>
-      </p:pic>
-      <p:pic>
-        <p:nvPicPr>
-          <p:cNvPr id="4100" name="Picture 4">
-            <a:extLst>
-              <a:ext uri="{FF2B5EF4-FFF2-40B4-BE49-F238E27FC236}">
-                <a16:creationId xmlns:a16="http://schemas.microsoft.com/office/drawing/2014/main" id="{C829939C-3715-421E-B8E8-BD5EE9FA2422}"/>
-              </a:ext>
-            </a:extLst>
-          </p:cNvPr>
-          <p:cNvPicPr>
-            <a:picLocks noChangeAspect="1" noChangeArrowheads="1"/>
-          </p:cNvPicPr>
-          <p:nvPr/>
-        </p:nvPicPr>
-        <p:blipFill>
-          <a:blip r:embed="rId3">
-            <a:extLst>
-              <a:ext uri="{28A0092B-C50C-407E-A947-70E740481C1C}">
-                <a14:useLocalDpi xmlns:a14="http://schemas.microsoft.com/office/drawing/2010/main" val="0"/>
-              </a:ext>
-            </a:extLst>
-          </a:blip>
-          <a:srcRect/>
-          <a:stretch>
-            <a:fillRect/>
-          </a:stretch>
-        </p:blipFill>
-        <p:spPr bwMode="auto">
-          <a:xfrm>
-            <a:off x="6477291" y="2183162"/>
-            <a:ext cx="5309356" cy="3564611"/>
-          </a:xfrm>
-          <a:prstGeom prst="rect">
-            <a:avLst/>
-          </a:prstGeom>
-          <a:noFill/>
-          <a:extLst>
-            <a:ext uri="{909E8E84-426E-40DD-AFC4-6F175D3DCCD1}">
-              <a14:hiddenFill xmlns:a14="http://schemas.microsoft.com/office/drawing/2010/main">
-                <a:solidFill>
-                  <a:srgbClr val="FFFFFF"/>
-                </a:solidFill>
-              </a14:hiddenFill>
-            </a:ext>
-          </a:extLst>
-        </p:spPr>
-      </p:pic>
+          <p:cNvSpPr>
+            <a:spLocks noGrp="1"/>
+          </p:cNvSpPr>
+          <p:nvPr>
+            <p:ph idx="1"/>
+          </p:nvPr>
+        </p:nvSpPr>
+        <p:spPr/>
+        <p:txBody>
+          <a:bodyPr>
+            <a:normAutofit/>
+          </a:bodyPr>
+          <a:lstStyle/>
+          <a:p>
+            <a:r>
+              <a:rPr lang="en-US" sz="2400" dirty="0"/>
+              <a:t>Adventure/Drama/Sport films make the most money in the Domestic Box Office, invest in live sporting events.</a:t>
+            </a:r>
+          </a:p>
+          <a:p>
+            <a:r>
+              <a:rPr lang="en-US" sz="2400" dirty="0"/>
+              <a:t>Action/Adventure/Sci-fi and Action/Adventure/Animation films are the 2</a:t>
+            </a:r>
+            <a:r>
+              <a:rPr lang="en-US" sz="2400" baseline="30000" dirty="0"/>
+              <a:t>nd</a:t>
+            </a:r>
+            <a:r>
+              <a:rPr lang="en-US" sz="2400" dirty="0"/>
+              <a:t> and 3</a:t>
+            </a:r>
+            <a:r>
+              <a:rPr lang="en-US" sz="2400" baseline="30000" dirty="0"/>
+              <a:t>rd</a:t>
+            </a:r>
+            <a:r>
+              <a:rPr lang="en-US" sz="2400" dirty="0"/>
+              <a:t> most profitable genres, those with sequels do the best. </a:t>
+            </a:r>
+          </a:p>
+          <a:p>
+            <a:r>
+              <a:rPr lang="en-US" sz="2400" dirty="0"/>
+              <a:t>Because Documentaries are the highest rated genre, invest in these as well, for recognition and awards.</a:t>
+            </a:r>
+          </a:p>
+          <a:p>
+            <a:r>
+              <a:rPr lang="en-US" sz="2400" dirty="0"/>
+              <a:t>In the future, data from 2019 onward would be interesting to look at to see how the film industry was affected by the Covid-19 Pandemic and how they adapted.</a:t>
+            </a:r>
+          </a:p>
+          <a:p>
+            <a:endParaRPr lang="en-US" sz="2400" dirty="0"/>
+          </a:p>
+        </p:txBody>
+      </p:sp>
     </p:spTree>
     <p:extLst>
       <p:ext uri="{BB962C8B-B14F-4D97-AF65-F5344CB8AC3E}">
-        <p14:creationId xmlns:p14="http://schemas.microsoft.com/office/powerpoint/2010/main" val="762790344"/>
+        <p14:creationId xmlns:p14="http://schemas.microsoft.com/office/powerpoint/2010/main" val="1024913155"/>
       </p:ext>
     </p:extLst>
   </p:cSld>
